--- a/sentiment Analysis.pptx
+++ b/sentiment Analysis.pptx
@@ -6,9 +6,16 @@
   </p:sldMasterIdLst>
   <p:sldIdLst>
     <p:sldId id="256" r:id="rId2"/>
-    <p:sldId id="257" r:id="rId3"/>
-    <p:sldId id="258" r:id="rId4"/>
-    <p:sldId id="259" r:id="rId5"/>
+    <p:sldId id="265" r:id="rId3"/>
+    <p:sldId id="266" r:id="rId4"/>
+    <p:sldId id="260" r:id="rId5"/>
+    <p:sldId id="257" r:id="rId6"/>
+    <p:sldId id="262" r:id="rId7"/>
+    <p:sldId id="267" r:id="rId8"/>
+    <p:sldId id="268" r:id="rId9"/>
+    <p:sldId id="261" r:id="rId10"/>
+    <p:sldId id="263" r:id="rId11"/>
+    <p:sldId id="264" r:id="rId12"/>
   </p:sldIdLst>
   <p:sldSz cx="9144000" cy="6858000" type="screen4x3"/>
   <p:notesSz cx="6858000" cy="9144000"/>
@@ -3253,16 +3260,16 @@
     </dgm:pt>
   </dgm:ptLst>
   <dgm:cxnLst>
+    <dgm:cxn modelId="{B05FB543-9E69-49DD-BB52-C759629DC3CD}" type="presOf" srcId="{DEE1FAD3-1DAD-485C-8C56-0B80085C778B}" destId="{C6F154F0-C54A-4CF4-A18A-14E903562DFB}" srcOrd="0" destOrd="0" presId="urn:microsoft.com/office/officeart/2005/8/layout/funnel1"/>
+    <dgm:cxn modelId="{CF1EDDA1-7F87-4156-AC17-C2CC04A1C9C3}" type="presOf" srcId="{5D1DDD0B-9B39-49F2-ACDE-580E4D252C0D}" destId="{5FC49174-8761-41AC-85FE-768C104F20E8}" srcOrd="0" destOrd="0" presId="urn:microsoft.com/office/officeart/2005/8/layout/funnel1"/>
     <dgm:cxn modelId="{2B50F199-2BBC-4D3E-AD54-EAC4A94AF25C}" srcId="{5D1DDD0B-9B39-49F2-ACDE-580E4D252C0D}" destId="{DEE1FAD3-1DAD-485C-8C56-0B80085C778B}" srcOrd="1" destOrd="0" parTransId="{C76A8AFC-5A42-4447-94D1-D1D4F79F9583}" sibTransId="{C58FD24F-4C5C-4AAA-87F7-7F5CD314E9A6}"/>
-    <dgm:cxn modelId="{B8663B82-4DD7-4472-B9D9-1F865E036BE3}" type="presOf" srcId="{C2A081A7-B8C2-412E-9A42-B6E29BF6F1B8}" destId="{CFC4115C-4418-47D9-9593-7B15211E9AC8}" srcOrd="0" destOrd="0" presId="urn:microsoft.com/office/officeart/2005/8/layout/funnel1"/>
+    <dgm:cxn modelId="{7F365891-82AC-4C34-B8AC-7B5811B49763}" type="presOf" srcId="{C2A081A7-B8C2-412E-9A42-B6E29BF6F1B8}" destId="{CFC4115C-4418-47D9-9593-7B15211E9AC8}" srcOrd="0" destOrd="0" presId="urn:microsoft.com/office/officeart/2005/8/layout/funnel1"/>
     <dgm:cxn modelId="{8B4A7E1B-267D-42AD-A48D-FB549A8A36E9}" srcId="{5D1DDD0B-9B39-49F2-ACDE-580E4D252C0D}" destId="{C2A081A7-B8C2-412E-9A42-B6E29BF6F1B8}" srcOrd="0" destOrd="0" parTransId="{3D49F2E0-BF8D-4625-99BD-8773E691FD1E}" sibTransId="{5CE4FEF5-8008-4D82-AC67-B9F799D3FE27}"/>
-    <dgm:cxn modelId="{44F0D0B4-8E1F-46FE-8C36-CC46DC6544B5}" type="presOf" srcId="{5D1DDD0B-9B39-49F2-ACDE-580E4D252C0D}" destId="{5FC49174-8761-41AC-85FE-768C104F20E8}" srcOrd="0" destOrd="0" presId="urn:microsoft.com/office/officeart/2005/8/layout/funnel1"/>
-    <dgm:cxn modelId="{5A8B125B-C24D-4BE9-8CEC-A7600AA5A1D7}" type="presOf" srcId="{DEE1FAD3-1DAD-485C-8C56-0B80085C778B}" destId="{C6F154F0-C54A-4CF4-A18A-14E903562DFB}" srcOrd="0" destOrd="0" presId="urn:microsoft.com/office/officeart/2005/8/layout/funnel1"/>
-    <dgm:cxn modelId="{4620FE72-1B23-483F-AFDE-F2E219C1FAE4}" type="presParOf" srcId="{5FC49174-8761-41AC-85FE-768C104F20E8}" destId="{DF94ED46-85A0-4B95-A608-A783486263B6}" srcOrd="0" destOrd="0" presId="urn:microsoft.com/office/officeart/2005/8/layout/funnel1"/>
-    <dgm:cxn modelId="{06068DDF-8D65-4D6C-80F4-A597C95172E8}" type="presParOf" srcId="{5FC49174-8761-41AC-85FE-768C104F20E8}" destId="{0343FF12-D40F-4011-AAF5-220780FE72FD}" srcOrd="1" destOrd="0" presId="urn:microsoft.com/office/officeart/2005/8/layout/funnel1"/>
-    <dgm:cxn modelId="{316B82B3-203E-47B6-BC8C-65BA3BAFE667}" type="presParOf" srcId="{5FC49174-8761-41AC-85FE-768C104F20E8}" destId="{C6F154F0-C54A-4CF4-A18A-14E903562DFB}" srcOrd="2" destOrd="0" presId="urn:microsoft.com/office/officeart/2005/8/layout/funnel1"/>
-    <dgm:cxn modelId="{01759225-2C0E-4342-A5C5-BE7EFF7CDCED}" type="presParOf" srcId="{5FC49174-8761-41AC-85FE-768C104F20E8}" destId="{CFC4115C-4418-47D9-9593-7B15211E9AC8}" srcOrd="3" destOrd="0" presId="urn:microsoft.com/office/officeart/2005/8/layout/funnel1"/>
-    <dgm:cxn modelId="{DFB7DA5F-66B5-4E30-BA31-414E218DAEBE}" type="presParOf" srcId="{5FC49174-8761-41AC-85FE-768C104F20E8}" destId="{B05319D2-A363-4009-9B12-FE9985C1F2CE}" srcOrd="4" destOrd="0" presId="urn:microsoft.com/office/officeart/2005/8/layout/funnel1"/>
+    <dgm:cxn modelId="{A51A5597-F70D-40B3-8D89-8C5342D4EABF}" type="presParOf" srcId="{5FC49174-8761-41AC-85FE-768C104F20E8}" destId="{DF94ED46-85A0-4B95-A608-A783486263B6}" srcOrd="0" destOrd="0" presId="urn:microsoft.com/office/officeart/2005/8/layout/funnel1"/>
+    <dgm:cxn modelId="{624CE340-A40A-4B04-8B10-12C61FE91FEA}" type="presParOf" srcId="{5FC49174-8761-41AC-85FE-768C104F20E8}" destId="{0343FF12-D40F-4011-AAF5-220780FE72FD}" srcOrd="1" destOrd="0" presId="urn:microsoft.com/office/officeart/2005/8/layout/funnel1"/>
+    <dgm:cxn modelId="{99277F9F-9E46-4D37-B36E-1B4D7E1E1ED5}" type="presParOf" srcId="{5FC49174-8761-41AC-85FE-768C104F20E8}" destId="{C6F154F0-C54A-4CF4-A18A-14E903562DFB}" srcOrd="2" destOrd="0" presId="urn:microsoft.com/office/officeart/2005/8/layout/funnel1"/>
+    <dgm:cxn modelId="{693CCE1B-1C71-4B86-81A7-852FC14F8460}" type="presParOf" srcId="{5FC49174-8761-41AC-85FE-768C104F20E8}" destId="{CFC4115C-4418-47D9-9593-7B15211E9AC8}" srcOrd="3" destOrd="0" presId="urn:microsoft.com/office/officeart/2005/8/layout/funnel1"/>
+    <dgm:cxn modelId="{3ED943ED-618D-4EE9-830B-346D89A4180D}" type="presParOf" srcId="{5FC49174-8761-41AC-85FE-768C104F20E8}" destId="{B05319D2-A363-4009-9B12-FE9985C1F2CE}" srcOrd="4" destOrd="0" presId="urn:microsoft.com/office/officeart/2005/8/layout/funnel1"/>
   </dgm:cxnLst>
   <dgm:bg/>
   <dgm:whole/>
@@ -3499,21 +3506,21 @@
   </dgm:ptLst>
   <dgm:cxnLst>
     <dgm:cxn modelId="{94685D2A-7721-45CC-A351-32FED5758A72}" srcId="{639ECEE5-9B85-4401-A810-DDD29EE49B93}" destId="{834E783F-9414-4164-A5BF-9B0814D10FDB}" srcOrd="2" destOrd="0" parTransId="{B21CEC85-6D04-47FD-963E-BF7A52D641BD}" sibTransId="{7B573E6C-D81F-4FBA-B460-D0C2AEFD2BAF}"/>
+    <dgm:cxn modelId="{BC4033EB-F979-4315-9AF6-B00D40A72B07}" type="presOf" srcId="{050A9762-16BF-419D-AFF3-4AF5508A00FC}" destId="{841CFF10-EE10-45F9-B1B4-1BEB5933A662}" srcOrd="0" destOrd="0" presId="urn:microsoft.com/office/officeart/2005/8/layout/venn3"/>
+    <dgm:cxn modelId="{57CACB95-E3E2-4DF5-92CB-B1AECEB98A72}" type="presOf" srcId="{834E783F-9414-4164-A5BF-9B0814D10FDB}" destId="{E08D73C2-3BE2-4B4B-86EE-A45E6C4FB642}" srcOrd="0" destOrd="0" presId="urn:microsoft.com/office/officeart/2005/8/layout/venn3"/>
     <dgm:cxn modelId="{1F6D9CAB-D80C-42C2-BE1C-BD0933A1E426}" srcId="{639ECEE5-9B85-4401-A810-DDD29EE49B93}" destId="{D371F1B3-A634-4C00-8AC6-DC6475084A6A}" srcOrd="0" destOrd="0" parTransId="{253402DB-8175-41E8-8213-E84D94853D82}" sibTransId="{22A8FC40-7696-4184-AA48-3AB12330F833}"/>
-    <dgm:cxn modelId="{2B298E72-E8F9-44A4-9287-9B2E280EC065}" type="presOf" srcId="{D371F1B3-A634-4C00-8AC6-DC6475084A6A}" destId="{32C7719C-C75A-4C40-BB86-A1FA9696BE2F}" srcOrd="0" destOrd="0" presId="urn:microsoft.com/office/officeart/2005/8/layout/venn3"/>
-    <dgm:cxn modelId="{01080F14-6884-4E00-B4FA-87737D308E1D}" type="presOf" srcId="{639ECEE5-9B85-4401-A810-DDD29EE49B93}" destId="{A8147FA6-A916-4DF2-ABE1-BF4A756E8D5B}" srcOrd="0" destOrd="0" presId="urn:microsoft.com/office/officeart/2005/8/layout/venn3"/>
+    <dgm:cxn modelId="{017FF904-FF08-4C44-9724-55FD007E3965}" type="presOf" srcId="{49B9F009-AB52-476F-AE09-F037B66760FE}" destId="{0C7215B1-111F-4282-A4D5-53285BA1E7E1}" srcOrd="0" destOrd="0" presId="urn:microsoft.com/office/officeart/2005/8/layout/venn3"/>
+    <dgm:cxn modelId="{765B2009-AE17-4AC9-A085-2A1CCE74E3D3}" type="presOf" srcId="{D371F1B3-A634-4C00-8AC6-DC6475084A6A}" destId="{32C7719C-C75A-4C40-BB86-A1FA9696BE2F}" srcOrd="0" destOrd="0" presId="urn:microsoft.com/office/officeart/2005/8/layout/venn3"/>
     <dgm:cxn modelId="{00328B2E-E082-4E8F-972F-690B654A0BCB}" srcId="{639ECEE5-9B85-4401-A810-DDD29EE49B93}" destId="{49B9F009-AB52-476F-AE09-F037B66760FE}" srcOrd="3" destOrd="0" parTransId="{15A8F649-85BD-44A3-98E4-628E61ED3F77}" sibTransId="{425228B9-3F26-4DB7-BC7D-5AA0CC38C245}"/>
-    <dgm:cxn modelId="{546E28AB-121E-400D-8F2D-246B984A9731}" type="presOf" srcId="{834E783F-9414-4164-A5BF-9B0814D10FDB}" destId="{E08D73C2-3BE2-4B4B-86EE-A45E6C4FB642}" srcOrd="0" destOrd="0" presId="urn:microsoft.com/office/officeart/2005/8/layout/venn3"/>
-    <dgm:cxn modelId="{61486A5A-0F69-4B65-B906-E8B75199EC8C}" type="presOf" srcId="{050A9762-16BF-419D-AFF3-4AF5508A00FC}" destId="{841CFF10-EE10-45F9-B1B4-1BEB5933A662}" srcOrd="0" destOrd="0" presId="urn:microsoft.com/office/officeart/2005/8/layout/venn3"/>
-    <dgm:cxn modelId="{F784D06A-DA09-4FA5-8750-BA8FD42499F0}" type="presOf" srcId="{49B9F009-AB52-476F-AE09-F037B66760FE}" destId="{0C7215B1-111F-4282-A4D5-53285BA1E7E1}" srcOrd="0" destOrd="0" presId="urn:microsoft.com/office/officeart/2005/8/layout/venn3"/>
+    <dgm:cxn modelId="{2F65644B-3FF6-42E4-92BD-7053E8C98899}" type="presOf" srcId="{639ECEE5-9B85-4401-A810-DDD29EE49B93}" destId="{A8147FA6-A916-4DF2-ABE1-BF4A756E8D5B}" srcOrd="0" destOrd="0" presId="urn:microsoft.com/office/officeart/2005/8/layout/venn3"/>
     <dgm:cxn modelId="{947F816A-4132-4BB2-A917-48F3BA1B3372}" srcId="{639ECEE5-9B85-4401-A810-DDD29EE49B93}" destId="{050A9762-16BF-419D-AFF3-4AF5508A00FC}" srcOrd="1" destOrd="0" parTransId="{CAFBF395-A97C-4469-BF2C-C77300CF5A8E}" sibTransId="{CEEC107E-0C6A-4E44-9F89-569021B0F899}"/>
-    <dgm:cxn modelId="{D6A0A304-A527-4A1A-B267-29E10BD82B55}" type="presParOf" srcId="{A8147FA6-A916-4DF2-ABE1-BF4A756E8D5B}" destId="{32C7719C-C75A-4C40-BB86-A1FA9696BE2F}" srcOrd="0" destOrd="0" presId="urn:microsoft.com/office/officeart/2005/8/layout/venn3"/>
-    <dgm:cxn modelId="{CD70C2A4-0966-4BA8-887D-151D206B0045}" type="presParOf" srcId="{A8147FA6-A916-4DF2-ABE1-BF4A756E8D5B}" destId="{0A3C3D31-3AE0-43E8-8CF2-C8354061831D}" srcOrd="1" destOrd="0" presId="urn:microsoft.com/office/officeart/2005/8/layout/venn3"/>
-    <dgm:cxn modelId="{98720566-CF42-4124-AEDC-73F1DE7DDBAA}" type="presParOf" srcId="{A8147FA6-A916-4DF2-ABE1-BF4A756E8D5B}" destId="{841CFF10-EE10-45F9-B1B4-1BEB5933A662}" srcOrd="2" destOrd="0" presId="urn:microsoft.com/office/officeart/2005/8/layout/venn3"/>
-    <dgm:cxn modelId="{79AE30FF-8349-4EFF-8511-FB054EB397DA}" type="presParOf" srcId="{A8147FA6-A916-4DF2-ABE1-BF4A756E8D5B}" destId="{07961B5C-B0B4-4ED9-83CD-EEF32B8C9398}" srcOrd="3" destOrd="0" presId="urn:microsoft.com/office/officeart/2005/8/layout/venn3"/>
-    <dgm:cxn modelId="{4E201E2F-DA1F-4398-8477-B1FEDBA8F904}" type="presParOf" srcId="{A8147FA6-A916-4DF2-ABE1-BF4A756E8D5B}" destId="{E08D73C2-3BE2-4B4B-86EE-A45E6C4FB642}" srcOrd="4" destOrd="0" presId="urn:microsoft.com/office/officeart/2005/8/layout/venn3"/>
-    <dgm:cxn modelId="{1DEB1B59-6A29-4ACB-B719-11E96F9B2A06}" type="presParOf" srcId="{A8147FA6-A916-4DF2-ABE1-BF4A756E8D5B}" destId="{9B6E5E40-0F59-47F5-96EE-C693035D6EE1}" srcOrd="5" destOrd="0" presId="urn:microsoft.com/office/officeart/2005/8/layout/venn3"/>
-    <dgm:cxn modelId="{FBDF581D-B141-498A-9223-34FC4D6C8FF8}" type="presParOf" srcId="{A8147FA6-A916-4DF2-ABE1-BF4A756E8D5B}" destId="{0C7215B1-111F-4282-A4D5-53285BA1E7E1}" srcOrd="6" destOrd="0" presId="urn:microsoft.com/office/officeart/2005/8/layout/venn3"/>
+    <dgm:cxn modelId="{76BC5AE7-37AA-4D2C-941A-FD9F12B0998D}" type="presParOf" srcId="{A8147FA6-A916-4DF2-ABE1-BF4A756E8D5B}" destId="{32C7719C-C75A-4C40-BB86-A1FA9696BE2F}" srcOrd="0" destOrd="0" presId="urn:microsoft.com/office/officeart/2005/8/layout/venn3"/>
+    <dgm:cxn modelId="{A7610CC4-A87C-4CF6-AADD-4554F9FD7E45}" type="presParOf" srcId="{A8147FA6-A916-4DF2-ABE1-BF4A756E8D5B}" destId="{0A3C3D31-3AE0-43E8-8CF2-C8354061831D}" srcOrd="1" destOrd="0" presId="urn:microsoft.com/office/officeart/2005/8/layout/venn3"/>
+    <dgm:cxn modelId="{1467EB9D-ACD9-4309-A2F8-4AA5E5F7F627}" type="presParOf" srcId="{A8147FA6-A916-4DF2-ABE1-BF4A756E8D5B}" destId="{841CFF10-EE10-45F9-B1B4-1BEB5933A662}" srcOrd="2" destOrd="0" presId="urn:microsoft.com/office/officeart/2005/8/layout/venn3"/>
+    <dgm:cxn modelId="{73C3D828-4621-45A1-8ABA-FD36977FFFF7}" type="presParOf" srcId="{A8147FA6-A916-4DF2-ABE1-BF4A756E8D5B}" destId="{07961B5C-B0B4-4ED9-83CD-EEF32B8C9398}" srcOrd="3" destOrd="0" presId="urn:microsoft.com/office/officeart/2005/8/layout/venn3"/>
+    <dgm:cxn modelId="{E0D86BBE-68A8-41C4-9AA9-E9A29B88E139}" type="presParOf" srcId="{A8147FA6-A916-4DF2-ABE1-BF4A756E8D5B}" destId="{E08D73C2-3BE2-4B4B-86EE-A45E6C4FB642}" srcOrd="4" destOrd="0" presId="urn:microsoft.com/office/officeart/2005/8/layout/venn3"/>
+    <dgm:cxn modelId="{9A77022F-DAFB-452C-8BD0-EF1A744E491A}" type="presParOf" srcId="{A8147FA6-A916-4DF2-ABE1-BF4A756E8D5B}" destId="{9B6E5E40-0F59-47F5-96EE-C693035D6EE1}" srcOrd="5" destOrd="0" presId="urn:microsoft.com/office/officeart/2005/8/layout/venn3"/>
+    <dgm:cxn modelId="{00FB9978-3B49-4F3E-912E-0C3A87D962A2}" type="presParOf" srcId="{A8147FA6-A916-4DF2-ABE1-BF4A756E8D5B}" destId="{0C7215B1-111F-4282-A4D5-53285BA1E7E1}" srcOrd="6" destOrd="0" presId="urn:microsoft.com/office/officeart/2005/8/layout/venn3"/>
   </dgm:cxnLst>
   <dgm:bg/>
   <dgm:whole/>
@@ -3660,25 +3667,25 @@
     </dgm:pt>
   </dgm:ptLst>
   <dgm:cxnLst>
-    <dgm:cxn modelId="{2A1C0E70-CE8A-4CFE-B18A-E51ACB96B022}" type="presOf" srcId="{4493C405-279F-47D2-9360-78D2CEFE02A8}" destId="{11ADCC0C-D55B-4EC4-883F-2E6A749EE684}" srcOrd="1" destOrd="0" presId="urn:microsoft.com/office/officeart/2005/8/layout/gear1"/>
+    <dgm:cxn modelId="{422810B2-361E-40C2-B65B-3637C06D0504}" type="presOf" srcId="{4493C405-279F-47D2-9360-78D2CEFE02A8}" destId="{DBC9D9D7-E05E-495F-BC66-A93C2357F9E4}" srcOrd="2" destOrd="0" presId="urn:microsoft.com/office/officeart/2005/8/layout/gear1"/>
+    <dgm:cxn modelId="{9140187E-FEF5-4686-BB5F-F23D9D62B369}" type="presOf" srcId="{3C0E1154-8FBB-40F1-8A90-F3E942A7388A}" destId="{6A82D2FA-3F65-4D4C-B044-480AF431EDFA}" srcOrd="0" destOrd="0" presId="urn:microsoft.com/office/officeart/2005/8/layout/gear1"/>
+    <dgm:cxn modelId="{A7AEAEEE-29AD-40E3-8D8D-3D32FC2380AF}" type="presOf" srcId="{9BE629C4-24A2-43EB-94EB-0DD7812F0CFA}" destId="{C65969F0-DE5A-4B89-9981-D8676678925F}" srcOrd="0" destOrd="0" presId="urn:microsoft.com/office/officeart/2005/8/layout/gear1"/>
+    <dgm:cxn modelId="{8E21F9CD-8DD5-4903-8DB5-EFE72CE96BDB}" type="presOf" srcId="{7FE9833C-B970-498A-AC93-F2A1E95CE1AA}" destId="{FE60490C-1E1B-4494-A827-B11E04E53F82}" srcOrd="2" destOrd="0" presId="urn:microsoft.com/office/officeart/2005/8/layout/gear1"/>
     <dgm:cxn modelId="{34CC25EE-809E-43DC-B792-C05F75C9FCA4}" srcId="{C12AD68C-1DBC-4416-8AFF-15A3B13EC027}" destId="{4493C405-279F-47D2-9360-78D2CEFE02A8}" srcOrd="1" destOrd="0" parTransId="{8DF0EC07-9807-4D94-9871-5270873753E6}" sibTransId="{3C0E1154-8FBB-40F1-8A90-F3E942A7388A}"/>
-    <dgm:cxn modelId="{3B70735C-E329-4ACB-AAA1-D4E7DE165113}" type="presOf" srcId="{C12AD68C-1DBC-4416-8AFF-15A3B13EC027}" destId="{DED672CD-5B9A-4931-9F1F-87B6BB436C31}" srcOrd="0" destOrd="0" presId="urn:microsoft.com/office/officeart/2005/8/layout/gear1"/>
-    <dgm:cxn modelId="{C4AA5698-9BF5-41E1-9C58-9BD8F43C83D3}" type="presOf" srcId="{7FE9833C-B970-498A-AC93-F2A1E95CE1AA}" destId="{3AD73D0B-65A4-4C6B-ADE3-16B4B731E7E4}" srcOrd="1" destOrd="0" presId="urn:microsoft.com/office/officeart/2005/8/layout/gear1"/>
-    <dgm:cxn modelId="{EE35844B-99F7-4D93-A4AF-0C79F0E8B8D6}" type="presOf" srcId="{9BE629C4-24A2-43EB-94EB-0DD7812F0CFA}" destId="{C65969F0-DE5A-4B89-9981-D8676678925F}" srcOrd="0" destOrd="0" presId="urn:microsoft.com/office/officeart/2005/8/layout/gear1"/>
-    <dgm:cxn modelId="{75FC346D-6D49-4659-A9BC-30FE361D5C64}" type="presOf" srcId="{7FE9833C-B970-498A-AC93-F2A1E95CE1AA}" destId="{FE60490C-1E1B-4494-A827-B11E04E53F82}" srcOrd="2" destOrd="0" presId="urn:microsoft.com/office/officeart/2005/8/layout/gear1"/>
-    <dgm:cxn modelId="{D655A04F-58F0-4AE8-A700-550D6DCD4BFA}" type="presOf" srcId="{4493C405-279F-47D2-9360-78D2CEFE02A8}" destId="{1B158B27-D8D4-4649-AF96-4CFFBD907A15}" srcOrd="0" destOrd="0" presId="urn:microsoft.com/office/officeart/2005/8/layout/gear1"/>
-    <dgm:cxn modelId="{CEB01BA4-3097-487E-A96C-64C851C32645}" type="presOf" srcId="{3C0E1154-8FBB-40F1-8A90-F3E942A7388A}" destId="{6A82D2FA-3F65-4D4C-B044-480AF431EDFA}" srcOrd="0" destOrd="0" presId="urn:microsoft.com/office/officeart/2005/8/layout/gear1"/>
-    <dgm:cxn modelId="{56E5AAF4-141C-4D55-84FB-986D9FB63F37}" type="presOf" srcId="{4493C405-279F-47D2-9360-78D2CEFE02A8}" destId="{DBC9D9D7-E05E-495F-BC66-A93C2357F9E4}" srcOrd="2" destOrd="0" presId="urn:microsoft.com/office/officeart/2005/8/layout/gear1"/>
-    <dgm:cxn modelId="{B37181A5-E0D9-45E1-87C9-65888ABA978B}" type="presOf" srcId="{7FE9833C-B970-498A-AC93-F2A1E95CE1AA}" destId="{0D831612-2041-40A5-B997-8A0AC6D67B88}" srcOrd="0" destOrd="0" presId="urn:microsoft.com/office/officeart/2005/8/layout/gear1"/>
+    <dgm:cxn modelId="{478FC714-AEB5-4B21-A729-38314B3A7E22}" type="presOf" srcId="{4493C405-279F-47D2-9360-78D2CEFE02A8}" destId="{1B158B27-D8D4-4649-AF96-4CFFBD907A15}" srcOrd="0" destOrd="0" presId="urn:microsoft.com/office/officeart/2005/8/layout/gear1"/>
+    <dgm:cxn modelId="{2301EAEE-A654-431F-AF2A-F6D7875AF8F7}" type="presOf" srcId="{7FE9833C-B970-498A-AC93-F2A1E95CE1AA}" destId="{3AD73D0B-65A4-4C6B-ADE3-16B4B731E7E4}" srcOrd="1" destOrd="0" presId="urn:microsoft.com/office/officeart/2005/8/layout/gear1"/>
+    <dgm:cxn modelId="{E0F353D1-FC5A-45A2-88E5-68DECCB3D672}" type="presOf" srcId="{7FE9833C-B970-498A-AC93-F2A1E95CE1AA}" destId="{0D831612-2041-40A5-B997-8A0AC6D67B88}" srcOrd="0" destOrd="0" presId="urn:microsoft.com/office/officeart/2005/8/layout/gear1"/>
+    <dgm:cxn modelId="{F908DD7F-17C8-479A-A01F-7CBF76D352B5}" type="presOf" srcId="{4493C405-279F-47D2-9360-78D2CEFE02A8}" destId="{11ADCC0C-D55B-4EC4-883F-2E6A749EE684}" srcOrd="1" destOrd="0" presId="urn:microsoft.com/office/officeart/2005/8/layout/gear1"/>
     <dgm:cxn modelId="{FEE2C6EB-8486-4137-9BDE-45CB67C9BC76}" srcId="{C12AD68C-1DBC-4416-8AFF-15A3B13EC027}" destId="{7FE9833C-B970-498A-AC93-F2A1E95CE1AA}" srcOrd="0" destOrd="0" parTransId="{ED1A056D-1808-400A-9DCE-658B88C13236}" sibTransId="{9BE629C4-24A2-43EB-94EB-0DD7812F0CFA}"/>
-    <dgm:cxn modelId="{8B41510C-BA77-4CAA-8857-CE9CCDF6F482}" type="presParOf" srcId="{DED672CD-5B9A-4931-9F1F-87B6BB436C31}" destId="{0D831612-2041-40A5-B997-8A0AC6D67B88}" srcOrd="0" destOrd="0" presId="urn:microsoft.com/office/officeart/2005/8/layout/gear1"/>
-    <dgm:cxn modelId="{E870583E-F15F-4349-B661-78CBE64549AE}" type="presParOf" srcId="{DED672CD-5B9A-4931-9F1F-87B6BB436C31}" destId="{3AD73D0B-65A4-4C6B-ADE3-16B4B731E7E4}" srcOrd="1" destOrd="0" presId="urn:microsoft.com/office/officeart/2005/8/layout/gear1"/>
-    <dgm:cxn modelId="{11AA9C9F-BB94-497D-88A8-51403475DD5C}" type="presParOf" srcId="{DED672CD-5B9A-4931-9F1F-87B6BB436C31}" destId="{FE60490C-1E1B-4494-A827-B11E04E53F82}" srcOrd="2" destOrd="0" presId="urn:microsoft.com/office/officeart/2005/8/layout/gear1"/>
-    <dgm:cxn modelId="{C3231B1B-9844-49D3-BDF8-2E5E8A9E378F}" type="presParOf" srcId="{DED672CD-5B9A-4931-9F1F-87B6BB436C31}" destId="{1B158B27-D8D4-4649-AF96-4CFFBD907A15}" srcOrd="3" destOrd="0" presId="urn:microsoft.com/office/officeart/2005/8/layout/gear1"/>
-    <dgm:cxn modelId="{70C5770C-FE78-49C5-A258-0478D63F6C72}" type="presParOf" srcId="{DED672CD-5B9A-4931-9F1F-87B6BB436C31}" destId="{11ADCC0C-D55B-4EC4-883F-2E6A749EE684}" srcOrd="4" destOrd="0" presId="urn:microsoft.com/office/officeart/2005/8/layout/gear1"/>
-    <dgm:cxn modelId="{A0E18B09-153C-454C-BC14-7428BC4CA4AB}" type="presParOf" srcId="{DED672CD-5B9A-4931-9F1F-87B6BB436C31}" destId="{DBC9D9D7-E05E-495F-BC66-A93C2357F9E4}" srcOrd="5" destOrd="0" presId="urn:microsoft.com/office/officeart/2005/8/layout/gear1"/>
-    <dgm:cxn modelId="{A5DA8549-0D41-4092-8E52-DFBE76105959}" type="presParOf" srcId="{DED672CD-5B9A-4931-9F1F-87B6BB436C31}" destId="{C65969F0-DE5A-4B89-9981-D8676678925F}" srcOrd="6" destOrd="0" presId="urn:microsoft.com/office/officeart/2005/8/layout/gear1"/>
-    <dgm:cxn modelId="{E389905C-24CA-47CD-8C27-2E573611D29B}" type="presParOf" srcId="{DED672CD-5B9A-4931-9F1F-87B6BB436C31}" destId="{6A82D2FA-3F65-4D4C-B044-480AF431EDFA}" srcOrd="7" destOrd="0" presId="urn:microsoft.com/office/officeart/2005/8/layout/gear1"/>
+    <dgm:cxn modelId="{EFE938AC-B2B4-411D-BDC5-F20D6E7C0D20}" type="presOf" srcId="{C12AD68C-1DBC-4416-8AFF-15A3B13EC027}" destId="{DED672CD-5B9A-4931-9F1F-87B6BB436C31}" srcOrd="0" destOrd="0" presId="urn:microsoft.com/office/officeart/2005/8/layout/gear1"/>
+    <dgm:cxn modelId="{AC69C600-FF59-4EB6-A8AE-00EC9D197532}" type="presParOf" srcId="{DED672CD-5B9A-4931-9F1F-87B6BB436C31}" destId="{0D831612-2041-40A5-B997-8A0AC6D67B88}" srcOrd="0" destOrd="0" presId="urn:microsoft.com/office/officeart/2005/8/layout/gear1"/>
+    <dgm:cxn modelId="{E977DA6F-A1B8-49D8-83BF-DBF86F66B6B7}" type="presParOf" srcId="{DED672CD-5B9A-4931-9F1F-87B6BB436C31}" destId="{3AD73D0B-65A4-4C6B-ADE3-16B4B731E7E4}" srcOrd="1" destOrd="0" presId="urn:microsoft.com/office/officeart/2005/8/layout/gear1"/>
+    <dgm:cxn modelId="{E1789DB0-9FF1-4BA9-B664-150F5D089B09}" type="presParOf" srcId="{DED672CD-5B9A-4931-9F1F-87B6BB436C31}" destId="{FE60490C-1E1B-4494-A827-B11E04E53F82}" srcOrd="2" destOrd="0" presId="urn:microsoft.com/office/officeart/2005/8/layout/gear1"/>
+    <dgm:cxn modelId="{4E595641-1120-4EE8-9C66-FFB71AB00E45}" type="presParOf" srcId="{DED672CD-5B9A-4931-9F1F-87B6BB436C31}" destId="{1B158B27-D8D4-4649-AF96-4CFFBD907A15}" srcOrd="3" destOrd="0" presId="urn:microsoft.com/office/officeart/2005/8/layout/gear1"/>
+    <dgm:cxn modelId="{623AFF10-304F-443D-B5AD-815B13C37515}" type="presParOf" srcId="{DED672CD-5B9A-4931-9F1F-87B6BB436C31}" destId="{11ADCC0C-D55B-4EC4-883F-2E6A749EE684}" srcOrd="4" destOrd="0" presId="urn:microsoft.com/office/officeart/2005/8/layout/gear1"/>
+    <dgm:cxn modelId="{4A41C018-46A5-4A4C-A34F-58DCBEB3E86B}" type="presParOf" srcId="{DED672CD-5B9A-4931-9F1F-87B6BB436C31}" destId="{DBC9D9D7-E05E-495F-BC66-A93C2357F9E4}" srcOrd="5" destOrd="0" presId="urn:microsoft.com/office/officeart/2005/8/layout/gear1"/>
+    <dgm:cxn modelId="{9610633A-A4B8-4009-AFFC-8DB42B139960}" type="presParOf" srcId="{DED672CD-5B9A-4931-9F1F-87B6BB436C31}" destId="{C65969F0-DE5A-4B89-9981-D8676678925F}" srcOrd="6" destOrd="0" presId="urn:microsoft.com/office/officeart/2005/8/layout/gear1"/>
+    <dgm:cxn modelId="{52479FAA-AD57-4DF8-A7A7-66B4B6ADF2DF}" type="presParOf" srcId="{DED672CD-5B9A-4931-9F1F-87B6BB436C31}" destId="{6A82D2FA-3F65-4D4C-B044-480AF431EDFA}" srcOrd="7" destOrd="0" presId="urn:microsoft.com/office/officeart/2005/8/layout/gear1"/>
   </dgm:cxnLst>
   <dgm:bg/>
   <dgm:whole/>
@@ -3763,10 +3770,10 @@
     </dgm:pt>
   </dgm:ptLst>
   <dgm:cxnLst>
-    <dgm:cxn modelId="{C51541A2-E5F0-43DA-9679-8ABF1BA41A75}" type="presOf" srcId="{144BE02D-7096-4A4B-B29C-2D29FFA11DB0}" destId="{91C3EF7D-D554-45F2-B1DC-B0E0FD8EC264}" srcOrd="0" destOrd="0" presId="urn:microsoft.com/office/officeart/2005/8/layout/chevron1"/>
     <dgm:cxn modelId="{7E0D5592-A7C2-4ED6-A313-0FE7FFF2682B}" srcId="{BD2E44CC-4801-4EC7-A8DF-F5857C1B7985}" destId="{144BE02D-7096-4A4B-B29C-2D29FFA11DB0}" srcOrd="0" destOrd="0" parTransId="{9142BEE4-321B-4AB0-9417-897ED98F53A1}" sibTransId="{2A46585A-FA70-47A4-A483-4B8D038D1483}"/>
-    <dgm:cxn modelId="{97B26366-1E81-49EE-9663-7640222E478E}" type="presOf" srcId="{BD2E44CC-4801-4EC7-A8DF-F5857C1B7985}" destId="{601D38E9-22FD-4FE0-9A80-044B18895BA0}" srcOrd="0" destOrd="0" presId="urn:microsoft.com/office/officeart/2005/8/layout/chevron1"/>
-    <dgm:cxn modelId="{C9D49DC6-57FD-4DF7-B401-F20AF69365AA}" type="presParOf" srcId="{601D38E9-22FD-4FE0-9A80-044B18895BA0}" destId="{91C3EF7D-D554-45F2-B1DC-B0E0FD8EC264}" srcOrd="0" destOrd="0" presId="urn:microsoft.com/office/officeart/2005/8/layout/chevron1"/>
+    <dgm:cxn modelId="{9041C0D6-9043-407E-ABA4-F8F31B409496}" type="presOf" srcId="{BD2E44CC-4801-4EC7-A8DF-F5857C1B7985}" destId="{601D38E9-22FD-4FE0-9A80-044B18895BA0}" srcOrd="0" destOrd="0" presId="urn:microsoft.com/office/officeart/2005/8/layout/chevron1"/>
+    <dgm:cxn modelId="{2B1381D4-7D21-42C7-87CD-56E3B0D4CDF1}" type="presOf" srcId="{144BE02D-7096-4A4B-B29C-2D29FFA11DB0}" destId="{91C3EF7D-D554-45F2-B1DC-B0E0FD8EC264}" srcOrd="0" destOrd="0" presId="urn:microsoft.com/office/officeart/2005/8/layout/chevron1"/>
+    <dgm:cxn modelId="{0F714147-C270-4516-9C50-5A5BB1469AF8}" type="presParOf" srcId="{601D38E9-22FD-4FE0-9A80-044B18895BA0}" destId="{91C3EF7D-D554-45F2-B1DC-B0E0FD8EC264}" srcOrd="0" destOrd="0" presId="urn:microsoft.com/office/officeart/2005/8/layout/chevron1"/>
   </dgm:cxnLst>
   <dgm:bg/>
   <dgm:whole/>
@@ -13201,6 +13208,164 @@
 </p:sld>
 </file>
 
+<file path=ppt/slides/slide10.xml><?xml version="1.0" encoding="utf-8"?>
+<p:sld xmlns:a="http://schemas.openxmlformats.org/drawingml/2006/main" xmlns:r="http://schemas.openxmlformats.org/officeDocument/2006/relationships" xmlns:p="http://schemas.openxmlformats.org/presentationml/2006/main">
+  <p:cSld>
+    <p:spTree>
+      <p:nvGrpSpPr>
+        <p:cNvPr id="1" name=""/>
+        <p:cNvGrpSpPr/>
+        <p:nvPr/>
+      </p:nvGrpSpPr>
+      <p:grpSpPr>
+        <a:xfrm>
+          <a:off x="0" y="0"/>
+          <a:ext cx="0" cy="0"/>
+          <a:chOff x="0" y="0"/>
+          <a:chExt cx="0" cy="0"/>
+        </a:xfrm>
+      </p:grpSpPr>
+      <p:sp>
+        <p:nvSpPr>
+          <p:cNvPr id="2" name="Title 1"/>
+          <p:cNvSpPr>
+            <a:spLocks noGrp="1"/>
+          </p:cNvSpPr>
+          <p:nvPr>
+            <p:ph type="title"/>
+          </p:nvPr>
+        </p:nvSpPr>
+        <p:spPr/>
+        <p:txBody>
+          <a:bodyPr/>
+          <a:lstStyle/>
+          <a:p>
+            <a:r>
+              <a:rPr lang="en-US" dirty="0" smtClean="0"/>
+              <a:t>Future Scope</a:t>
+            </a:r>
+            <a:endParaRPr lang="en-US" dirty="0"/>
+          </a:p>
+        </p:txBody>
+      </p:sp>
+      <p:sp>
+        <p:nvSpPr>
+          <p:cNvPr id="3" name="Content Placeholder 2"/>
+          <p:cNvSpPr>
+            <a:spLocks noGrp="1"/>
+          </p:cNvSpPr>
+          <p:nvPr>
+            <p:ph idx="1"/>
+          </p:nvPr>
+        </p:nvSpPr>
+        <p:spPr/>
+        <p:txBody>
+          <a:bodyPr/>
+          <a:lstStyle/>
+          <a:p>
+            <a:endParaRPr lang="en-US"/>
+          </a:p>
+        </p:txBody>
+      </p:sp>
+    </p:spTree>
+    <p:extLst>
+      <p:ext uri="{BB962C8B-B14F-4D97-AF65-F5344CB8AC3E}">
+        <p14:creationId xmlns:p14="http://schemas.microsoft.com/office/powerpoint/2010/main" val="2641419313"/>
+      </p:ext>
+    </p:extLst>
+  </p:cSld>
+  <p:clrMapOvr>
+    <a:masterClrMapping/>
+  </p:clrMapOvr>
+  <p:timing>
+    <p:tnLst>
+      <p:par>
+        <p:cTn id="1" dur="indefinite" restart="never" nodeType="tmRoot"/>
+      </p:par>
+    </p:tnLst>
+  </p:timing>
+</p:sld>
+</file>
+
+<file path=ppt/slides/slide11.xml><?xml version="1.0" encoding="utf-8"?>
+<p:sld xmlns:a="http://schemas.openxmlformats.org/drawingml/2006/main" xmlns:r="http://schemas.openxmlformats.org/officeDocument/2006/relationships" xmlns:p="http://schemas.openxmlformats.org/presentationml/2006/main">
+  <p:cSld>
+    <p:spTree>
+      <p:nvGrpSpPr>
+        <p:cNvPr id="1" name=""/>
+        <p:cNvGrpSpPr/>
+        <p:nvPr/>
+      </p:nvGrpSpPr>
+      <p:grpSpPr>
+        <a:xfrm>
+          <a:off x="0" y="0"/>
+          <a:ext cx="0" cy="0"/>
+          <a:chOff x="0" y="0"/>
+          <a:chExt cx="0" cy="0"/>
+        </a:xfrm>
+      </p:grpSpPr>
+      <p:sp>
+        <p:nvSpPr>
+          <p:cNvPr id="2" name="Title 1"/>
+          <p:cNvSpPr>
+            <a:spLocks noGrp="1"/>
+          </p:cNvSpPr>
+          <p:nvPr>
+            <p:ph type="title"/>
+          </p:nvPr>
+        </p:nvSpPr>
+        <p:spPr/>
+        <p:txBody>
+          <a:bodyPr/>
+          <a:lstStyle/>
+          <a:p>
+            <a:r>
+              <a:rPr lang="en-US" dirty="0" smtClean="0"/>
+              <a:t>References</a:t>
+            </a:r>
+            <a:endParaRPr lang="en-US" dirty="0"/>
+          </a:p>
+        </p:txBody>
+      </p:sp>
+      <p:sp>
+        <p:nvSpPr>
+          <p:cNvPr id="3" name="Content Placeholder 2"/>
+          <p:cNvSpPr>
+            <a:spLocks noGrp="1"/>
+          </p:cNvSpPr>
+          <p:nvPr>
+            <p:ph idx="1"/>
+          </p:nvPr>
+        </p:nvSpPr>
+        <p:spPr/>
+        <p:txBody>
+          <a:bodyPr/>
+          <a:lstStyle/>
+          <a:p>
+            <a:endParaRPr lang="en-US"/>
+          </a:p>
+        </p:txBody>
+      </p:sp>
+    </p:spTree>
+    <p:extLst>
+      <p:ext uri="{BB962C8B-B14F-4D97-AF65-F5344CB8AC3E}">
+        <p14:creationId xmlns:p14="http://schemas.microsoft.com/office/powerpoint/2010/main" val="1165628079"/>
+      </p:ext>
+    </p:extLst>
+  </p:cSld>
+  <p:clrMapOvr>
+    <a:masterClrMapping/>
+  </p:clrMapOvr>
+  <p:timing>
+    <p:tnLst>
+      <p:par>
+        <p:cTn id="1" dur="indefinite" restart="never" nodeType="tmRoot"/>
+      </p:par>
+    </p:tnLst>
+  </p:timing>
+</p:sld>
+</file>
+
 <file path=ppt/slides/slide2.xml><?xml version="1.0" encoding="utf-8"?>
 <p:sld xmlns:a="http://schemas.openxmlformats.org/drawingml/2006/main" xmlns:r="http://schemas.openxmlformats.org/officeDocument/2006/relationships" xmlns:p="http://schemas.openxmlformats.org/presentationml/2006/main">
   <p:cSld>
@@ -13233,7 +13398,281 @@
           <a:bodyPr/>
           <a:lstStyle/>
           <a:p>
-            <a:endParaRPr lang="en-US"/>
+            <a:r>
+              <a:rPr lang="en-US" dirty="0" smtClean="0"/>
+              <a:t>Overview</a:t>
+            </a:r>
+            <a:endParaRPr lang="en-US" dirty="0"/>
+          </a:p>
+        </p:txBody>
+      </p:sp>
+      <p:sp>
+        <p:nvSpPr>
+          <p:cNvPr id="3" name="Content Placeholder 2"/>
+          <p:cNvSpPr>
+            <a:spLocks noGrp="1"/>
+          </p:cNvSpPr>
+          <p:nvPr>
+            <p:ph idx="1"/>
+          </p:nvPr>
+        </p:nvSpPr>
+        <p:spPr/>
+        <p:txBody>
+          <a:bodyPr>
+            <a:normAutofit lnSpcReduction="10000"/>
+          </a:bodyPr>
+          <a:lstStyle/>
+          <a:p>
+            <a:r>
+              <a:rPr lang="en-US" dirty="0" smtClean="0"/>
+              <a:t>twitter.com is a popular micro blogging website</a:t>
+            </a:r>
+          </a:p>
+          <a:p>
+            <a:r>
+              <a:rPr lang="en-US" dirty="0" smtClean="0"/>
+              <a:t>Each tweet is 140 characters in length</a:t>
+            </a:r>
+          </a:p>
+          <a:p>
+            <a:r>
+              <a:rPr lang="en-US" dirty="0" smtClean="0"/>
+              <a:t>Tweets are frequently used to express a twitter’s emotion on a particular subject</a:t>
+            </a:r>
+          </a:p>
+          <a:p>
+            <a:r>
+              <a:rPr lang="en-US" dirty="0" smtClean="0"/>
+              <a:t>We aim for analyzing sentiment on Article 370</a:t>
+            </a:r>
+          </a:p>
+          <a:p>
+            <a:r>
+              <a:rPr lang="en-US" dirty="0" smtClean="0"/>
+              <a:t>The challenge is to gather all such relevant data, detect and summarize the overall sentiment. </a:t>
+            </a:r>
+          </a:p>
+          <a:p>
+            <a:endParaRPr lang="en-US" dirty="0"/>
+          </a:p>
+        </p:txBody>
+      </p:sp>
+    </p:spTree>
+    <p:extLst>
+      <p:ext uri="{BB962C8B-B14F-4D97-AF65-F5344CB8AC3E}">
+        <p14:creationId xmlns:p14="http://schemas.microsoft.com/office/powerpoint/2010/main" val="2770252991"/>
+      </p:ext>
+    </p:extLst>
+  </p:cSld>
+  <p:clrMapOvr>
+    <a:masterClrMapping/>
+  </p:clrMapOvr>
+  <p:timing>
+    <p:tnLst>
+      <p:par>
+        <p:cTn id="1" dur="indefinite" restart="never" nodeType="tmRoot"/>
+      </p:par>
+    </p:tnLst>
+  </p:timing>
+</p:sld>
+</file>
+
+<file path=ppt/slides/slide3.xml><?xml version="1.0" encoding="utf-8"?>
+<p:sld xmlns:a="http://schemas.openxmlformats.org/drawingml/2006/main" xmlns:r="http://schemas.openxmlformats.org/officeDocument/2006/relationships" xmlns:p="http://schemas.openxmlformats.org/presentationml/2006/main">
+  <p:cSld>
+    <p:spTree>
+      <p:nvGrpSpPr>
+        <p:cNvPr id="1" name=""/>
+        <p:cNvGrpSpPr/>
+        <p:nvPr/>
+      </p:nvGrpSpPr>
+      <p:grpSpPr>
+        <a:xfrm>
+          <a:off x="0" y="0"/>
+          <a:ext cx="0" cy="0"/>
+          <a:chOff x="0" y="0"/>
+          <a:chExt cx="0" cy="0"/>
+        </a:xfrm>
+      </p:grpSpPr>
+      <p:sp>
+        <p:nvSpPr>
+          <p:cNvPr id="2" name="Title 1"/>
+          <p:cNvSpPr>
+            <a:spLocks noGrp="1"/>
+          </p:cNvSpPr>
+          <p:nvPr>
+            <p:ph type="title"/>
+          </p:nvPr>
+        </p:nvSpPr>
+        <p:spPr/>
+        <p:txBody>
+          <a:bodyPr/>
+          <a:lstStyle/>
+          <a:p>
+            <a:r>
+              <a:rPr lang="en-US" dirty="0" smtClean="0"/>
+              <a:t>Problem Statement</a:t>
+            </a:r>
+            <a:endParaRPr lang="en-US" dirty="0"/>
+          </a:p>
+        </p:txBody>
+      </p:sp>
+      <p:sp>
+        <p:nvSpPr>
+          <p:cNvPr id="3" name="Content Placeholder 2"/>
+          <p:cNvSpPr>
+            <a:spLocks noGrp="1"/>
+          </p:cNvSpPr>
+          <p:nvPr>
+            <p:ph idx="1"/>
+          </p:nvPr>
+        </p:nvSpPr>
+        <p:spPr/>
+        <p:txBody>
+          <a:bodyPr/>
+          <a:lstStyle/>
+          <a:p>
+            <a:endParaRPr lang="en-US" dirty="0"/>
+          </a:p>
+        </p:txBody>
+      </p:sp>
+    </p:spTree>
+    <p:extLst>
+      <p:ext uri="{BB962C8B-B14F-4D97-AF65-F5344CB8AC3E}">
+        <p14:creationId xmlns:p14="http://schemas.microsoft.com/office/powerpoint/2010/main" val="222650624"/>
+      </p:ext>
+    </p:extLst>
+  </p:cSld>
+  <p:clrMapOvr>
+    <a:masterClrMapping/>
+  </p:clrMapOvr>
+  <p:timing>
+    <p:tnLst>
+      <p:par>
+        <p:cTn id="1" dur="indefinite" restart="never" nodeType="tmRoot"/>
+      </p:par>
+    </p:tnLst>
+  </p:timing>
+</p:sld>
+</file>
+
+<file path=ppt/slides/slide4.xml><?xml version="1.0" encoding="utf-8"?>
+<p:sld xmlns:a="http://schemas.openxmlformats.org/drawingml/2006/main" xmlns:r="http://schemas.openxmlformats.org/officeDocument/2006/relationships" xmlns:p="http://schemas.openxmlformats.org/presentationml/2006/main">
+  <p:cSld>
+    <p:spTree>
+      <p:nvGrpSpPr>
+        <p:cNvPr id="1" name=""/>
+        <p:cNvGrpSpPr/>
+        <p:nvPr/>
+      </p:nvGrpSpPr>
+      <p:grpSpPr>
+        <a:xfrm>
+          <a:off x="0" y="0"/>
+          <a:ext cx="0" cy="0"/>
+          <a:chOff x="0" y="0"/>
+          <a:chExt cx="0" cy="0"/>
+        </a:xfrm>
+      </p:grpSpPr>
+      <p:sp>
+        <p:nvSpPr>
+          <p:cNvPr id="2" name="Title 1"/>
+          <p:cNvSpPr>
+            <a:spLocks noGrp="1"/>
+          </p:cNvSpPr>
+          <p:nvPr>
+            <p:ph type="title"/>
+          </p:nvPr>
+        </p:nvSpPr>
+        <p:spPr/>
+        <p:txBody>
+          <a:bodyPr/>
+          <a:lstStyle/>
+          <a:p>
+            <a:r>
+              <a:rPr lang="en-US" dirty="0" smtClean="0"/>
+              <a:t>What is Sentiment Analysis?</a:t>
+            </a:r>
+            <a:endParaRPr lang="en-US" dirty="0"/>
+          </a:p>
+        </p:txBody>
+      </p:sp>
+      <p:sp>
+        <p:nvSpPr>
+          <p:cNvPr id="3" name="Content Placeholder 2"/>
+          <p:cNvSpPr>
+            <a:spLocks noGrp="1"/>
+          </p:cNvSpPr>
+          <p:nvPr>
+            <p:ph idx="1"/>
+          </p:nvPr>
+        </p:nvSpPr>
+        <p:spPr/>
+        <p:txBody>
+          <a:bodyPr/>
+          <a:lstStyle/>
+          <a:p>
+            <a:endParaRPr lang="en-US" dirty="0"/>
+          </a:p>
+        </p:txBody>
+      </p:sp>
+    </p:spTree>
+    <p:extLst>
+      <p:ext uri="{BB962C8B-B14F-4D97-AF65-F5344CB8AC3E}">
+        <p14:creationId xmlns:p14="http://schemas.microsoft.com/office/powerpoint/2010/main" val="2255307495"/>
+      </p:ext>
+    </p:extLst>
+  </p:cSld>
+  <p:clrMapOvr>
+    <a:masterClrMapping/>
+  </p:clrMapOvr>
+  <p:timing>
+    <p:tnLst>
+      <p:par>
+        <p:cTn id="1" dur="indefinite" restart="never" nodeType="tmRoot"/>
+      </p:par>
+    </p:tnLst>
+  </p:timing>
+</p:sld>
+</file>
+
+<file path=ppt/slides/slide5.xml><?xml version="1.0" encoding="utf-8"?>
+<p:sld xmlns:a="http://schemas.openxmlformats.org/drawingml/2006/main" xmlns:r="http://schemas.openxmlformats.org/officeDocument/2006/relationships" xmlns:p="http://schemas.openxmlformats.org/presentationml/2006/main">
+  <p:cSld>
+    <p:spTree>
+      <p:nvGrpSpPr>
+        <p:cNvPr id="1" name=""/>
+        <p:cNvGrpSpPr/>
+        <p:nvPr/>
+      </p:nvGrpSpPr>
+      <p:grpSpPr>
+        <a:xfrm>
+          <a:off x="0" y="0"/>
+          <a:ext cx="0" cy="0"/>
+          <a:chOff x="0" y="0"/>
+          <a:chExt cx="0" cy="0"/>
+        </a:xfrm>
+      </p:grpSpPr>
+      <p:sp>
+        <p:nvSpPr>
+          <p:cNvPr id="2" name="Title 1"/>
+          <p:cNvSpPr>
+            <a:spLocks noGrp="1"/>
+          </p:cNvSpPr>
+          <p:nvPr>
+            <p:ph type="title"/>
+          </p:nvPr>
+        </p:nvSpPr>
+        <p:spPr/>
+        <p:txBody>
+          <a:bodyPr/>
+          <a:lstStyle/>
+          <a:p>
+            <a:pPr algn="l"/>
+            <a:r>
+              <a:rPr lang="en-US" dirty="0" smtClean="0"/>
+              <a:t>Strategy</a:t>
+            </a:r>
+            <a:endParaRPr lang="en-US" dirty="0"/>
           </a:p>
         </p:txBody>
       </p:sp>
@@ -13314,6 +13753,47 @@
           </a:p>
         </p:txBody>
       </p:sp>
+      <p:pic>
+        <p:nvPicPr>
+          <p:cNvPr id="1028" name="Picture 4" descr="Image result for twitter sentiment analysis"/>
+          <p:cNvPicPr>
+            <a:picLocks noChangeAspect="1" noChangeArrowheads="1"/>
+          </p:cNvPicPr>
+          <p:nvPr/>
+        </p:nvPicPr>
+        <p:blipFill>
+          <a:blip r:embed="rId2">
+            <a:extLst>
+              <a:ext uri="{28A0092B-C50C-407E-A947-70E740481C1C}">
+                <a14:useLocalDpi xmlns:a14="http://schemas.microsoft.com/office/drawing/2010/main" val="0"/>
+              </a:ext>
+            </a:extLst>
+          </a:blip>
+          <a:srcRect/>
+          <a:stretch>
+            <a:fillRect/>
+          </a:stretch>
+        </p:blipFill>
+        <p:spPr bwMode="auto">
+          <a:xfrm>
+            <a:off x="3124200" y="160338"/>
+            <a:ext cx="5686425" cy="6486525"/>
+          </a:xfrm>
+          <a:prstGeom prst="rect">
+            <a:avLst/>
+          </a:prstGeom>
+          <a:noFill/>
+          <a:extLst>
+            <a:ext uri="{909E8E84-426E-40DD-AFC4-6F175D3DCCD1}">
+              <a14:hiddenFill xmlns:a14="http://schemas.microsoft.com/office/drawing/2010/main">
+                <a:solidFill>
+                  <a:srgbClr val="FFFFFF"/>
+                </a:solidFill>
+              </a14:hiddenFill>
+            </a:ext>
+          </a:extLst>
+        </p:spPr>
+      </p:pic>
     </p:spTree>
     <p:extLst>
       <p:ext uri="{BB962C8B-B14F-4D97-AF65-F5344CB8AC3E}">
@@ -13334,7 +13814,7 @@
 </p:sld>
 </file>
 
-<file path=ppt/slides/slide3.xml><?xml version="1.0" encoding="utf-8"?>
+<file path=ppt/slides/slide6.xml><?xml version="1.0" encoding="utf-8"?>
 <p:sld xmlns:a="http://schemas.openxmlformats.org/drawingml/2006/main" xmlns:r="http://schemas.openxmlformats.org/officeDocument/2006/relationships" xmlns:p="http://schemas.openxmlformats.org/presentationml/2006/main">
   <p:cSld>
     <p:spTree>
@@ -13351,14 +13831,194 @@
           <a:chExt cx="0" cy="0"/>
         </a:xfrm>
       </p:grpSpPr>
+      <p:sp>
+        <p:nvSpPr>
+          <p:cNvPr id="2" name="Title 1"/>
+          <p:cNvSpPr>
+            <a:spLocks noGrp="1"/>
+          </p:cNvSpPr>
+          <p:nvPr>
+            <p:ph type="title"/>
+          </p:nvPr>
+        </p:nvSpPr>
+        <p:spPr/>
+        <p:txBody>
+          <a:bodyPr/>
+          <a:lstStyle/>
+          <a:p>
+            <a:r>
+              <a:rPr lang="en-US" dirty="0" smtClean="0"/>
+              <a:t>Actions(Target Challenges)</a:t>
+            </a:r>
+            <a:endParaRPr lang="en-US" dirty="0"/>
+          </a:p>
+        </p:txBody>
+      </p:sp>
+      <p:sp>
+        <p:nvSpPr>
+          <p:cNvPr id="3" name="Content Placeholder 2"/>
+          <p:cNvSpPr>
+            <a:spLocks noGrp="1"/>
+          </p:cNvSpPr>
+          <p:nvPr>
+            <p:ph idx="1"/>
+          </p:nvPr>
+        </p:nvSpPr>
+        <p:spPr/>
+        <p:txBody>
+          <a:bodyPr>
+            <a:normAutofit fontScale="85000" lnSpcReduction="20000"/>
+          </a:bodyPr>
+          <a:lstStyle/>
+          <a:p>
+            <a:r>
+              <a:rPr lang="en-US" dirty="0" smtClean="0"/>
+              <a:t>Usernames are mentioned more often than not: Usually they consist of some alphabets and numbers, and do not contribute much towards sentiment classification, except for increasing the size of the feature vector. </a:t>
+            </a:r>
+          </a:p>
+          <a:p>
+            <a:r>
+              <a:rPr lang="en-US" dirty="0" smtClean="0"/>
+              <a:t>URLs are not required in our task. </a:t>
+            </a:r>
+            <a:endParaRPr lang="en-US" dirty="0"/>
+          </a:p>
+          <a:p>
+            <a:r>
+              <a:rPr lang="en-US" dirty="0" smtClean="0"/>
+              <a:t>Repeated letters: People often repeat letters in some words, in order to stress upon a particular emotion. For example:- sad, </a:t>
+            </a:r>
+            <a:r>
+              <a:rPr lang="en-US" dirty="0" err="1" smtClean="0"/>
+              <a:t>saaaad</a:t>
+            </a:r>
+            <a:r>
+              <a:rPr lang="en-US" dirty="0" smtClean="0"/>
+              <a:t>, </a:t>
+            </a:r>
+            <a:r>
+              <a:rPr lang="en-US" dirty="0" err="1" smtClean="0"/>
+              <a:t>saaaddd</a:t>
+            </a:r>
+            <a:r>
+              <a:rPr lang="en-US" dirty="0" smtClean="0"/>
+              <a:t>. </a:t>
+            </a:r>
+          </a:p>
+          <a:p>
+            <a:r>
+              <a:rPr lang="en-US" dirty="0" err="1" smtClean="0"/>
+              <a:t>Hashtags</a:t>
+            </a:r>
+            <a:r>
+              <a:rPr lang="en-US" dirty="0" smtClean="0"/>
+              <a:t> Words in </a:t>
+            </a:r>
+            <a:r>
+              <a:rPr lang="en-US" dirty="0" err="1" smtClean="0"/>
+              <a:t>hashtags</a:t>
+            </a:r>
+            <a:r>
+              <a:rPr lang="en-US" dirty="0" smtClean="0"/>
+              <a:t> may be read different from the same word without the hash tag </a:t>
+            </a:r>
+          </a:p>
+          <a:p>
+            <a:r>
+              <a:rPr lang="en-US" dirty="0" smtClean="0"/>
+              <a:t>Punctuations and additional spaces.</a:t>
+            </a:r>
+            <a:endParaRPr lang="en-US" dirty="0"/>
+          </a:p>
+        </p:txBody>
+      </p:sp>
+    </p:spTree>
+    <p:extLst>
+      <p:ext uri="{BB962C8B-B14F-4D97-AF65-F5344CB8AC3E}">
+        <p14:creationId xmlns:p14="http://schemas.microsoft.com/office/powerpoint/2010/main" val="1145631214"/>
+      </p:ext>
+    </p:extLst>
+  </p:cSld>
+  <p:clrMapOvr>
+    <a:masterClrMapping/>
+  </p:clrMapOvr>
+  <p:timing>
+    <p:tnLst>
+      <p:par>
+        <p:cTn id="1" dur="indefinite" restart="never" nodeType="tmRoot"/>
+      </p:par>
+    </p:tnLst>
+  </p:timing>
+</p:sld>
+</file>
+
+<file path=ppt/slides/slide7.xml><?xml version="1.0" encoding="utf-8"?>
+<p:sld xmlns:a="http://schemas.openxmlformats.org/drawingml/2006/main" xmlns:r="http://schemas.openxmlformats.org/officeDocument/2006/relationships" xmlns:p="http://schemas.openxmlformats.org/presentationml/2006/main">
+  <p:cSld>
+    <p:spTree>
+      <p:nvGrpSpPr>
+        <p:cNvPr id="1" name=""/>
+        <p:cNvGrpSpPr/>
+        <p:nvPr/>
+      </p:nvGrpSpPr>
+      <p:grpSpPr>
+        <a:xfrm>
+          <a:off x="0" y="0"/>
+          <a:ext cx="0" cy="0"/>
+          <a:chOff x="0" y="0"/>
+          <a:chExt cx="0" cy="0"/>
+        </a:xfrm>
+      </p:grpSpPr>
+      <p:sp>
+        <p:nvSpPr>
+          <p:cNvPr id="2" name="Title 1"/>
+          <p:cNvSpPr>
+            <a:spLocks noGrp="1"/>
+          </p:cNvSpPr>
+          <p:nvPr>
+            <p:ph type="title"/>
+          </p:nvPr>
+        </p:nvSpPr>
+        <p:spPr/>
+        <p:txBody>
+          <a:bodyPr/>
+          <a:lstStyle/>
+          <a:p>
+            <a:r>
+              <a:rPr lang="en-US" dirty="0" smtClean="0"/>
+              <a:t>Operational Workflow</a:t>
+            </a:r>
+            <a:endParaRPr lang="en-US" dirty="0"/>
+          </a:p>
+        </p:txBody>
+      </p:sp>
+      <p:sp>
+        <p:nvSpPr>
+          <p:cNvPr id="3" name="Content Placeholder 2"/>
+          <p:cNvSpPr>
+            <a:spLocks noGrp="1"/>
+          </p:cNvSpPr>
+          <p:nvPr>
+            <p:ph idx="1"/>
+          </p:nvPr>
+        </p:nvSpPr>
+        <p:spPr/>
+        <p:txBody>
+          <a:bodyPr/>
+          <a:lstStyle/>
+          <a:p>
+            <a:endParaRPr lang="en-US" dirty="0"/>
+          </a:p>
+        </p:txBody>
+      </p:sp>
       <p:graphicFrame>
         <p:nvGraphicFramePr>
-          <p:cNvPr id="2" name="Diagram 1"/>
+          <p:cNvPr id="4" name="Diagram 3"/>
           <p:cNvGraphicFramePr/>
           <p:nvPr>
             <p:extLst>
               <p:ext uri="{D42A27DB-BD31-4B8C-83A1-F6EECF244321}">
-                <p14:modId xmlns:p14="http://schemas.microsoft.com/office/powerpoint/2010/main" val="1168409229"/>
+                <p14:modId xmlns:p14="http://schemas.microsoft.com/office/powerpoint/2010/main" val="3992400544"/>
               </p:ext>
             </p:extLst>
           </p:nvPr>
@@ -13375,12 +14035,12 @@
       </p:graphicFrame>
       <p:graphicFrame>
         <p:nvGraphicFramePr>
-          <p:cNvPr id="3" name="Diagram 2"/>
+          <p:cNvPr id="5" name="Diagram 4"/>
           <p:cNvGraphicFramePr/>
           <p:nvPr>
             <p:extLst>
               <p:ext uri="{D42A27DB-BD31-4B8C-83A1-F6EECF244321}">
-                <p14:modId xmlns:p14="http://schemas.microsoft.com/office/powerpoint/2010/main" val="1812557805"/>
+                <p14:modId xmlns:p14="http://schemas.microsoft.com/office/powerpoint/2010/main" val="3530432188"/>
               </p:ext>
             </p:extLst>
           </p:nvPr>
@@ -13397,7 +14057,7 @@
       </p:graphicFrame>
       <p:sp>
         <p:nvSpPr>
-          <p:cNvPr id="4" name="Oval 3"/>
+          <p:cNvPr id="6" name="Oval 5"/>
           <p:cNvSpPr/>
           <p:nvPr/>
         </p:nvSpPr>
@@ -13451,7 +14111,7 @@
       </p:sp>
       <p:grpSp>
         <p:nvGrpSpPr>
-          <p:cNvPr id="5" name="Group 4"/>
+          <p:cNvPr id="7" name="Group 6"/>
           <p:cNvGrpSpPr/>
           <p:nvPr/>
         </p:nvGrpSpPr>
@@ -13465,7 +14125,7 @@
         </p:grpSpPr>
         <p:sp>
           <p:nvSpPr>
-            <p:cNvPr id="6" name="Oval 5"/>
+            <p:cNvPr id="8" name="Oval 7"/>
             <p:cNvSpPr/>
             <p:nvPr/>
           </p:nvSpPr>
@@ -13510,7 +14170,7 @@
         </p:sp>
         <p:sp>
           <p:nvSpPr>
-            <p:cNvPr id="7" name="Oval 4"/>
+            <p:cNvPr id="9" name="Oval 4"/>
             <p:cNvSpPr/>
             <p:nvPr/>
           </p:nvSpPr>
@@ -13565,7 +14225,7 @@
       </p:grpSp>
       <p:sp>
         <p:nvSpPr>
-          <p:cNvPr id="8" name="Shape 7"/>
+          <p:cNvPr id="10" name="Shape 9"/>
           <p:cNvSpPr/>
           <p:nvPr/>
         </p:nvSpPr>
@@ -13617,7 +14277,7 @@
       </p:sp>
       <p:sp>
         <p:nvSpPr>
-          <p:cNvPr id="9" name="Down Arrow 8"/>
+          <p:cNvPr id="11" name="Down Arrow 10"/>
           <p:cNvSpPr/>
           <p:nvPr/>
         </p:nvSpPr>
@@ -13669,7 +14329,7 @@
       </p:sp>
       <p:sp>
         <p:nvSpPr>
-          <p:cNvPr id="10" name="Down Arrow 9"/>
+          <p:cNvPr id="12" name="Down Arrow 11"/>
           <p:cNvSpPr/>
           <p:nvPr/>
         </p:nvSpPr>
@@ -13721,7 +14381,7 @@
       </p:sp>
       <p:grpSp>
         <p:nvGrpSpPr>
-          <p:cNvPr id="12" name="Group 11"/>
+          <p:cNvPr id="13" name="Group 12"/>
           <p:cNvGrpSpPr/>
           <p:nvPr/>
         </p:nvGrpSpPr>
@@ -13735,7 +14395,7 @@
         </p:grpSpPr>
         <p:sp>
           <p:nvSpPr>
-            <p:cNvPr id="13" name="Oval 12"/>
+            <p:cNvPr id="14" name="Oval 13"/>
             <p:cNvSpPr/>
             <p:nvPr/>
           </p:nvSpPr>
@@ -13780,7 +14440,7 @@
         </p:sp>
         <p:sp>
           <p:nvSpPr>
-            <p:cNvPr id="14" name="Oval 4"/>
+            <p:cNvPr id="15" name="Oval 4"/>
             <p:cNvSpPr/>
             <p:nvPr/>
           </p:nvSpPr>
@@ -13835,7 +14495,7 @@
       </p:grpSp>
       <p:sp>
         <p:nvSpPr>
-          <p:cNvPr id="15" name="Oval 14"/>
+          <p:cNvPr id="16" name="Oval 15"/>
           <p:cNvSpPr/>
           <p:nvPr/>
         </p:nvSpPr>
@@ -13889,7 +14549,7 @@
       </p:sp>
       <p:sp>
         <p:nvSpPr>
-          <p:cNvPr id="16" name="Down Arrow 15"/>
+          <p:cNvPr id="17" name="Down Arrow 16"/>
           <p:cNvSpPr/>
           <p:nvPr/>
         </p:nvSpPr>
@@ -13941,12 +14601,12 @@
       </p:sp>
       <p:graphicFrame>
         <p:nvGraphicFramePr>
-          <p:cNvPr id="17" name="Diagram 16"/>
+          <p:cNvPr id="18" name="Diagram 17"/>
           <p:cNvGraphicFramePr/>
           <p:nvPr>
             <p:extLst>
               <p:ext uri="{D42A27DB-BD31-4B8C-83A1-F6EECF244321}">
-                <p14:modId xmlns:p14="http://schemas.microsoft.com/office/powerpoint/2010/main" val="405014880"/>
+                <p14:modId xmlns:p14="http://schemas.microsoft.com/office/powerpoint/2010/main" val="814119858"/>
               </p:ext>
             </p:extLst>
           </p:nvPr>
@@ -13963,12 +14623,12 @@
       </p:graphicFrame>
       <p:graphicFrame>
         <p:nvGraphicFramePr>
-          <p:cNvPr id="20" name="Diagram 19"/>
+          <p:cNvPr id="19" name="Diagram 18"/>
           <p:cNvGraphicFramePr/>
           <p:nvPr>
             <p:extLst>
               <p:ext uri="{D42A27DB-BD31-4B8C-83A1-F6EECF244321}">
-                <p14:modId xmlns:p14="http://schemas.microsoft.com/office/powerpoint/2010/main" val="2475531263"/>
+                <p14:modId xmlns:p14="http://schemas.microsoft.com/office/powerpoint/2010/main" val="3376364822"/>
               </p:ext>
             </p:extLst>
           </p:nvPr>
@@ -13986,7 +14646,7 @@
     </p:spTree>
     <p:extLst>
       <p:ext uri="{BB962C8B-B14F-4D97-AF65-F5344CB8AC3E}">
-        <p14:creationId xmlns:p14="http://schemas.microsoft.com/office/powerpoint/2010/main" val="2580377619"/>
+        <p14:creationId xmlns:p14="http://schemas.microsoft.com/office/powerpoint/2010/main" val="507559318"/>
       </p:ext>
     </p:extLst>
   </p:cSld>
@@ -14003,7 +14663,7 @@
 </p:sld>
 </file>
 
-<file path=ppt/slides/slide4.xml><?xml version="1.0" encoding="utf-8"?>
+<file path=ppt/slides/slide8.xml><?xml version="1.0" encoding="utf-8"?>
 <p:sld xmlns:a="http://schemas.openxmlformats.org/drawingml/2006/main" xmlns:r="http://schemas.openxmlformats.org/officeDocument/2006/relationships" xmlns:p="http://schemas.openxmlformats.org/presentationml/2006/main">
   <p:cSld>
     <p:spTree>
@@ -14020,16 +14680,58 @@
           <a:chExt cx="0" cy="0"/>
         </a:xfrm>
       </p:grpSpPr>
+      <p:sp>
+        <p:nvSpPr>
+          <p:cNvPr id="2" name="Title 1"/>
+          <p:cNvSpPr>
+            <a:spLocks noGrp="1"/>
+          </p:cNvSpPr>
+          <p:nvPr>
+            <p:ph type="title"/>
+          </p:nvPr>
+        </p:nvSpPr>
+        <p:spPr/>
+        <p:txBody>
+          <a:bodyPr/>
+          <a:lstStyle/>
+          <a:p>
+            <a:r>
+              <a:rPr lang="en-US" dirty="0" smtClean="0"/>
+              <a:t>Result Metric</a:t>
+            </a:r>
+            <a:endParaRPr lang="en-US" dirty="0"/>
+          </a:p>
+        </p:txBody>
+      </p:sp>
+      <p:sp>
+        <p:nvSpPr>
+          <p:cNvPr id="3" name="Content Placeholder 2"/>
+          <p:cNvSpPr>
+            <a:spLocks noGrp="1"/>
+          </p:cNvSpPr>
+          <p:nvPr>
+            <p:ph idx="1"/>
+          </p:nvPr>
+        </p:nvSpPr>
+        <p:spPr/>
+        <p:txBody>
+          <a:bodyPr/>
+          <a:lstStyle/>
+          <a:p>
+            <a:endParaRPr lang="en-US"/>
+          </a:p>
+        </p:txBody>
+      </p:sp>
       <p:graphicFrame>
         <p:nvGraphicFramePr>
-          <p:cNvPr id="2" name="Content Placeholder 4"/>
+          <p:cNvPr id="4" name="Content Placeholder 4"/>
           <p:cNvGraphicFramePr>
             <a:graphicFrameLocks/>
           </p:cNvGraphicFramePr>
           <p:nvPr>
             <p:extLst>
               <p:ext uri="{D42A27DB-BD31-4B8C-83A1-F6EECF244321}">
-                <p14:modId xmlns:p14="http://schemas.microsoft.com/office/powerpoint/2010/main" val="1424853732"/>
+                <p14:modId xmlns:p14="http://schemas.microsoft.com/office/powerpoint/2010/main" val="3108916527"/>
               </p:ext>
             </p:extLst>
           </p:nvPr>
@@ -14193,7 +14895,113 @@
     </p:spTree>
     <p:extLst>
       <p:ext uri="{BB962C8B-B14F-4D97-AF65-F5344CB8AC3E}">
-        <p14:creationId xmlns:p14="http://schemas.microsoft.com/office/powerpoint/2010/main" val="753597795"/>
+        <p14:creationId xmlns:p14="http://schemas.microsoft.com/office/powerpoint/2010/main" val="1541076413"/>
+      </p:ext>
+    </p:extLst>
+  </p:cSld>
+  <p:clrMapOvr>
+    <a:masterClrMapping/>
+  </p:clrMapOvr>
+  <p:timing>
+    <p:tnLst>
+      <p:par>
+        <p:cTn id="1" dur="indefinite" restart="never" nodeType="tmRoot"/>
+      </p:par>
+    </p:tnLst>
+  </p:timing>
+</p:sld>
+</file>
+
+<file path=ppt/slides/slide9.xml><?xml version="1.0" encoding="utf-8"?>
+<p:sld xmlns:a="http://schemas.openxmlformats.org/drawingml/2006/main" xmlns:r="http://schemas.openxmlformats.org/officeDocument/2006/relationships" xmlns:p="http://schemas.openxmlformats.org/presentationml/2006/main">
+  <p:cSld>
+    <p:spTree>
+      <p:nvGrpSpPr>
+        <p:cNvPr id="1" name=""/>
+        <p:cNvGrpSpPr/>
+        <p:nvPr/>
+      </p:nvGrpSpPr>
+      <p:grpSpPr>
+        <a:xfrm>
+          <a:off x="0" y="0"/>
+          <a:ext cx="0" cy="0"/>
+          <a:chOff x="0" y="0"/>
+          <a:chExt cx="0" cy="0"/>
+        </a:xfrm>
+      </p:grpSpPr>
+      <p:sp>
+        <p:nvSpPr>
+          <p:cNvPr id="2" name="Title 1"/>
+          <p:cNvSpPr>
+            <a:spLocks noGrp="1"/>
+          </p:cNvSpPr>
+          <p:nvPr>
+            <p:ph type="title"/>
+          </p:nvPr>
+        </p:nvSpPr>
+        <p:spPr/>
+        <p:txBody>
+          <a:bodyPr/>
+          <a:lstStyle/>
+          <a:p>
+            <a:r>
+              <a:rPr lang="en-US" dirty="0" smtClean="0"/>
+              <a:t>Business Value</a:t>
+            </a:r>
+            <a:endParaRPr lang="en-US" dirty="0"/>
+          </a:p>
+        </p:txBody>
+      </p:sp>
+      <p:sp>
+        <p:nvSpPr>
+          <p:cNvPr id="3" name="Content Placeholder 2"/>
+          <p:cNvSpPr>
+            <a:spLocks noGrp="1"/>
+          </p:cNvSpPr>
+          <p:nvPr>
+            <p:ph idx="1"/>
+          </p:nvPr>
+        </p:nvSpPr>
+        <p:spPr/>
+        <p:txBody>
+          <a:bodyPr>
+            <a:normAutofit fontScale="92500"/>
+          </a:bodyPr>
+          <a:lstStyle/>
+          <a:p>
+            <a:r>
+              <a:rPr lang="en-US" dirty="0"/>
+              <a:t>Having insights-rich information eliminates the guesswork and execution of timely decisions. </a:t>
+            </a:r>
+            <a:endParaRPr lang="en-US" dirty="0" smtClean="0"/>
+          </a:p>
+          <a:p>
+            <a:r>
+              <a:rPr lang="en-US" dirty="0" smtClean="0"/>
+              <a:t>With </a:t>
+            </a:r>
+            <a:r>
+              <a:rPr lang="en-US" dirty="0"/>
+              <a:t>the sentiment data about your established and the new products, it’s easier to estimate your customer retention rate. </a:t>
+            </a:r>
+            <a:endParaRPr lang="en-US" dirty="0" smtClean="0"/>
+          </a:p>
+          <a:p>
+            <a:r>
+              <a:rPr lang="en-US" dirty="0" smtClean="0"/>
+              <a:t>Based </a:t>
+            </a:r>
+            <a:r>
+              <a:rPr lang="en-US" dirty="0"/>
+              <a:t>on the reviews generated through sentiment analysis in business, you can always adjust to the present market situation and satisfy your customers in a better way. </a:t>
+            </a:r>
+          </a:p>
+        </p:txBody>
+      </p:sp>
+    </p:spTree>
+    <p:extLst>
+      <p:ext uri="{BB962C8B-B14F-4D97-AF65-F5344CB8AC3E}">
+        <p14:creationId xmlns:p14="http://schemas.microsoft.com/office/powerpoint/2010/main" val="2469632672"/>
       </p:ext>
     </p:extLst>
   </p:cSld>

--- a/sentiment Analysis.pptx
+++ b/sentiment Analysis.pptx
@@ -6,16 +6,9 @@
   </p:sldMasterIdLst>
   <p:sldIdLst>
     <p:sldId id="256" r:id="rId2"/>
-    <p:sldId id="265" r:id="rId3"/>
-    <p:sldId id="266" r:id="rId4"/>
-    <p:sldId id="260" r:id="rId5"/>
-    <p:sldId id="257" r:id="rId6"/>
-    <p:sldId id="262" r:id="rId7"/>
-    <p:sldId id="267" r:id="rId8"/>
-    <p:sldId id="268" r:id="rId9"/>
-    <p:sldId id="261" r:id="rId10"/>
-    <p:sldId id="263" r:id="rId11"/>
-    <p:sldId id="264" r:id="rId12"/>
+    <p:sldId id="257" r:id="rId3"/>
+    <p:sldId id="258" r:id="rId4"/>
+    <p:sldId id="259" r:id="rId5"/>
   </p:sldIdLst>
   <p:sldSz cx="9144000" cy="6858000" type="screen4x3"/>
   <p:notesSz cx="6858000" cy="9144000"/>
@@ -2358,930 +2351,7 @@
 </dgm:colorsDef>
 </file>
 
-<file path=ppt/diagrams/colors4.xml><?xml version="1.0" encoding="utf-8"?>
-<dgm:colorsDef xmlns:dgm="http://schemas.openxmlformats.org/drawingml/2006/diagram" xmlns:a="http://schemas.openxmlformats.org/drawingml/2006/main" uniqueId="urn:microsoft.com/office/officeart/2005/8/colors/accent1_2">
-  <dgm:title val=""/>
-  <dgm:desc val=""/>
-  <dgm:catLst>
-    <dgm:cat type="accent1" pri="11200"/>
-  </dgm:catLst>
-  <dgm:styleLbl name="node0">
-    <dgm:fillClrLst meth="repeat">
-      <a:schemeClr val="accent1"/>
-    </dgm:fillClrLst>
-    <dgm:linClrLst meth="repeat">
-      <a:schemeClr val="lt1"/>
-    </dgm:linClrLst>
-    <dgm:effectClrLst/>
-    <dgm:txLinClrLst/>
-    <dgm:txFillClrLst/>
-    <dgm:txEffectClrLst/>
-  </dgm:styleLbl>
-  <dgm:styleLbl name="alignNode1">
-    <dgm:fillClrLst meth="repeat">
-      <a:schemeClr val="accent1"/>
-    </dgm:fillClrLst>
-    <dgm:linClrLst meth="repeat">
-      <a:schemeClr val="accent1"/>
-    </dgm:linClrLst>
-    <dgm:effectClrLst/>
-    <dgm:txLinClrLst/>
-    <dgm:txFillClrLst/>
-    <dgm:txEffectClrLst/>
-  </dgm:styleLbl>
-  <dgm:styleLbl name="node1">
-    <dgm:fillClrLst meth="repeat">
-      <a:schemeClr val="accent1"/>
-    </dgm:fillClrLst>
-    <dgm:linClrLst meth="repeat">
-      <a:schemeClr val="lt1"/>
-    </dgm:linClrLst>
-    <dgm:effectClrLst/>
-    <dgm:txLinClrLst/>
-    <dgm:txFillClrLst/>
-    <dgm:txEffectClrLst/>
-  </dgm:styleLbl>
-  <dgm:styleLbl name="lnNode1">
-    <dgm:fillClrLst meth="repeat">
-      <a:schemeClr val="accent1"/>
-    </dgm:fillClrLst>
-    <dgm:linClrLst meth="repeat">
-      <a:schemeClr val="lt1"/>
-    </dgm:linClrLst>
-    <dgm:effectClrLst/>
-    <dgm:txLinClrLst/>
-    <dgm:txFillClrLst/>
-    <dgm:txEffectClrLst/>
-  </dgm:styleLbl>
-  <dgm:styleLbl name="vennNode1">
-    <dgm:fillClrLst meth="repeat">
-      <a:schemeClr val="accent1">
-        <a:alpha val="50000"/>
-      </a:schemeClr>
-    </dgm:fillClrLst>
-    <dgm:linClrLst meth="repeat">
-      <a:schemeClr val="lt1"/>
-    </dgm:linClrLst>
-    <dgm:effectClrLst/>
-    <dgm:txLinClrLst/>
-    <dgm:txFillClrLst/>
-    <dgm:txEffectClrLst/>
-  </dgm:styleLbl>
-  <dgm:styleLbl name="node2">
-    <dgm:fillClrLst meth="repeat">
-      <a:schemeClr val="accent1"/>
-    </dgm:fillClrLst>
-    <dgm:linClrLst meth="repeat">
-      <a:schemeClr val="lt1"/>
-    </dgm:linClrLst>
-    <dgm:effectClrLst/>
-    <dgm:txLinClrLst/>
-    <dgm:txFillClrLst/>
-    <dgm:txEffectClrLst/>
-  </dgm:styleLbl>
-  <dgm:styleLbl name="node3">
-    <dgm:fillClrLst meth="repeat">
-      <a:schemeClr val="accent1"/>
-    </dgm:fillClrLst>
-    <dgm:linClrLst meth="repeat">
-      <a:schemeClr val="lt1"/>
-    </dgm:linClrLst>
-    <dgm:effectClrLst/>
-    <dgm:txLinClrLst/>
-    <dgm:txFillClrLst/>
-    <dgm:txEffectClrLst/>
-  </dgm:styleLbl>
-  <dgm:styleLbl name="node4">
-    <dgm:fillClrLst meth="repeat">
-      <a:schemeClr val="accent1"/>
-    </dgm:fillClrLst>
-    <dgm:linClrLst meth="repeat">
-      <a:schemeClr val="lt1"/>
-    </dgm:linClrLst>
-    <dgm:effectClrLst/>
-    <dgm:txLinClrLst/>
-    <dgm:txFillClrLst/>
-    <dgm:txEffectClrLst/>
-  </dgm:styleLbl>
-  <dgm:styleLbl name="fgImgPlace1">
-    <dgm:fillClrLst meth="repeat">
-      <a:schemeClr val="accent1">
-        <a:tint val="50000"/>
-      </a:schemeClr>
-    </dgm:fillClrLst>
-    <dgm:linClrLst meth="repeat">
-      <a:schemeClr val="lt1"/>
-    </dgm:linClrLst>
-    <dgm:effectClrLst/>
-    <dgm:txLinClrLst/>
-    <dgm:txFillClrLst meth="repeat">
-      <a:schemeClr val="lt1"/>
-    </dgm:txFillClrLst>
-    <dgm:txEffectClrLst/>
-  </dgm:styleLbl>
-  <dgm:styleLbl name="alignImgPlace1">
-    <dgm:fillClrLst meth="repeat">
-      <a:schemeClr val="accent1">
-        <a:tint val="50000"/>
-      </a:schemeClr>
-    </dgm:fillClrLst>
-    <dgm:linClrLst meth="repeat">
-      <a:schemeClr val="lt1"/>
-    </dgm:linClrLst>
-    <dgm:effectClrLst/>
-    <dgm:txLinClrLst/>
-    <dgm:txFillClrLst meth="repeat">
-      <a:schemeClr val="lt1"/>
-    </dgm:txFillClrLst>
-    <dgm:txEffectClrLst/>
-  </dgm:styleLbl>
-  <dgm:styleLbl name="bgImgPlace1">
-    <dgm:fillClrLst meth="repeat">
-      <a:schemeClr val="accent1">
-        <a:tint val="50000"/>
-      </a:schemeClr>
-    </dgm:fillClrLst>
-    <dgm:linClrLst meth="repeat">
-      <a:schemeClr val="lt1"/>
-    </dgm:linClrLst>
-    <dgm:effectClrLst/>
-    <dgm:txLinClrLst/>
-    <dgm:txFillClrLst meth="repeat">
-      <a:schemeClr val="lt1"/>
-    </dgm:txFillClrLst>
-    <dgm:txEffectClrLst/>
-  </dgm:styleLbl>
-  <dgm:styleLbl name="sibTrans2D1">
-    <dgm:fillClrLst meth="repeat">
-      <a:schemeClr val="accent1">
-        <a:tint val="60000"/>
-      </a:schemeClr>
-    </dgm:fillClrLst>
-    <dgm:linClrLst meth="repeat">
-      <a:schemeClr val="accent1">
-        <a:tint val="60000"/>
-      </a:schemeClr>
-    </dgm:linClrLst>
-    <dgm:effectClrLst/>
-    <dgm:txLinClrLst/>
-    <dgm:txFillClrLst/>
-    <dgm:txEffectClrLst/>
-  </dgm:styleLbl>
-  <dgm:styleLbl name="fgSibTrans2D1">
-    <dgm:fillClrLst meth="repeat">
-      <a:schemeClr val="accent1">
-        <a:tint val="60000"/>
-      </a:schemeClr>
-    </dgm:fillClrLst>
-    <dgm:linClrLst meth="repeat">
-      <a:schemeClr val="accent1">
-        <a:tint val="60000"/>
-      </a:schemeClr>
-    </dgm:linClrLst>
-    <dgm:effectClrLst/>
-    <dgm:txLinClrLst/>
-    <dgm:txFillClrLst/>
-    <dgm:txEffectClrLst/>
-  </dgm:styleLbl>
-  <dgm:styleLbl name="bgSibTrans2D1">
-    <dgm:fillClrLst meth="repeat">
-      <a:schemeClr val="accent1">
-        <a:tint val="60000"/>
-      </a:schemeClr>
-    </dgm:fillClrLst>
-    <dgm:linClrLst meth="repeat">
-      <a:schemeClr val="accent1">
-        <a:tint val="60000"/>
-      </a:schemeClr>
-    </dgm:linClrLst>
-    <dgm:effectClrLst/>
-    <dgm:txLinClrLst/>
-    <dgm:txFillClrLst/>
-    <dgm:txEffectClrLst/>
-  </dgm:styleLbl>
-  <dgm:styleLbl name="sibTrans1D1">
-    <dgm:fillClrLst meth="repeat">
-      <a:schemeClr val="accent1"/>
-    </dgm:fillClrLst>
-    <dgm:linClrLst meth="repeat">
-      <a:schemeClr val="accent1"/>
-    </dgm:linClrLst>
-    <dgm:effectClrLst/>
-    <dgm:txLinClrLst/>
-    <dgm:txFillClrLst meth="repeat">
-      <a:schemeClr val="tx1"/>
-    </dgm:txFillClrLst>
-    <dgm:txEffectClrLst/>
-  </dgm:styleLbl>
-  <dgm:styleLbl name="callout">
-    <dgm:fillClrLst meth="repeat">
-      <a:schemeClr val="accent1"/>
-    </dgm:fillClrLst>
-    <dgm:linClrLst meth="repeat">
-      <a:schemeClr val="accent1">
-        <a:tint val="50000"/>
-      </a:schemeClr>
-    </dgm:linClrLst>
-    <dgm:effectClrLst/>
-    <dgm:txLinClrLst/>
-    <dgm:txFillClrLst meth="repeat">
-      <a:schemeClr val="tx1"/>
-    </dgm:txFillClrLst>
-    <dgm:txEffectClrLst/>
-  </dgm:styleLbl>
-  <dgm:styleLbl name="asst0">
-    <dgm:fillClrLst meth="repeat">
-      <a:schemeClr val="accent1"/>
-    </dgm:fillClrLst>
-    <dgm:linClrLst meth="repeat">
-      <a:schemeClr val="lt1"/>
-    </dgm:linClrLst>
-    <dgm:effectClrLst/>
-    <dgm:txLinClrLst/>
-    <dgm:txFillClrLst/>
-    <dgm:txEffectClrLst/>
-  </dgm:styleLbl>
-  <dgm:styleLbl name="asst1">
-    <dgm:fillClrLst meth="repeat">
-      <a:schemeClr val="accent1"/>
-    </dgm:fillClrLst>
-    <dgm:linClrLst meth="repeat">
-      <a:schemeClr val="lt1"/>
-    </dgm:linClrLst>
-    <dgm:effectClrLst/>
-    <dgm:txLinClrLst/>
-    <dgm:txFillClrLst/>
-    <dgm:txEffectClrLst/>
-  </dgm:styleLbl>
-  <dgm:styleLbl name="asst2">
-    <dgm:fillClrLst meth="repeat">
-      <a:schemeClr val="accent1"/>
-    </dgm:fillClrLst>
-    <dgm:linClrLst meth="repeat">
-      <a:schemeClr val="lt1"/>
-    </dgm:linClrLst>
-    <dgm:effectClrLst/>
-    <dgm:txLinClrLst/>
-    <dgm:txFillClrLst/>
-    <dgm:txEffectClrLst/>
-  </dgm:styleLbl>
-  <dgm:styleLbl name="asst3">
-    <dgm:fillClrLst meth="repeat">
-      <a:schemeClr val="accent1"/>
-    </dgm:fillClrLst>
-    <dgm:linClrLst meth="repeat">
-      <a:schemeClr val="lt1"/>
-    </dgm:linClrLst>
-    <dgm:effectClrLst/>
-    <dgm:txLinClrLst/>
-    <dgm:txFillClrLst/>
-    <dgm:txEffectClrLst/>
-  </dgm:styleLbl>
-  <dgm:styleLbl name="asst4">
-    <dgm:fillClrLst meth="repeat">
-      <a:schemeClr val="accent1"/>
-    </dgm:fillClrLst>
-    <dgm:linClrLst meth="repeat">
-      <a:schemeClr val="lt1"/>
-    </dgm:linClrLst>
-    <dgm:effectClrLst/>
-    <dgm:txLinClrLst/>
-    <dgm:txFillClrLst/>
-    <dgm:txEffectClrLst/>
-  </dgm:styleLbl>
-  <dgm:styleLbl name="parChTrans2D1">
-    <dgm:fillClrLst meth="repeat">
-      <a:schemeClr val="accent1">
-        <a:tint val="60000"/>
-      </a:schemeClr>
-    </dgm:fillClrLst>
-    <dgm:linClrLst meth="repeat">
-      <a:schemeClr val="accent1">
-        <a:tint val="60000"/>
-      </a:schemeClr>
-    </dgm:linClrLst>
-    <dgm:effectClrLst/>
-    <dgm:txLinClrLst/>
-    <dgm:txFillClrLst meth="repeat">
-      <a:schemeClr val="lt1"/>
-    </dgm:txFillClrLst>
-    <dgm:txEffectClrLst/>
-  </dgm:styleLbl>
-  <dgm:styleLbl name="parChTrans2D2">
-    <dgm:fillClrLst meth="repeat">
-      <a:schemeClr val="accent1"/>
-    </dgm:fillClrLst>
-    <dgm:linClrLst meth="repeat">
-      <a:schemeClr val="accent1"/>
-    </dgm:linClrLst>
-    <dgm:effectClrLst/>
-    <dgm:txLinClrLst/>
-    <dgm:txFillClrLst meth="repeat">
-      <a:schemeClr val="lt1"/>
-    </dgm:txFillClrLst>
-    <dgm:txEffectClrLst/>
-  </dgm:styleLbl>
-  <dgm:styleLbl name="parChTrans2D3">
-    <dgm:fillClrLst meth="repeat">
-      <a:schemeClr val="accent1"/>
-    </dgm:fillClrLst>
-    <dgm:linClrLst meth="repeat">
-      <a:schemeClr val="accent1"/>
-    </dgm:linClrLst>
-    <dgm:effectClrLst/>
-    <dgm:txLinClrLst/>
-    <dgm:txFillClrLst meth="repeat">
-      <a:schemeClr val="lt1"/>
-    </dgm:txFillClrLst>
-    <dgm:txEffectClrLst/>
-  </dgm:styleLbl>
-  <dgm:styleLbl name="parChTrans2D4">
-    <dgm:fillClrLst meth="repeat">
-      <a:schemeClr val="accent1"/>
-    </dgm:fillClrLst>
-    <dgm:linClrLst meth="repeat">
-      <a:schemeClr val="accent1"/>
-    </dgm:linClrLst>
-    <dgm:effectClrLst/>
-    <dgm:txLinClrLst/>
-    <dgm:txFillClrLst meth="repeat">
-      <a:schemeClr val="lt1"/>
-    </dgm:txFillClrLst>
-    <dgm:txEffectClrLst/>
-  </dgm:styleLbl>
-  <dgm:styleLbl name="parChTrans1D1">
-    <dgm:fillClrLst meth="repeat">
-      <a:schemeClr val="accent1"/>
-    </dgm:fillClrLst>
-    <dgm:linClrLst meth="repeat">
-      <a:schemeClr val="accent1">
-        <a:shade val="60000"/>
-      </a:schemeClr>
-    </dgm:linClrLst>
-    <dgm:effectClrLst/>
-    <dgm:txLinClrLst/>
-    <dgm:txFillClrLst meth="repeat">
-      <a:schemeClr val="tx1"/>
-    </dgm:txFillClrLst>
-    <dgm:txEffectClrLst/>
-  </dgm:styleLbl>
-  <dgm:styleLbl name="parChTrans1D2">
-    <dgm:fillClrLst meth="repeat">
-      <a:schemeClr val="accent1"/>
-    </dgm:fillClrLst>
-    <dgm:linClrLst meth="repeat">
-      <a:schemeClr val="accent1">
-        <a:shade val="60000"/>
-      </a:schemeClr>
-    </dgm:linClrLst>
-    <dgm:effectClrLst/>
-    <dgm:txLinClrLst/>
-    <dgm:txFillClrLst meth="repeat">
-      <a:schemeClr val="tx1"/>
-    </dgm:txFillClrLst>
-    <dgm:txEffectClrLst/>
-  </dgm:styleLbl>
-  <dgm:styleLbl name="parChTrans1D3">
-    <dgm:fillClrLst meth="repeat">
-      <a:schemeClr val="accent1"/>
-    </dgm:fillClrLst>
-    <dgm:linClrLst meth="repeat">
-      <a:schemeClr val="accent1">
-        <a:shade val="80000"/>
-      </a:schemeClr>
-    </dgm:linClrLst>
-    <dgm:effectClrLst/>
-    <dgm:txLinClrLst/>
-    <dgm:txFillClrLst meth="repeat">
-      <a:schemeClr val="tx1"/>
-    </dgm:txFillClrLst>
-    <dgm:txEffectClrLst/>
-  </dgm:styleLbl>
-  <dgm:styleLbl name="parChTrans1D4">
-    <dgm:fillClrLst meth="repeat">
-      <a:schemeClr val="accent1"/>
-    </dgm:fillClrLst>
-    <dgm:linClrLst meth="repeat">
-      <a:schemeClr val="accent1">
-        <a:shade val="80000"/>
-      </a:schemeClr>
-    </dgm:linClrLst>
-    <dgm:effectClrLst/>
-    <dgm:txLinClrLst/>
-    <dgm:txFillClrLst meth="repeat">
-      <a:schemeClr val="tx1"/>
-    </dgm:txFillClrLst>
-    <dgm:txEffectClrLst/>
-  </dgm:styleLbl>
-  <dgm:styleLbl name="fgAcc1">
-    <dgm:fillClrLst meth="repeat">
-      <a:schemeClr val="lt1">
-        <a:alpha val="90000"/>
-      </a:schemeClr>
-    </dgm:fillClrLst>
-    <dgm:linClrLst meth="repeat">
-      <a:schemeClr val="accent1"/>
-    </dgm:linClrLst>
-    <dgm:effectClrLst/>
-    <dgm:txLinClrLst/>
-    <dgm:txFillClrLst meth="repeat">
-      <a:schemeClr val="dk1"/>
-    </dgm:txFillClrLst>
-    <dgm:txEffectClrLst/>
-  </dgm:styleLbl>
-  <dgm:styleLbl name="conFgAcc1">
-    <dgm:fillClrLst meth="repeat">
-      <a:schemeClr val="lt1">
-        <a:alpha val="90000"/>
-      </a:schemeClr>
-    </dgm:fillClrLst>
-    <dgm:linClrLst meth="repeat">
-      <a:schemeClr val="accent1"/>
-    </dgm:linClrLst>
-    <dgm:effectClrLst/>
-    <dgm:txLinClrLst/>
-    <dgm:txFillClrLst meth="repeat">
-      <a:schemeClr val="dk1"/>
-    </dgm:txFillClrLst>
-    <dgm:txEffectClrLst/>
-  </dgm:styleLbl>
-  <dgm:styleLbl name="alignAcc1">
-    <dgm:fillClrLst meth="repeat">
-      <a:schemeClr val="lt1">
-        <a:alpha val="90000"/>
-      </a:schemeClr>
-    </dgm:fillClrLst>
-    <dgm:linClrLst meth="repeat">
-      <a:schemeClr val="accent1"/>
-    </dgm:linClrLst>
-    <dgm:effectClrLst/>
-    <dgm:txLinClrLst/>
-    <dgm:txFillClrLst meth="repeat">
-      <a:schemeClr val="dk1"/>
-    </dgm:txFillClrLst>
-    <dgm:txEffectClrLst/>
-  </dgm:styleLbl>
-  <dgm:styleLbl name="trAlignAcc1">
-    <dgm:fillClrLst meth="repeat">
-      <a:schemeClr val="lt1">
-        <a:alpha val="40000"/>
-      </a:schemeClr>
-    </dgm:fillClrLst>
-    <dgm:linClrLst meth="repeat">
-      <a:schemeClr val="accent1"/>
-    </dgm:linClrLst>
-    <dgm:effectClrLst/>
-    <dgm:txLinClrLst/>
-    <dgm:txFillClrLst meth="repeat">
-      <a:schemeClr val="dk1"/>
-    </dgm:txFillClrLst>
-    <dgm:txEffectClrLst/>
-  </dgm:styleLbl>
-  <dgm:styleLbl name="bgAcc1">
-    <dgm:fillClrLst meth="repeat">
-      <a:schemeClr val="lt1">
-        <a:alpha val="90000"/>
-      </a:schemeClr>
-    </dgm:fillClrLst>
-    <dgm:linClrLst meth="repeat">
-      <a:schemeClr val="accent1"/>
-    </dgm:linClrLst>
-    <dgm:effectClrLst/>
-    <dgm:txLinClrLst/>
-    <dgm:txFillClrLst meth="repeat">
-      <a:schemeClr val="dk1"/>
-    </dgm:txFillClrLst>
-    <dgm:txEffectClrLst/>
-  </dgm:styleLbl>
-  <dgm:styleLbl name="solidFgAcc1">
-    <dgm:fillClrLst meth="repeat">
-      <a:schemeClr val="lt1"/>
-    </dgm:fillClrLst>
-    <dgm:linClrLst meth="repeat">
-      <a:schemeClr val="accent1"/>
-    </dgm:linClrLst>
-    <dgm:effectClrLst/>
-    <dgm:txLinClrLst/>
-    <dgm:txFillClrLst meth="repeat">
-      <a:schemeClr val="dk1"/>
-    </dgm:txFillClrLst>
-    <dgm:txEffectClrLst/>
-  </dgm:styleLbl>
-  <dgm:styleLbl name="solidAlignAcc1">
-    <dgm:fillClrLst meth="repeat">
-      <a:schemeClr val="lt1"/>
-    </dgm:fillClrLst>
-    <dgm:linClrLst meth="repeat">
-      <a:schemeClr val="accent1"/>
-    </dgm:linClrLst>
-    <dgm:effectClrLst/>
-    <dgm:txLinClrLst/>
-    <dgm:txFillClrLst meth="repeat">
-      <a:schemeClr val="dk1"/>
-    </dgm:txFillClrLst>
-    <dgm:txEffectClrLst/>
-  </dgm:styleLbl>
-  <dgm:styleLbl name="solidBgAcc1">
-    <dgm:fillClrLst meth="repeat">
-      <a:schemeClr val="lt1"/>
-    </dgm:fillClrLst>
-    <dgm:linClrLst meth="repeat">
-      <a:schemeClr val="accent1"/>
-    </dgm:linClrLst>
-    <dgm:effectClrLst/>
-    <dgm:txLinClrLst/>
-    <dgm:txFillClrLst meth="repeat">
-      <a:schemeClr val="dk1"/>
-    </dgm:txFillClrLst>
-    <dgm:txEffectClrLst/>
-  </dgm:styleLbl>
-  <dgm:styleLbl name="fgAccFollowNode1">
-    <dgm:fillClrLst meth="repeat">
-      <a:schemeClr val="accent1">
-        <a:alpha val="90000"/>
-        <a:tint val="40000"/>
-      </a:schemeClr>
-    </dgm:fillClrLst>
-    <dgm:linClrLst meth="repeat">
-      <a:schemeClr val="accent1">
-        <a:alpha val="90000"/>
-        <a:tint val="40000"/>
-      </a:schemeClr>
-    </dgm:linClrLst>
-    <dgm:effectClrLst/>
-    <dgm:txLinClrLst/>
-    <dgm:txFillClrLst meth="repeat">
-      <a:schemeClr val="dk1"/>
-    </dgm:txFillClrLst>
-    <dgm:txEffectClrLst/>
-  </dgm:styleLbl>
-  <dgm:styleLbl name="alignAccFollowNode1">
-    <dgm:fillClrLst meth="repeat">
-      <a:schemeClr val="accent1">
-        <a:alpha val="90000"/>
-        <a:tint val="40000"/>
-      </a:schemeClr>
-    </dgm:fillClrLst>
-    <dgm:linClrLst meth="repeat">
-      <a:schemeClr val="accent1">
-        <a:alpha val="90000"/>
-        <a:tint val="40000"/>
-      </a:schemeClr>
-    </dgm:linClrLst>
-    <dgm:effectClrLst/>
-    <dgm:txLinClrLst/>
-    <dgm:txFillClrLst meth="repeat">
-      <a:schemeClr val="dk1"/>
-    </dgm:txFillClrLst>
-    <dgm:txEffectClrLst/>
-  </dgm:styleLbl>
-  <dgm:styleLbl name="bgAccFollowNode1">
-    <dgm:fillClrLst meth="repeat">
-      <a:schemeClr val="accent1">
-        <a:alpha val="90000"/>
-        <a:tint val="40000"/>
-      </a:schemeClr>
-    </dgm:fillClrLst>
-    <dgm:linClrLst meth="repeat">
-      <a:schemeClr val="accent1">
-        <a:alpha val="90000"/>
-        <a:tint val="40000"/>
-      </a:schemeClr>
-    </dgm:linClrLst>
-    <dgm:effectClrLst/>
-    <dgm:txLinClrLst/>
-    <dgm:txFillClrLst meth="repeat">
-      <a:schemeClr val="dk1"/>
-    </dgm:txFillClrLst>
-    <dgm:txEffectClrLst/>
-  </dgm:styleLbl>
-  <dgm:styleLbl name="fgAcc0">
-    <dgm:fillClrLst meth="repeat">
-      <a:schemeClr val="lt1">
-        <a:alpha val="90000"/>
-      </a:schemeClr>
-    </dgm:fillClrLst>
-    <dgm:linClrLst meth="repeat">
-      <a:schemeClr val="accent1"/>
-    </dgm:linClrLst>
-    <dgm:effectClrLst/>
-    <dgm:txLinClrLst/>
-    <dgm:txFillClrLst meth="repeat">
-      <a:schemeClr val="dk1"/>
-    </dgm:txFillClrLst>
-    <dgm:txEffectClrLst/>
-  </dgm:styleLbl>
-  <dgm:styleLbl name="fgAcc2">
-    <dgm:fillClrLst meth="repeat">
-      <a:schemeClr val="lt1">
-        <a:alpha val="90000"/>
-      </a:schemeClr>
-    </dgm:fillClrLst>
-    <dgm:linClrLst meth="repeat">
-      <a:schemeClr val="accent1"/>
-    </dgm:linClrLst>
-    <dgm:effectClrLst/>
-    <dgm:txLinClrLst/>
-    <dgm:txFillClrLst meth="repeat">
-      <a:schemeClr val="dk1"/>
-    </dgm:txFillClrLst>
-    <dgm:txEffectClrLst/>
-  </dgm:styleLbl>
-  <dgm:styleLbl name="fgAcc3">
-    <dgm:fillClrLst meth="repeat">
-      <a:schemeClr val="lt1">
-        <a:alpha val="90000"/>
-      </a:schemeClr>
-    </dgm:fillClrLst>
-    <dgm:linClrLst meth="repeat">
-      <a:schemeClr val="accent1"/>
-    </dgm:linClrLst>
-    <dgm:effectClrLst/>
-    <dgm:txLinClrLst/>
-    <dgm:txFillClrLst meth="repeat">
-      <a:schemeClr val="dk1"/>
-    </dgm:txFillClrLst>
-    <dgm:txEffectClrLst/>
-  </dgm:styleLbl>
-  <dgm:styleLbl name="fgAcc4">
-    <dgm:fillClrLst meth="repeat">
-      <a:schemeClr val="lt1">
-        <a:alpha val="90000"/>
-      </a:schemeClr>
-    </dgm:fillClrLst>
-    <dgm:linClrLst meth="repeat">
-      <a:schemeClr val="accent1"/>
-    </dgm:linClrLst>
-    <dgm:effectClrLst/>
-    <dgm:txLinClrLst/>
-    <dgm:txFillClrLst meth="repeat">
-      <a:schemeClr val="dk1"/>
-    </dgm:txFillClrLst>
-    <dgm:txEffectClrLst/>
-  </dgm:styleLbl>
-  <dgm:styleLbl name="bgShp">
-    <dgm:fillClrLst meth="repeat">
-      <a:schemeClr val="accent1">
-        <a:tint val="40000"/>
-      </a:schemeClr>
-    </dgm:fillClrLst>
-    <dgm:linClrLst meth="repeat">
-      <a:schemeClr val="accent1"/>
-    </dgm:linClrLst>
-    <dgm:effectClrLst/>
-    <dgm:txLinClrLst/>
-    <dgm:txFillClrLst meth="repeat">
-      <a:schemeClr val="dk1"/>
-    </dgm:txFillClrLst>
-    <dgm:txEffectClrLst/>
-  </dgm:styleLbl>
-  <dgm:styleLbl name="dkBgShp">
-    <dgm:fillClrLst meth="repeat">
-      <a:schemeClr val="accent1">
-        <a:shade val="80000"/>
-      </a:schemeClr>
-    </dgm:fillClrLst>
-    <dgm:linClrLst meth="repeat">
-      <a:schemeClr val="accent1"/>
-    </dgm:linClrLst>
-    <dgm:effectClrLst/>
-    <dgm:txLinClrLst/>
-    <dgm:txFillClrLst meth="repeat">
-      <a:schemeClr val="lt1"/>
-    </dgm:txFillClrLst>
-    <dgm:txEffectClrLst/>
-  </dgm:styleLbl>
-  <dgm:styleLbl name="trBgShp">
-    <dgm:fillClrLst meth="repeat">
-      <a:schemeClr val="accent1">
-        <a:tint val="50000"/>
-        <a:alpha val="40000"/>
-      </a:schemeClr>
-    </dgm:fillClrLst>
-    <dgm:linClrLst meth="repeat">
-      <a:schemeClr val="accent1"/>
-    </dgm:linClrLst>
-    <dgm:effectClrLst/>
-    <dgm:txLinClrLst/>
-    <dgm:txFillClrLst meth="repeat">
-      <a:schemeClr val="lt1"/>
-    </dgm:txFillClrLst>
-    <dgm:txEffectClrLst/>
-  </dgm:styleLbl>
-  <dgm:styleLbl name="fgShp">
-    <dgm:fillClrLst meth="repeat">
-      <a:schemeClr val="accent1">
-        <a:tint val="60000"/>
-      </a:schemeClr>
-    </dgm:fillClrLst>
-    <dgm:linClrLst meth="repeat">
-      <a:schemeClr val="lt1"/>
-    </dgm:linClrLst>
-    <dgm:effectClrLst/>
-    <dgm:txLinClrLst/>
-    <dgm:txFillClrLst meth="repeat">
-      <a:schemeClr val="dk1"/>
-    </dgm:txFillClrLst>
-    <dgm:txEffectClrLst/>
-  </dgm:styleLbl>
-  <dgm:styleLbl name="revTx">
-    <dgm:fillClrLst meth="repeat">
-      <a:schemeClr val="lt1">
-        <a:alpha val="0"/>
-      </a:schemeClr>
-    </dgm:fillClrLst>
-    <dgm:linClrLst meth="repeat">
-      <a:schemeClr val="dk1">
-        <a:alpha val="0"/>
-      </a:schemeClr>
-    </dgm:linClrLst>
-    <dgm:effectClrLst/>
-    <dgm:txLinClrLst/>
-    <dgm:txFillClrLst meth="repeat">
-      <a:schemeClr val="tx1"/>
-    </dgm:txFillClrLst>
-    <dgm:txEffectClrLst/>
-  </dgm:styleLbl>
-</dgm:colorsDef>
-</file>
-
 <file path=ppt/diagrams/data1.xml><?xml version="1.0" encoding="utf-8"?>
-<dgm:dataModel xmlns:dgm="http://schemas.openxmlformats.org/drawingml/2006/diagram" xmlns:a="http://schemas.openxmlformats.org/drawingml/2006/main">
-  <dgm:ptLst>
-    <dgm:pt modelId="{5D1DDD0B-9B39-49F2-ACDE-580E4D252C0D}" type="doc">
-      <dgm:prSet loTypeId="urn:microsoft.com/office/officeart/2005/8/layout/funnel1" loCatId="process" qsTypeId="urn:microsoft.com/office/officeart/2005/8/quickstyle/simple1" qsCatId="simple" csTypeId="urn:microsoft.com/office/officeart/2005/8/colors/accent1_2" csCatId="accent1" phldr="1"/>
-      <dgm:spPr/>
-      <dgm:t>
-        <a:bodyPr/>
-        <a:lstStyle/>
-        <a:p>
-          <a:endParaRPr lang="en-US"/>
-        </a:p>
-      </dgm:t>
-    </dgm:pt>
-    <dgm:pt modelId="{C2A081A7-B8C2-412E-9A42-B6E29BF6F1B8}">
-      <dgm:prSet phldrT="[Text]"/>
-      <dgm:spPr/>
-      <dgm:t>
-        <a:bodyPr/>
-        <a:lstStyle/>
-        <a:p>
-          <a:r>
-            <a:rPr lang="en-US" dirty="0" smtClean="0"/>
-            <a:t>CSV file of crawled tweets</a:t>
-          </a:r>
-          <a:endParaRPr lang="en-US" dirty="0"/>
-        </a:p>
-      </dgm:t>
-    </dgm:pt>
-    <dgm:pt modelId="{3D49F2E0-BF8D-4625-99BD-8773E691FD1E}" type="parTrans" cxnId="{8B4A7E1B-267D-42AD-A48D-FB549A8A36E9}">
-      <dgm:prSet/>
-      <dgm:spPr/>
-      <dgm:t>
-        <a:bodyPr/>
-        <a:lstStyle/>
-        <a:p>
-          <a:endParaRPr lang="en-US"/>
-        </a:p>
-      </dgm:t>
-    </dgm:pt>
-    <dgm:pt modelId="{5CE4FEF5-8008-4D82-AC67-B9F799D3FE27}" type="sibTrans" cxnId="{8B4A7E1B-267D-42AD-A48D-FB549A8A36E9}">
-      <dgm:prSet/>
-      <dgm:spPr/>
-      <dgm:t>
-        <a:bodyPr/>
-        <a:lstStyle/>
-        <a:p>
-          <a:endParaRPr lang="en-US"/>
-        </a:p>
-      </dgm:t>
-    </dgm:pt>
-    <dgm:pt modelId="{DEE1FAD3-1DAD-485C-8C56-0B80085C778B}">
-      <dgm:prSet phldrT="[Text]"/>
-      <dgm:spPr/>
-      <dgm:t>
-        <a:bodyPr/>
-        <a:lstStyle/>
-        <a:p>
-          <a:r>
-            <a:rPr lang="en-US" dirty="0" smtClean="0"/>
-            <a:t>Preprocessing of tweets</a:t>
-          </a:r>
-          <a:endParaRPr lang="en-US" dirty="0"/>
-        </a:p>
-      </dgm:t>
-    </dgm:pt>
-    <dgm:pt modelId="{C58FD24F-4C5C-4AAA-87F7-7F5CD314E9A6}" type="sibTrans" cxnId="{2B50F199-2BBC-4D3E-AD54-EAC4A94AF25C}">
-      <dgm:prSet/>
-      <dgm:spPr/>
-      <dgm:t>
-        <a:bodyPr/>
-        <a:lstStyle/>
-        <a:p>
-          <a:endParaRPr lang="en-US"/>
-        </a:p>
-      </dgm:t>
-    </dgm:pt>
-    <dgm:pt modelId="{C76A8AFC-5A42-4447-94D1-D1D4F79F9583}" type="parTrans" cxnId="{2B50F199-2BBC-4D3E-AD54-EAC4A94AF25C}">
-      <dgm:prSet/>
-      <dgm:spPr/>
-      <dgm:t>
-        <a:bodyPr/>
-        <a:lstStyle/>
-        <a:p>
-          <a:endParaRPr lang="en-US"/>
-        </a:p>
-      </dgm:t>
-    </dgm:pt>
-    <dgm:pt modelId="{5FC49174-8761-41AC-85FE-768C104F20E8}" type="pres">
-      <dgm:prSet presAssocID="{5D1DDD0B-9B39-49F2-ACDE-580E4D252C0D}" presName="Name0" presStyleCnt="0">
-        <dgm:presLayoutVars>
-          <dgm:chMax val="4"/>
-          <dgm:resizeHandles val="exact"/>
-        </dgm:presLayoutVars>
-      </dgm:prSet>
-      <dgm:spPr/>
-    </dgm:pt>
-    <dgm:pt modelId="{DF94ED46-85A0-4B95-A608-A783486263B6}" type="pres">
-      <dgm:prSet presAssocID="{5D1DDD0B-9B39-49F2-ACDE-580E4D252C0D}" presName="ellipse" presStyleLbl="trBgShp" presStyleIdx="0" presStyleCnt="1" custScaleX="69767" custScaleY="52902" custLinFactNeighborX="-42775" custLinFactNeighborY="24498"/>
-      <dgm:spPr/>
-      <dgm:t>
-        <a:bodyPr/>
-        <a:lstStyle/>
-        <a:p>
-          <a:endParaRPr lang="en-US"/>
-        </a:p>
-      </dgm:t>
-    </dgm:pt>
-    <dgm:pt modelId="{0343FF12-D40F-4011-AAF5-220780FE72FD}" type="pres">
-      <dgm:prSet presAssocID="{5D1DDD0B-9B39-49F2-ACDE-580E4D252C0D}" presName="arrow1" presStyleLbl="fgShp" presStyleIdx="0" presStyleCnt="1" custAng="16200000" custScaleX="67999" custScaleY="87500" custLinFactY="-216642" custLinFactNeighborX="28000" custLinFactNeighborY="-300000"/>
-      <dgm:spPr/>
-      <dgm:t>
-        <a:bodyPr/>
-        <a:lstStyle/>
-        <a:p>
-          <a:endParaRPr lang="en-US"/>
-        </a:p>
-      </dgm:t>
-    </dgm:pt>
-    <dgm:pt modelId="{C6F154F0-C54A-4CF4-A18A-14E903562DFB}" type="pres">
-      <dgm:prSet presAssocID="{5D1DDD0B-9B39-49F2-ACDE-580E4D252C0D}" presName="rectangle" presStyleLbl="revTx" presStyleIdx="0" presStyleCnt="1" custScaleX="80000" custScaleY="46833" custLinFactY="-100000" custLinFactNeighborX="80000" custLinFactNeighborY="-166459">
-        <dgm:presLayoutVars>
-          <dgm:bulletEnabled val="1"/>
-        </dgm:presLayoutVars>
-      </dgm:prSet>
-      <dgm:spPr/>
-      <dgm:t>
-        <a:bodyPr/>
-        <a:lstStyle/>
-        <a:p>
-          <a:endParaRPr lang="en-US"/>
-        </a:p>
-      </dgm:t>
-    </dgm:pt>
-    <dgm:pt modelId="{CFC4115C-4418-47D9-9593-7B15211E9AC8}" type="pres">
-      <dgm:prSet presAssocID="{DEE1FAD3-1DAD-485C-8C56-0B80085C778B}" presName="item1" presStyleLbl="node1" presStyleIdx="0" presStyleCnt="1" custScaleX="40571" custScaleY="42143" custLinFactNeighborX="-61972">
-        <dgm:presLayoutVars>
-          <dgm:bulletEnabled val="1"/>
-        </dgm:presLayoutVars>
-      </dgm:prSet>
-      <dgm:spPr/>
-    </dgm:pt>
-    <dgm:pt modelId="{B05319D2-A363-4009-9B12-FE9985C1F2CE}" type="pres">
-      <dgm:prSet presAssocID="{5D1DDD0B-9B39-49F2-ACDE-580E4D252C0D}" presName="funnel" presStyleLbl="trAlignAcc1" presStyleIdx="0" presStyleCnt="1" custScaleX="42858" custScaleY="33927" custLinFactNeighborX="-37557" custLinFactNeighborY="-10938"/>
-      <dgm:spPr/>
-      <dgm:t>
-        <a:bodyPr/>
-        <a:lstStyle/>
-        <a:p>
-          <a:endParaRPr lang="en-US"/>
-        </a:p>
-      </dgm:t>
-    </dgm:pt>
-  </dgm:ptLst>
-  <dgm:cxnLst>
-    <dgm:cxn modelId="{B05FB543-9E69-49DD-BB52-C759629DC3CD}" type="presOf" srcId="{DEE1FAD3-1DAD-485C-8C56-0B80085C778B}" destId="{C6F154F0-C54A-4CF4-A18A-14E903562DFB}" srcOrd="0" destOrd="0" presId="urn:microsoft.com/office/officeart/2005/8/layout/funnel1"/>
-    <dgm:cxn modelId="{CF1EDDA1-7F87-4156-AC17-C2CC04A1C9C3}" type="presOf" srcId="{5D1DDD0B-9B39-49F2-ACDE-580E4D252C0D}" destId="{5FC49174-8761-41AC-85FE-768C104F20E8}" srcOrd="0" destOrd="0" presId="urn:microsoft.com/office/officeart/2005/8/layout/funnel1"/>
-    <dgm:cxn modelId="{2B50F199-2BBC-4D3E-AD54-EAC4A94AF25C}" srcId="{5D1DDD0B-9B39-49F2-ACDE-580E4D252C0D}" destId="{DEE1FAD3-1DAD-485C-8C56-0B80085C778B}" srcOrd="1" destOrd="0" parTransId="{C76A8AFC-5A42-4447-94D1-D1D4F79F9583}" sibTransId="{C58FD24F-4C5C-4AAA-87F7-7F5CD314E9A6}"/>
-    <dgm:cxn modelId="{7F365891-82AC-4C34-B8AC-7B5811B49763}" type="presOf" srcId="{C2A081A7-B8C2-412E-9A42-B6E29BF6F1B8}" destId="{CFC4115C-4418-47D9-9593-7B15211E9AC8}" srcOrd="0" destOrd="0" presId="urn:microsoft.com/office/officeart/2005/8/layout/funnel1"/>
-    <dgm:cxn modelId="{8B4A7E1B-267D-42AD-A48D-FB549A8A36E9}" srcId="{5D1DDD0B-9B39-49F2-ACDE-580E4D252C0D}" destId="{C2A081A7-B8C2-412E-9A42-B6E29BF6F1B8}" srcOrd="0" destOrd="0" parTransId="{3D49F2E0-BF8D-4625-99BD-8773E691FD1E}" sibTransId="{5CE4FEF5-8008-4D82-AC67-B9F799D3FE27}"/>
-    <dgm:cxn modelId="{A51A5597-F70D-40B3-8D89-8C5342D4EABF}" type="presParOf" srcId="{5FC49174-8761-41AC-85FE-768C104F20E8}" destId="{DF94ED46-85A0-4B95-A608-A783486263B6}" srcOrd="0" destOrd="0" presId="urn:microsoft.com/office/officeart/2005/8/layout/funnel1"/>
-    <dgm:cxn modelId="{624CE340-A40A-4B04-8B10-12C61FE91FEA}" type="presParOf" srcId="{5FC49174-8761-41AC-85FE-768C104F20E8}" destId="{0343FF12-D40F-4011-AAF5-220780FE72FD}" srcOrd="1" destOrd="0" presId="urn:microsoft.com/office/officeart/2005/8/layout/funnel1"/>
-    <dgm:cxn modelId="{99277F9F-9E46-4D37-B36E-1B4D7E1E1ED5}" type="presParOf" srcId="{5FC49174-8761-41AC-85FE-768C104F20E8}" destId="{C6F154F0-C54A-4CF4-A18A-14E903562DFB}" srcOrd="2" destOrd="0" presId="urn:microsoft.com/office/officeart/2005/8/layout/funnel1"/>
-    <dgm:cxn modelId="{693CCE1B-1C71-4B86-81A7-852FC14F8460}" type="presParOf" srcId="{5FC49174-8761-41AC-85FE-768C104F20E8}" destId="{CFC4115C-4418-47D9-9593-7B15211E9AC8}" srcOrd="3" destOrd="0" presId="urn:microsoft.com/office/officeart/2005/8/layout/funnel1"/>
-    <dgm:cxn modelId="{3ED943ED-618D-4EE9-830B-346D89A4180D}" type="presParOf" srcId="{5FC49174-8761-41AC-85FE-768C104F20E8}" destId="{B05319D2-A363-4009-9B12-FE9985C1F2CE}" srcOrd="4" destOrd="0" presId="urn:microsoft.com/office/officeart/2005/8/layout/funnel1"/>
-  </dgm:cxnLst>
-  <dgm:bg/>
-  <dgm:whole/>
-  <dgm:extLst>
-    <a:ext uri="http://schemas.microsoft.com/office/drawing/2008/diagram">
-      <dsp:dataModelExt xmlns:dsp="http://schemas.microsoft.com/office/drawing/2008/diagram" relId="rId6" minVer="http://schemas.openxmlformats.org/drawingml/2006/diagram"/>
-    </a:ext>
-  </dgm:extLst>
-</dgm:dataModel>
-</file>
-
-<file path=ppt/diagrams/data2.xml><?xml version="1.0" encoding="utf-8"?>
 <dgm:dataModel xmlns:dgm="http://schemas.openxmlformats.org/drawingml/2006/diagram" xmlns:a="http://schemas.openxmlformats.org/drawingml/2006/main">
   <dgm:ptLst>
     <dgm:pt modelId="{639ECEE5-9B85-4401-A810-DDD29EE49B93}" type="doc">
@@ -3451,6 +2521,13 @@
         </dgm:presLayoutVars>
       </dgm:prSet>
       <dgm:spPr/>
+      <dgm:t>
+        <a:bodyPr/>
+        <a:lstStyle/>
+        <a:p>
+          <a:endParaRPr lang="en-US"/>
+        </a:p>
+      </dgm:t>
     </dgm:pt>
     <dgm:pt modelId="{32C7719C-C75A-4C40-BB86-A1FA9696BE2F}" type="pres">
       <dgm:prSet presAssocID="{D371F1B3-A634-4C00-8AC6-DC6475084A6A}" presName="Name5" presStyleLbl="vennNode1" presStyleIdx="0" presStyleCnt="4">
@@ -3478,6 +2555,13 @@
         </dgm:presLayoutVars>
       </dgm:prSet>
       <dgm:spPr/>
+      <dgm:t>
+        <a:bodyPr/>
+        <a:lstStyle/>
+        <a:p>
+          <a:endParaRPr lang="en-US"/>
+        </a:p>
+      </dgm:t>
     </dgm:pt>
     <dgm:pt modelId="{07961B5C-B0B4-4ED9-83CD-EEF32B8C9398}" type="pres">
       <dgm:prSet presAssocID="{CEEC107E-0C6A-4E44-9F89-569021B0F899}" presName="space" presStyleCnt="0"/>
@@ -3490,6 +2574,13 @@
         </dgm:presLayoutVars>
       </dgm:prSet>
       <dgm:spPr/>
+      <dgm:t>
+        <a:bodyPr/>
+        <a:lstStyle/>
+        <a:p>
+          <a:endParaRPr lang="en-US"/>
+        </a:p>
+      </dgm:t>
     </dgm:pt>
     <dgm:pt modelId="{9B6E5E40-0F59-47F5-96EE-C693035D6EE1}" type="pres">
       <dgm:prSet presAssocID="{7B573E6C-D81F-4FBA-B460-D0C2AEFD2BAF}" presName="space" presStyleCnt="0"/>
@@ -3502,37 +2593,44 @@
         </dgm:presLayoutVars>
       </dgm:prSet>
       <dgm:spPr/>
+      <dgm:t>
+        <a:bodyPr/>
+        <a:lstStyle/>
+        <a:p>
+          <a:endParaRPr lang="en-US"/>
+        </a:p>
+      </dgm:t>
     </dgm:pt>
   </dgm:ptLst>
   <dgm:cxnLst>
     <dgm:cxn modelId="{94685D2A-7721-45CC-A351-32FED5758A72}" srcId="{639ECEE5-9B85-4401-A810-DDD29EE49B93}" destId="{834E783F-9414-4164-A5BF-9B0814D10FDB}" srcOrd="2" destOrd="0" parTransId="{B21CEC85-6D04-47FD-963E-BF7A52D641BD}" sibTransId="{7B573E6C-D81F-4FBA-B460-D0C2AEFD2BAF}"/>
-    <dgm:cxn modelId="{BC4033EB-F979-4315-9AF6-B00D40A72B07}" type="presOf" srcId="{050A9762-16BF-419D-AFF3-4AF5508A00FC}" destId="{841CFF10-EE10-45F9-B1B4-1BEB5933A662}" srcOrd="0" destOrd="0" presId="urn:microsoft.com/office/officeart/2005/8/layout/venn3"/>
-    <dgm:cxn modelId="{57CACB95-E3E2-4DF5-92CB-B1AECEB98A72}" type="presOf" srcId="{834E783F-9414-4164-A5BF-9B0814D10FDB}" destId="{E08D73C2-3BE2-4B4B-86EE-A45E6C4FB642}" srcOrd="0" destOrd="0" presId="urn:microsoft.com/office/officeart/2005/8/layout/venn3"/>
     <dgm:cxn modelId="{1F6D9CAB-D80C-42C2-BE1C-BD0933A1E426}" srcId="{639ECEE5-9B85-4401-A810-DDD29EE49B93}" destId="{D371F1B3-A634-4C00-8AC6-DC6475084A6A}" srcOrd="0" destOrd="0" parTransId="{253402DB-8175-41E8-8213-E84D94853D82}" sibTransId="{22A8FC40-7696-4184-AA48-3AB12330F833}"/>
-    <dgm:cxn modelId="{017FF904-FF08-4C44-9724-55FD007E3965}" type="presOf" srcId="{49B9F009-AB52-476F-AE09-F037B66760FE}" destId="{0C7215B1-111F-4282-A4D5-53285BA1E7E1}" srcOrd="0" destOrd="0" presId="urn:microsoft.com/office/officeart/2005/8/layout/venn3"/>
-    <dgm:cxn modelId="{765B2009-AE17-4AC9-A085-2A1CCE74E3D3}" type="presOf" srcId="{D371F1B3-A634-4C00-8AC6-DC6475084A6A}" destId="{32C7719C-C75A-4C40-BB86-A1FA9696BE2F}" srcOrd="0" destOrd="0" presId="urn:microsoft.com/office/officeart/2005/8/layout/venn3"/>
+    <dgm:cxn modelId="{2B298E72-E8F9-44A4-9287-9B2E280EC065}" type="presOf" srcId="{D371F1B3-A634-4C00-8AC6-DC6475084A6A}" destId="{32C7719C-C75A-4C40-BB86-A1FA9696BE2F}" srcOrd="0" destOrd="0" presId="urn:microsoft.com/office/officeart/2005/8/layout/venn3"/>
+    <dgm:cxn modelId="{01080F14-6884-4E00-B4FA-87737D308E1D}" type="presOf" srcId="{639ECEE5-9B85-4401-A810-DDD29EE49B93}" destId="{A8147FA6-A916-4DF2-ABE1-BF4A756E8D5B}" srcOrd="0" destOrd="0" presId="urn:microsoft.com/office/officeart/2005/8/layout/venn3"/>
     <dgm:cxn modelId="{00328B2E-E082-4E8F-972F-690B654A0BCB}" srcId="{639ECEE5-9B85-4401-A810-DDD29EE49B93}" destId="{49B9F009-AB52-476F-AE09-F037B66760FE}" srcOrd="3" destOrd="0" parTransId="{15A8F649-85BD-44A3-98E4-628E61ED3F77}" sibTransId="{425228B9-3F26-4DB7-BC7D-5AA0CC38C245}"/>
-    <dgm:cxn modelId="{2F65644B-3FF6-42E4-92BD-7053E8C98899}" type="presOf" srcId="{639ECEE5-9B85-4401-A810-DDD29EE49B93}" destId="{A8147FA6-A916-4DF2-ABE1-BF4A756E8D5B}" srcOrd="0" destOrd="0" presId="urn:microsoft.com/office/officeart/2005/8/layout/venn3"/>
+    <dgm:cxn modelId="{546E28AB-121E-400D-8F2D-246B984A9731}" type="presOf" srcId="{834E783F-9414-4164-A5BF-9B0814D10FDB}" destId="{E08D73C2-3BE2-4B4B-86EE-A45E6C4FB642}" srcOrd="0" destOrd="0" presId="urn:microsoft.com/office/officeart/2005/8/layout/venn3"/>
+    <dgm:cxn modelId="{61486A5A-0F69-4B65-B906-E8B75199EC8C}" type="presOf" srcId="{050A9762-16BF-419D-AFF3-4AF5508A00FC}" destId="{841CFF10-EE10-45F9-B1B4-1BEB5933A662}" srcOrd="0" destOrd="0" presId="urn:microsoft.com/office/officeart/2005/8/layout/venn3"/>
+    <dgm:cxn modelId="{F784D06A-DA09-4FA5-8750-BA8FD42499F0}" type="presOf" srcId="{49B9F009-AB52-476F-AE09-F037B66760FE}" destId="{0C7215B1-111F-4282-A4D5-53285BA1E7E1}" srcOrd="0" destOrd="0" presId="urn:microsoft.com/office/officeart/2005/8/layout/venn3"/>
     <dgm:cxn modelId="{947F816A-4132-4BB2-A917-48F3BA1B3372}" srcId="{639ECEE5-9B85-4401-A810-DDD29EE49B93}" destId="{050A9762-16BF-419D-AFF3-4AF5508A00FC}" srcOrd="1" destOrd="0" parTransId="{CAFBF395-A97C-4469-BF2C-C77300CF5A8E}" sibTransId="{CEEC107E-0C6A-4E44-9F89-569021B0F899}"/>
-    <dgm:cxn modelId="{76BC5AE7-37AA-4D2C-941A-FD9F12B0998D}" type="presParOf" srcId="{A8147FA6-A916-4DF2-ABE1-BF4A756E8D5B}" destId="{32C7719C-C75A-4C40-BB86-A1FA9696BE2F}" srcOrd="0" destOrd="0" presId="urn:microsoft.com/office/officeart/2005/8/layout/venn3"/>
-    <dgm:cxn modelId="{A7610CC4-A87C-4CF6-AADD-4554F9FD7E45}" type="presParOf" srcId="{A8147FA6-A916-4DF2-ABE1-BF4A756E8D5B}" destId="{0A3C3D31-3AE0-43E8-8CF2-C8354061831D}" srcOrd="1" destOrd="0" presId="urn:microsoft.com/office/officeart/2005/8/layout/venn3"/>
-    <dgm:cxn modelId="{1467EB9D-ACD9-4309-A2F8-4AA5E5F7F627}" type="presParOf" srcId="{A8147FA6-A916-4DF2-ABE1-BF4A756E8D5B}" destId="{841CFF10-EE10-45F9-B1B4-1BEB5933A662}" srcOrd="2" destOrd="0" presId="urn:microsoft.com/office/officeart/2005/8/layout/venn3"/>
-    <dgm:cxn modelId="{73C3D828-4621-45A1-8ABA-FD36977FFFF7}" type="presParOf" srcId="{A8147FA6-A916-4DF2-ABE1-BF4A756E8D5B}" destId="{07961B5C-B0B4-4ED9-83CD-EEF32B8C9398}" srcOrd="3" destOrd="0" presId="urn:microsoft.com/office/officeart/2005/8/layout/venn3"/>
-    <dgm:cxn modelId="{E0D86BBE-68A8-41C4-9AA9-E9A29B88E139}" type="presParOf" srcId="{A8147FA6-A916-4DF2-ABE1-BF4A756E8D5B}" destId="{E08D73C2-3BE2-4B4B-86EE-A45E6C4FB642}" srcOrd="4" destOrd="0" presId="urn:microsoft.com/office/officeart/2005/8/layout/venn3"/>
-    <dgm:cxn modelId="{9A77022F-DAFB-452C-8BD0-EF1A744E491A}" type="presParOf" srcId="{A8147FA6-A916-4DF2-ABE1-BF4A756E8D5B}" destId="{9B6E5E40-0F59-47F5-96EE-C693035D6EE1}" srcOrd="5" destOrd="0" presId="urn:microsoft.com/office/officeart/2005/8/layout/venn3"/>
-    <dgm:cxn modelId="{00FB9978-3B49-4F3E-912E-0C3A87D962A2}" type="presParOf" srcId="{A8147FA6-A916-4DF2-ABE1-BF4A756E8D5B}" destId="{0C7215B1-111F-4282-A4D5-53285BA1E7E1}" srcOrd="6" destOrd="0" presId="urn:microsoft.com/office/officeart/2005/8/layout/venn3"/>
+    <dgm:cxn modelId="{D6A0A304-A527-4A1A-B267-29E10BD82B55}" type="presParOf" srcId="{A8147FA6-A916-4DF2-ABE1-BF4A756E8D5B}" destId="{32C7719C-C75A-4C40-BB86-A1FA9696BE2F}" srcOrd="0" destOrd="0" presId="urn:microsoft.com/office/officeart/2005/8/layout/venn3"/>
+    <dgm:cxn modelId="{CD70C2A4-0966-4BA8-887D-151D206B0045}" type="presParOf" srcId="{A8147FA6-A916-4DF2-ABE1-BF4A756E8D5B}" destId="{0A3C3D31-3AE0-43E8-8CF2-C8354061831D}" srcOrd="1" destOrd="0" presId="urn:microsoft.com/office/officeart/2005/8/layout/venn3"/>
+    <dgm:cxn modelId="{98720566-CF42-4124-AEDC-73F1DE7DDBAA}" type="presParOf" srcId="{A8147FA6-A916-4DF2-ABE1-BF4A756E8D5B}" destId="{841CFF10-EE10-45F9-B1B4-1BEB5933A662}" srcOrd="2" destOrd="0" presId="urn:microsoft.com/office/officeart/2005/8/layout/venn3"/>
+    <dgm:cxn modelId="{79AE30FF-8349-4EFF-8511-FB054EB397DA}" type="presParOf" srcId="{A8147FA6-A916-4DF2-ABE1-BF4A756E8D5B}" destId="{07961B5C-B0B4-4ED9-83CD-EEF32B8C9398}" srcOrd="3" destOrd="0" presId="urn:microsoft.com/office/officeart/2005/8/layout/venn3"/>
+    <dgm:cxn modelId="{4E201E2F-DA1F-4398-8477-B1FEDBA8F904}" type="presParOf" srcId="{A8147FA6-A916-4DF2-ABE1-BF4A756E8D5B}" destId="{E08D73C2-3BE2-4B4B-86EE-A45E6C4FB642}" srcOrd="4" destOrd="0" presId="urn:microsoft.com/office/officeart/2005/8/layout/venn3"/>
+    <dgm:cxn modelId="{1DEB1B59-6A29-4ACB-B719-11E96F9B2A06}" type="presParOf" srcId="{A8147FA6-A916-4DF2-ABE1-BF4A756E8D5B}" destId="{9B6E5E40-0F59-47F5-96EE-C693035D6EE1}" srcOrd="5" destOrd="0" presId="urn:microsoft.com/office/officeart/2005/8/layout/venn3"/>
+    <dgm:cxn modelId="{FBDF581D-B141-498A-9223-34FC4D6C8FF8}" type="presParOf" srcId="{A8147FA6-A916-4DF2-ABE1-BF4A756E8D5B}" destId="{0C7215B1-111F-4282-A4D5-53285BA1E7E1}" srcOrd="6" destOrd="0" presId="urn:microsoft.com/office/officeart/2005/8/layout/venn3"/>
   </dgm:cxnLst>
   <dgm:bg/>
   <dgm:whole/>
   <dgm:extLst>
     <a:ext uri="http://schemas.microsoft.com/office/drawing/2008/diagram">
-      <dsp:dataModelExt xmlns:dsp="http://schemas.microsoft.com/office/drawing/2008/diagram" relId="rId11" minVer="http://schemas.openxmlformats.org/drawingml/2006/diagram"/>
+      <dsp:dataModelExt xmlns:dsp="http://schemas.microsoft.com/office/drawing/2008/diagram" relId="rId6" minVer="http://schemas.openxmlformats.org/drawingml/2006/diagram"/>
     </a:ext>
   </dgm:extLst>
 </dgm:dataModel>
 </file>
 
-<file path=ppt/diagrams/data3.xml><?xml version="1.0" encoding="utf-8"?>
+<file path=ppt/diagrams/data2.xml><?xml version="1.0" encoding="utf-8"?>
 <dgm:dataModel xmlns:dgm="http://schemas.openxmlformats.org/drawingml/2006/diagram" xmlns:a="http://schemas.openxmlformats.org/drawingml/2006/main">
   <dgm:ptLst>
     <dgm:pt modelId="{C12AD68C-1DBC-4416-8AFF-15A3B13EC027}" type="doc">
@@ -3631,14 +2729,35 @@
         </dgm:presLayoutVars>
       </dgm:prSet>
       <dgm:spPr/>
+      <dgm:t>
+        <a:bodyPr/>
+        <a:lstStyle/>
+        <a:p>
+          <a:endParaRPr lang="en-US"/>
+        </a:p>
+      </dgm:t>
     </dgm:pt>
     <dgm:pt modelId="{3AD73D0B-65A4-4C6B-ADE3-16B4B731E7E4}" type="pres">
       <dgm:prSet presAssocID="{7FE9833C-B970-498A-AC93-F2A1E95CE1AA}" presName="gear1srcNode" presStyleLbl="node1" presStyleIdx="0" presStyleCnt="2"/>
       <dgm:spPr/>
+      <dgm:t>
+        <a:bodyPr/>
+        <a:lstStyle/>
+        <a:p>
+          <a:endParaRPr lang="en-US"/>
+        </a:p>
+      </dgm:t>
     </dgm:pt>
     <dgm:pt modelId="{FE60490C-1E1B-4494-A827-B11E04E53F82}" type="pres">
       <dgm:prSet presAssocID="{7FE9833C-B970-498A-AC93-F2A1E95CE1AA}" presName="gear1dstNode" presStyleLbl="node1" presStyleIdx="0" presStyleCnt="2"/>
       <dgm:spPr/>
+      <dgm:t>
+        <a:bodyPr/>
+        <a:lstStyle/>
+        <a:p>
+          <a:endParaRPr lang="en-US"/>
+        </a:p>
+      </dgm:t>
     </dgm:pt>
     <dgm:pt modelId="{1B158B27-D8D4-4649-AF96-4CFFBD907A15}" type="pres">
       <dgm:prSet presAssocID="{4493C405-279F-47D2-9360-78D2CEFE02A8}" presName="gear2" presStyleLbl="node1" presStyleIdx="1" presStyleCnt="2">
@@ -3648,56 +2767,91 @@
         </dgm:presLayoutVars>
       </dgm:prSet>
       <dgm:spPr/>
+      <dgm:t>
+        <a:bodyPr/>
+        <a:lstStyle/>
+        <a:p>
+          <a:endParaRPr lang="en-US"/>
+        </a:p>
+      </dgm:t>
     </dgm:pt>
     <dgm:pt modelId="{11ADCC0C-D55B-4EC4-883F-2E6A749EE684}" type="pres">
       <dgm:prSet presAssocID="{4493C405-279F-47D2-9360-78D2CEFE02A8}" presName="gear2srcNode" presStyleLbl="node1" presStyleIdx="1" presStyleCnt="2"/>
       <dgm:spPr/>
+      <dgm:t>
+        <a:bodyPr/>
+        <a:lstStyle/>
+        <a:p>
+          <a:endParaRPr lang="en-US"/>
+        </a:p>
+      </dgm:t>
     </dgm:pt>
     <dgm:pt modelId="{DBC9D9D7-E05E-495F-BC66-A93C2357F9E4}" type="pres">
       <dgm:prSet presAssocID="{4493C405-279F-47D2-9360-78D2CEFE02A8}" presName="gear2dstNode" presStyleLbl="node1" presStyleIdx="1" presStyleCnt="2"/>
       <dgm:spPr/>
+      <dgm:t>
+        <a:bodyPr/>
+        <a:lstStyle/>
+        <a:p>
+          <a:endParaRPr lang="en-US"/>
+        </a:p>
+      </dgm:t>
     </dgm:pt>
     <dgm:pt modelId="{C65969F0-DE5A-4B89-9981-D8676678925F}" type="pres">
       <dgm:prSet presAssocID="{9BE629C4-24A2-43EB-94EB-0DD7812F0CFA}" presName="connector1" presStyleLbl="sibTrans2D1" presStyleIdx="0" presStyleCnt="2"/>
       <dgm:spPr/>
+      <dgm:t>
+        <a:bodyPr/>
+        <a:lstStyle/>
+        <a:p>
+          <a:endParaRPr lang="en-US"/>
+        </a:p>
+      </dgm:t>
     </dgm:pt>
     <dgm:pt modelId="{6A82D2FA-3F65-4D4C-B044-480AF431EDFA}" type="pres">
       <dgm:prSet presAssocID="{3C0E1154-8FBB-40F1-8A90-F3E942A7388A}" presName="connector2" presStyleLbl="sibTrans2D1" presStyleIdx="1" presStyleCnt="2"/>
       <dgm:spPr/>
+      <dgm:t>
+        <a:bodyPr/>
+        <a:lstStyle/>
+        <a:p>
+          <a:endParaRPr lang="en-US"/>
+        </a:p>
+      </dgm:t>
     </dgm:pt>
   </dgm:ptLst>
   <dgm:cxnLst>
-    <dgm:cxn modelId="{422810B2-361E-40C2-B65B-3637C06D0504}" type="presOf" srcId="{4493C405-279F-47D2-9360-78D2CEFE02A8}" destId="{DBC9D9D7-E05E-495F-BC66-A93C2357F9E4}" srcOrd="2" destOrd="0" presId="urn:microsoft.com/office/officeart/2005/8/layout/gear1"/>
-    <dgm:cxn modelId="{9140187E-FEF5-4686-BB5F-F23D9D62B369}" type="presOf" srcId="{3C0E1154-8FBB-40F1-8A90-F3E942A7388A}" destId="{6A82D2FA-3F65-4D4C-B044-480AF431EDFA}" srcOrd="0" destOrd="0" presId="urn:microsoft.com/office/officeart/2005/8/layout/gear1"/>
-    <dgm:cxn modelId="{A7AEAEEE-29AD-40E3-8D8D-3D32FC2380AF}" type="presOf" srcId="{9BE629C4-24A2-43EB-94EB-0DD7812F0CFA}" destId="{C65969F0-DE5A-4B89-9981-D8676678925F}" srcOrd="0" destOrd="0" presId="urn:microsoft.com/office/officeart/2005/8/layout/gear1"/>
-    <dgm:cxn modelId="{8E21F9CD-8DD5-4903-8DB5-EFE72CE96BDB}" type="presOf" srcId="{7FE9833C-B970-498A-AC93-F2A1E95CE1AA}" destId="{FE60490C-1E1B-4494-A827-B11E04E53F82}" srcOrd="2" destOrd="0" presId="urn:microsoft.com/office/officeart/2005/8/layout/gear1"/>
+    <dgm:cxn modelId="{FEE2C6EB-8486-4137-9BDE-45CB67C9BC76}" srcId="{C12AD68C-1DBC-4416-8AFF-15A3B13EC027}" destId="{7FE9833C-B970-498A-AC93-F2A1E95CE1AA}" srcOrd="0" destOrd="0" parTransId="{ED1A056D-1808-400A-9DCE-658B88C13236}" sibTransId="{9BE629C4-24A2-43EB-94EB-0DD7812F0CFA}"/>
+    <dgm:cxn modelId="{B37181A5-E0D9-45E1-87C9-65888ABA978B}" type="presOf" srcId="{7FE9833C-B970-498A-AC93-F2A1E95CE1AA}" destId="{0D831612-2041-40A5-B997-8A0AC6D67B88}" srcOrd="0" destOrd="0" presId="urn:microsoft.com/office/officeart/2005/8/layout/gear1"/>
+    <dgm:cxn modelId="{56E5AAF4-141C-4D55-84FB-986D9FB63F37}" type="presOf" srcId="{4493C405-279F-47D2-9360-78D2CEFE02A8}" destId="{DBC9D9D7-E05E-495F-BC66-A93C2357F9E4}" srcOrd="2" destOrd="0" presId="urn:microsoft.com/office/officeart/2005/8/layout/gear1"/>
     <dgm:cxn modelId="{34CC25EE-809E-43DC-B792-C05F75C9FCA4}" srcId="{C12AD68C-1DBC-4416-8AFF-15A3B13EC027}" destId="{4493C405-279F-47D2-9360-78D2CEFE02A8}" srcOrd="1" destOrd="0" parTransId="{8DF0EC07-9807-4D94-9871-5270873753E6}" sibTransId="{3C0E1154-8FBB-40F1-8A90-F3E942A7388A}"/>
-    <dgm:cxn modelId="{478FC714-AEB5-4B21-A729-38314B3A7E22}" type="presOf" srcId="{4493C405-279F-47D2-9360-78D2CEFE02A8}" destId="{1B158B27-D8D4-4649-AF96-4CFFBD907A15}" srcOrd="0" destOrd="0" presId="urn:microsoft.com/office/officeart/2005/8/layout/gear1"/>
-    <dgm:cxn modelId="{2301EAEE-A654-431F-AF2A-F6D7875AF8F7}" type="presOf" srcId="{7FE9833C-B970-498A-AC93-F2A1E95CE1AA}" destId="{3AD73D0B-65A4-4C6B-ADE3-16B4B731E7E4}" srcOrd="1" destOrd="0" presId="urn:microsoft.com/office/officeart/2005/8/layout/gear1"/>
-    <dgm:cxn modelId="{E0F353D1-FC5A-45A2-88E5-68DECCB3D672}" type="presOf" srcId="{7FE9833C-B970-498A-AC93-F2A1E95CE1AA}" destId="{0D831612-2041-40A5-B997-8A0AC6D67B88}" srcOrd="0" destOrd="0" presId="urn:microsoft.com/office/officeart/2005/8/layout/gear1"/>
-    <dgm:cxn modelId="{F908DD7F-17C8-479A-A01F-7CBF76D352B5}" type="presOf" srcId="{4493C405-279F-47D2-9360-78D2CEFE02A8}" destId="{11ADCC0C-D55B-4EC4-883F-2E6A749EE684}" srcOrd="1" destOrd="0" presId="urn:microsoft.com/office/officeart/2005/8/layout/gear1"/>
-    <dgm:cxn modelId="{FEE2C6EB-8486-4137-9BDE-45CB67C9BC76}" srcId="{C12AD68C-1DBC-4416-8AFF-15A3B13EC027}" destId="{7FE9833C-B970-498A-AC93-F2A1E95CE1AA}" srcOrd="0" destOrd="0" parTransId="{ED1A056D-1808-400A-9DCE-658B88C13236}" sibTransId="{9BE629C4-24A2-43EB-94EB-0DD7812F0CFA}"/>
-    <dgm:cxn modelId="{EFE938AC-B2B4-411D-BDC5-F20D6E7C0D20}" type="presOf" srcId="{C12AD68C-1DBC-4416-8AFF-15A3B13EC027}" destId="{DED672CD-5B9A-4931-9F1F-87B6BB436C31}" srcOrd="0" destOrd="0" presId="urn:microsoft.com/office/officeart/2005/8/layout/gear1"/>
-    <dgm:cxn modelId="{AC69C600-FF59-4EB6-A8AE-00EC9D197532}" type="presParOf" srcId="{DED672CD-5B9A-4931-9F1F-87B6BB436C31}" destId="{0D831612-2041-40A5-B997-8A0AC6D67B88}" srcOrd="0" destOrd="0" presId="urn:microsoft.com/office/officeart/2005/8/layout/gear1"/>
-    <dgm:cxn modelId="{E977DA6F-A1B8-49D8-83BF-DBF86F66B6B7}" type="presParOf" srcId="{DED672CD-5B9A-4931-9F1F-87B6BB436C31}" destId="{3AD73D0B-65A4-4C6B-ADE3-16B4B731E7E4}" srcOrd="1" destOrd="0" presId="urn:microsoft.com/office/officeart/2005/8/layout/gear1"/>
-    <dgm:cxn modelId="{E1789DB0-9FF1-4BA9-B664-150F5D089B09}" type="presParOf" srcId="{DED672CD-5B9A-4931-9F1F-87B6BB436C31}" destId="{FE60490C-1E1B-4494-A827-B11E04E53F82}" srcOrd="2" destOrd="0" presId="urn:microsoft.com/office/officeart/2005/8/layout/gear1"/>
-    <dgm:cxn modelId="{4E595641-1120-4EE8-9C66-FFB71AB00E45}" type="presParOf" srcId="{DED672CD-5B9A-4931-9F1F-87B6BB436C31}" destId="{1B158B27-D8D4-4649-AF96-4CFFBD907A15}" srcOrd="3" destOrd="0" presId="urn:microsoft.com/office/officeart/2005/8/layout/gear1"/>
-    <dgm:cxn modelId="{623AFF10-304F-443D-B5AD-815B13C37515}" type="presParOf" srcId="{DED672CD-5B9A-4931-9F1F-87B6BB436C31}" destId="{11ADCC0C-D55B-4EC4-883F-2E6A749EE684}" srcOrd="4" destOrd="0" presId="urn:microsoft.com/office/officeart/2005/8/layout/gear1"/>
-    <dgm:cxn modelId="{4A41C018-46A5-4A4C-A34F-58DCBEB3E86B}" type="presParOf" srcId="{DED672CD-5B9A-4931-9F1F-87B6BB436C31}" destId="{DBC9D9D7-E05E-495F-BC66-A93C2357F9E4}" srcOrd="5" destOrd="0" presId="urn:microsoft.com/office/officeart/2005/8/layout/gear1"/>
-    <dgm:cxn modelId="{9610633A-A4B8-4009-AFFC-8DB42B139960}" type="presParOf" srcId="{DED672CD-5B9A-4931-9F1F-87B6BB436C31}" destId="{C65969F0-DE5A-4B89-9981-D8676678925F}" srcOrd="6" destOrd="0" presId="urn:microsoft.com/office/officeart/2005/8/layout/gear1"/>
-    <dgm:cxn modelId="{52479FAA-AD57-4DF8-A7A7-66B4B6ADF2DF}" type="presParOf" srcId="{DED672CD-5B9A-4931-9F1F-87B6BB436C31}" destId="{6A82D2FA-3F65-4D4C-B044-480AF431EDFA}" srcOrd="7" destOrd="0" presId="urn:microsoft.com/office/officeart/2005/8/layout/gear1"/>
+    <dgm:cxn modelId="{3B70735C-E329-4ACB-AAA1-D4E7DE165113}" type="presOf" srcId="{C12AD68C-1DBC-4416-8AFF-15A3B13EC027}" destId="{DED672CD-5B9A-4931-9F1F-87B6BB436C31}" srcOrd="0" destOrd="0" presId="urn:microsoft.com/office/officeart/2005/8/layout/gear1"/>
+    <dgm:cxn modelId="{EE35844B-99F7-4D93-A4AF-0C79F0E8B8D6}" type="presOf" srcId="{9BE629C4-24A2-43EB-94EB-0DD7812F0CFA}" destId="{C65969F0-DE5A-4B89-9981-D8676678925F}" srcOrd="0" destOrd="0" presId="urn:microsoft.com/office/officeart/2005/8/layout/gear1"/>
+    <dgm:cxn modelId="{D655A04F-58F0-4AE8-A700-550D6DCD4BFA}" type="presOf" srcId="{4493C405-279F-47D2-9360-78D2CEFE02A8}" destId="{1B158B27-D8D4-4649-AF96-4CFFBD907A15}" srcOrd="0" destOrd="0" presId="urn:microsoft.com/office/officeart/2005/8/layout/gear1"/>
+    <dgm:cxn modelId="{CEB01BA4-3097-487E-A96C-64C851C32645}" type="presOf" srcId="{3C0E1154-8FBB-40F1-8A90-F3E942A7388A}" destId="{6A82D2FA-3F65-4D4C-B044-480AF431EDFA}" srcOrd="0" destOrd="0" presId="urn:microsoft.com/office/officeart/2005/8/layout/gear1"/>
+    <dgm:cxn modelId="{2A1C0E70-CE8A-4CFE-B18A-E51ACB96B022}" type="presOf" srcId="{4493C405-279F-47D2-9360-78D2CEFE02A8}" destId="{11ADCC0C-D55B-4EC4-883F-2E6A749EE684}" srcOrd="1" destOrd="0" presId="urn:microsoft.com/office/officeart/2005/8/layout/gear1"/>
+    <dgm:cxn modelId="{75FC346D-6D49-4659-A9BC-30FE361D5C64}" type="presOf" srcId="{7FE9833C-B970-498A-AC93-F2A1E95CE1AA}" destId="{FE60490C-1E1B-4494-A827-B11E04E53F82}" srcOrd="2" destOrd="0" presId="urn:microsoft.com/office/officeart/2005/8/layout/gear1"/>
+    <dgm:cxn modelId="{C4AA5698-9BF5-41E1-9C58-9BD8F43C83D3}" type="presOf" srcId="{7FE9833C-B970-498A-AC93-F2A1E95CE1AA}" destId="{3AD73D0B-65A4-4C6B-ADE3-16B4B731E7E4}" srcOrd="1" destOrd="0" presId="urn:microsoft.com/office/officeart/2005/8/layout/gear1"/>
+    <dgm:cxn modelId="{8B41510C-BA77-4CAA-8857-CE9CCDF6F482}" type="presParOf" srcId="{DED672CD-5B9A-4931-9F1F-87B6BB436C31}" destId="{0D831612-2041-40A5-B997-8A0AC6D67B88}" srcOrd="0" destOrd="0" presId="urn:microsoft.com/office/officeart/2005/8/layout/gear1"/>
+    <dgm:cxn modelId="{E870583E-F15F-4349-B661-78CBE64549AE}" type="presParOf" srcId="{DED672CD-5B9A-4931-9F1F-87B6BB436C31}" destId="{3AD73D0B-65A4-4C6B-ADE3-16B4B731E7E4}" srcOrd="1" destOrd="0" presId="urn:microsoft.com/office/officeart/2005/8/layout/gear1"/>
+    <dgm:cxn modelId="{11AA9C9F-BB94-497D-88A8-51403475DD5C}" type="presParOf" srcId="{DED672CD-5B9A-4931-9F1F-87B6BB436C31}" destId="{FE60490C-1E1B-4494-A827-B11E04E53F82}" srcOrd="2" destOrd="0" presId="urn:microsoft.com/office/officeart/2005/8/layout/gear1"/>
+    <dgm:cxn modelId="{C3231B1B-9844-49D3-BDF8-2E5E8A9E378F}" type="presParOf" srcId="{DED672CD-5B9A-4931-9F1F-87B6BB436C31}" destId="{1B158B27-D8D4-4649-AF96-4CFFBD907A15}" srcOrd="3" destOrd="0" presId="urn:microsoft.com/office/officeart/2005/8/layout/gear1"/>
+    <dgm:cxn modelId="{70C5770C-FE78-49C5-A258-0478D63F6C72}" type="presParOf" srcId="{DED672CD-5B9A-4931-9F1F-87B6BB436C31}" destId="{11ADCC0C-D55B-4EC4-883F-2E6A749EE684}" srcOrd="4" destOrd="0" presId="urn:microsoft.com/office/officeart/2005/8/layout/gear1"/>
+    <dgm:cxn modelId="{A0E18B09-153C-454C-BC14-7428BC4CA4AB}" type="presParOf" srcId="{DED672CD-5B9A-4931-9F1F-87B6BB436C31}" destId="{DBC9D9D7-E05E-495F-BC66-A93C2357F9E4}" srcOrd="5" destOrd="0" presId="urn:microsoft.com/office/officeart/2005/8/layout/gear1"/>
+    <dgm:cxn modelId="{A5DA8549-0D41-4092-8E52-DFBE76105959}" type="presParOf" srcId="{DED672CD-5B9A-4931-9F1F-87B6BB436C31}" destId="{C65969F0-DE5A-4B89-9981-D8676678925F}" srcOrd="6" destOrd="0" presId="urn:microsoft.com/office/officeart/2005/8/layout/gear1"/>
+    <dgm:cxn modelId="{E389905C-24CA-47CD-8C27-2E573611D29B}" type="presParOf" srcId="{DED672CD-5B9A-4931-9F1F-87B6BB436C31}" destId="{6A82D2FA-3F65-4D4C-B044-480AF431EDFA}" srcOrd="7" destOrd="0" presId="urn:microsoft.com/office/officeart/2005/8/layout/gear1"/>
   </dgm:cxnLst>
   <dgm:bg/>
   <dgm:whole/>
   <dgm:extLst>
     <a:ext uri="http://schemas.microsoft.com/office/drawing/2008/diagram">
-      <dsp:dataModelExt xmlns:dsp="http://schemas.microsoft.com/office/drawing/2008/diagram" relId="rId16" minVer="http://schemas.openxmlformats.org/drawingml/2006/diagram"/>
+      <dsp:dataModelExt xmlns:dsp="http://schemas.microsoft.com/office/drawing/2008/diagram" relId="rId11" minVer="http://schemas.openxmlformats.org/drawingml/2006/diagram"/>
     </a:ext>
   </dgm:extLst>
 </dgm:dataModel>
 </file>
 
-<file path=ppt/diagrams/data4.xml><?xml version="1.0" encoding="utf-8"?>
+<file path=ppt/diagrams/data3.xml><?xml version="1.0" encoding="utf-8"?>
 <dgm:dataModel xmlns:dgm="http://schemas.openxmlformats.org/drawingml/2006/diagram" xmlns:a="http://schemas.openxmlformats.org/drawingml/2006/main">
   <dgm:ptLst>
     <dgm:pt modelId="{BD2E44CC-4801-4EC7-A8DF-F5857C1B7985}" type="doc">
@@ -3752,7 +2906,7 @@
       <dgm:spPr/>
     </dgm:pt>
     <dgm:pt modelId="{91C3EF7D-D554-45F2-B1DC-B0E0FD8EC264}" type="pres">
-      <dgm:prSet presAssocID="{144BE02D-7096-4A4B-B29C-2D29FFA11DB0}" presName="parTxOnly" presStyleLbl="node1" presStyleIdx="0" presStyleCnt="1">
+      <dgm:prSet presAssocID="{144BE02D-7096-4A4B-B29C-2D29FFA11DB0}" presName="parTxOnly" presStyleLbl="node1" presStyleIdx="0" presStyleCnt="1" custLinFactNeighborX="27451" custLinFactNeighborY="10586">
         <dgm:presLayoutVars>
           <dgm:chMax val="0"/>
           <dgm:chPref val="0"/>
@@ -3771,307 +2925,21 @@
   </dgm:ptLst>
   <dgm:cxnLst>
     <dgm:cxn modelId="{7E0D5592-A7C2-4ED6-A313-0FE7FFF2682B}" srcId="{BD2E44CC-4801-4EC7-A8DF-F5857C1B7985}" destId="{144BE02D-7096-4A4B-B29C-2D29FFA11DB0}" srcOrd="0" destOrd="0" parTransId="{9142BEE4-321B-4AB0-9417-897ED98F53A1}" sibTransId="{2A46585A-FA70-47A4-A483-4B8D038D1483}"/>
-    <dgm:cxn modelId="{9041C0D6-9043-407E-ABA4-F8F31B409496}" type="presOf" srcId="{BD2E44CC-4801-4EC7-A8DF-F5857C1B7985}" destId="{601D38E9-22FD-4FE0-9A80-044B18895BA0}" srcOrd="0" destOrd="0" presId="urn:microsoft.com/office/officeart/2005/8/layout/chevron1"/>
-    <dgm:cxn modelId="{2B1381D4-7D21-42C7-87CD-56E3B0D4CDF1}" type="presOf" srcId="{144BE02D-7096-4A4B-B29C-2D29FFA11DB0}" destId="{91C3EF7D-D554-45F2-B1DC-B0E0FD8EC264}" srcOrd="0" destOrd="0" presId="urn:microsoft.com/office/officeart/2005/8/layout/chevron1"/>
-    <dgm:cxn modelId="{0F714147-C270-4516-9C50-5A5BB1469AF8}" type="presParOf" srcId="{601D38E9-22FD-4FE0-9A80-044B18895BA0}" destId="{91C3EF7D-D554-45F2-B1DC-B0E0FD8EC264}" srcOrd="0" destOrd="0" presId="urn:microsoft.com/office/officeart/2005/8/layout/chevron1"/>
+    <dgm:cxn modelId="{C51541A2-E5F0-43DA-9679-8ABF1BA41A75}" type="presOf" srcId="{144BE02D-7096-4A4B-B29C-2D29FFA11DB0}" destId="{91C3EF7D-D554-45F2-B1DC-B0E0FD8EC264}" srcOrd="0" destOrd="0" presId="urn:microsoft.com/office/officeart/2005/8/layout/chevron1"/>
+    <dgm:cxn modelId="{97B26366-1E81-49EE-9663-7640222E478E}" type="presOf" srcId="{BD2E44CC-4801-4EC7-A8DF-F5857C1B7985}" destId="{601D38E9-22FD-4FE0-9A80-044B18895BA0}" srcOrd="0" destOrd="0" presId="urn:microsoft.com/office/officeart/2005/8/layout/chevron1"/>
+    <dgm:cxn modelId="{C9D49DC6-57FD-4DF7-B401-F20AF69365AA}" type="presParOf" srcId="{601D38E9-22FD-4FE0-9A80-044B18895BA0}" destId="{91C3EF7D-D554-45F2-B1DC-B0E0FD8EC264}" srcOrd="0" destOrd="0" presId="urn:microsoft.com/office/officeart/2005/8/layout/chevron1"/>
   </dgm:cxnLst>
   <dgm:bg/>
   <dgm:whole/>
   <dgm:extLst>
     <a:ext uri="http://schemas.microsoft.com/office/drawing/2008/diagram">
-      <dsp:dataModelExt xmlns:dsp="http://schemas.microsoft.com/office/drawing/2008/diagram" relId="rId21" minVer="http://schemas.openxmlformats.org/drawingml/2006/diagram"/>
+      <dsp:dataModelExt xmlns:dsp="http://schemas.microsoft.com/office/drawing/2008/diagram" relId="rId16" minVer="http://schemas.openxmlformats.org/drawingml/2006/diagram"/>
     </a:ext>
   </dgm:extLst>
 </dgm:dataModel>
 </file>
 
 <file path=ppt/diagrams/drawing1.xml><?xml version="1.0" encoding="utf-8"?>
-<dsp:drawing xmlns:dgm="http://schemas.openxmlformats.org/drawingml/2006/diagram" xmlns:dsp="http://schemas.microsoft.com/office/drawing/2008/diagram" xmlns:a="http://schemas.openxmlformats.org/drawingml/2006/main">
-  <dsp:spTree>
-    <dsp:nvGrpSpPr>
-      <dsp:cNvPr id="0" name=""/>
-      <dsp:cNvGrpSpPr/>
-    </dsp:nvGrpSpPr>
-    <dsp:grpSpPr/>
-    <dsp:sp modelId="{DF94ED46-85A0-4B95-A608-A783486263B6}">
-      <dsp:nvSpPr>
-        <dsp:cNvPr id="0" name=""/>
-        <dsp:cNvSpPr/>
-      </dsp:nvSpPr>
-      <dsp:spPr>
-        <a:xfrm>
-          <a:off x="498361" y="609285"/>
-          <a:ext cx="2285985" cy="601982"/>
-        </a:xfrm>
-        <a:prstGeom prst="ellipse">
-          <a:avLst/>
-        </a:prstGeom>
-        <a:solidFill>
-          <a:schemeClr val="accent1">
-            <a:tint val="50000"/>
-            <a:alpha val="40000"/>
-            <a:hueOff val="0"/>
-            <a:satOff val="0"/>
-            <a:lumOff val="0"/>
-            <a:alphaOff val="0"/>
-          </a:schemeClr>
-        </a:solidFill>
-        <a:ln>
-          <a:noFill/>
-        </a:ln>
-        <a:effectLst/>
-      </dsp:spPr>
-      <dsp:style>
-        <a:lnRef idx="0">
-          <a:scrgbClr r="0" g="0" b="0"/>
-        </a:lnRef>
-        <a:fillRef idx="1">
-          <a:scrgbClr r="0" g="0" b="0"/>
-        </a:fillRef>
-        <a:effectRef idx="0">
-          <a:scrgbClr r="0" g="0" b="0"/>
-        </a:effectRef>
-        <a:fontRef idx="minor"/>
-      </dsp:style>
-    </dsp:sp>
-    <dsp:sp modelId="{0343FF12-D40F-4011-AAF5-220780FE72FD}">
-      <dsp:nvSpPr>
-        <dsp:cNvPr id="0" name=""/>
-        <dsp:cNvSpPr/>
-      </dsp:nvSpPr>
-      <dsp:spPr>
-        <a:xfrm rot="16200000">
-          <a:off x="3009903" y="774695"/>
-          <a:ext cx="431793" cy="355600"/>
-        </a:xfrm>
-        <a:prstGeom prst="downArrow">
-          <a:avLst/>
-        </a:prstGeom>
-        <a:solidFill>
-          <a:schemeClr val="accent1">
-            <a:tint val="60000"/>
-            <a:hueOff val="0"/>
-            <a:satOff val="0"/>
-            <a:lumOff val="0"/>
-            <a:alphaOff val="0"/>
-          </a:schemeClr>
-        </a:solidFill>
-        <a:ln w="25400" cap="flat" cmpd="sng" algn="ctr">
-          <a:solidFill>
-            <a:schemeClr val="lt1">
-              <a:hueOff val="0"/>
-              <a:satOff val="0"/>
-              <a:lumOff val="0"/>
-              <a:alphaOff val="0"/>
-            </a:schemeClr>
-          </a:solidFill>
-          <a:prstDash val="solid"/>
-        </a:ln>
-        <a:effectLst/>
-      </dsp:spPr>
-      <dsp:style>
-        <a:lnRef idx="2">
-          <a:scrgbClr r="0" g="0" b="0"/>
-        </a:lnRef>
-        <a:fillRef idx="1">
-          <a:scrgbClr r="0" g="0" b="0"/>
-        </a:fillRef>
-        <a:effectRef idx="0">
-          <a:scrgbClr r="0" g="0" b="0"/>
-        </a:effectRef>
-        <a:fontRef idx="minor"/>
-      </dsp:style>
-    </dsp:sp>
-    <dsp:sp modelId="{C6F154F0-C54A-4CF4-A18A-14E903562DFB}">
-      <dsp:nvSpPr>
-        <dsp:cNvPr id="0" name=""/>
-        <dsp:cNvSpPr/>
-      </dsp:nvSpPr>
-      <dsp:spPr>
-        <a:xfrm>
-          <a:off x="3657600" y="1346197"/>
-          <a:ext cx="2438400" cy="356867"/>
-        </a:xfrm>
-        <a:prstGeom prst="rect">
-          <a:avLst/>
-        </a:prstGeom>
-        <a:noFill/>
-        <a:ln>
-          <a:noFill/>
-        </a:ln>
-        <a:effectLst/>
-      </dsp:spPr>
-      <dsp:style>
-        <a:lnRef idx="0">
-          <a:scrgbClr r="0" g="0" b="0"/>
-        </a:lnRef>
-        <a:fillRef idx="0">
-          <a:scrgbClr r="0" g="0" b="0"/>
-        </a:fillRef>
-        <a:effectRef idx="0">
-          <a:scrgbClr r="0" g="0" b="0"/>
-        </a:effectRef>
-        <a:fontRef idx="minor"/>
-      </dsp:style>
-      <dsp:txBody>
-        <a:bodyPr spcFirstLastPara="0" vert="horz" wrap="square" lIns="85344" tIns="85344" rIns="85344" bIns="85344" numCol="1" spcCol="1270" anchor="ctr" anchorCtr="0">
-          <a:noAutofit/>
-        </a:bodyPr>
-        <a:lstStyle/>
-        <a:p>
-          <a:pPr lvl="0" algn="ctr" defTabSz="533400">
-            <a:lnSpc>
-              <a:spcPct val="90000"/>
-            </a:lnSpc>
-            <a:spcBef>
-              <a:spcPct val="0"/>
-            </a:spcBef>
-            <a:spcAft>
-              <a:spcPct val="35000"/>
-            </a:spcAft>
-          </a:pPr>
-          <a:r>
-            <a:rPr lang="en-US" sz="1200" kern="1200" dirty="0" smtClean="0"/>
-            <a:t>Preprocessing of tweets</a:t>
-          </a:r>
-          <a:endParaRPr lang="en-US" sz="1200" kern="1200" dirty="0"/>
-        </a:p>
-      </dsp:txBody>
-      <dsp:txXfrm>
-        <a:off x="3657600" y="1346197"/>
-        <a:ext cx="2438400" cy="356867"/>
-      </dsp:txXfrm>
-    </dsp:sp>
-    <dsp:sp modelId="{CFC4115C-4418-47D9-9593-7B15211E9AC8}">
-      <dsp:nvSpPr>
-        <dsp:cNvPr id="0" name=""/>
-        <dsp:cNvSpPr/>
-      </dsp:nvSpPr>
-      <dsp:spPr>
-        <a:xfrm>
-          <a:off x="1331461" y="640397"/>
-          <a:ext cx="721352" cy="749302"/>
-        </a:xfrm>
-        <a:prstGeom prst="ellipse">
-          <a:avLst/>
-        </a:prstGeom>
-        <a:solidFill>
-          <a:schemeClr val="accent1">
-            <a:hueOff val="0"/>
-            <a:satOff val="0"/>
-            <a:lumOff val="0"/>
-            <a:alphaOff val="0"/>
-          </a:schemeClr>
-        </a:solidFill>
-        <a:ln w="25400" cap="flat" cmpd="sng" algn="ctr">
-          <a:solidFill>
-            <a:schemeClr val="lt1">
-              <a:hueOff val="0"/>
-              <a:satOff val="0"/>
-              <a:lumOff val="0"/>
-              <a:alphaOff val="0"/>
-            </a:schemeClr>
-          </a:solidFill>
-          <a:prstDash val="solid"/>
-        </a:ln>
-        <a:effectLst/>
-      </dsp:spPr>
-      <dsp:style>
-        <a:lnRef idx="2">
-          <a:scrgbClr r="0" g="0" b="0"/>
-        </a:lnRef>
-        <a:fillRef idx="1">
-          <a:scrgbClr r="0" g="0" b="0"/>
-        </a:fillRef>
-        <a:effectRef idx="0">
-          <a:scrgbClr r="0" g="0" b="0"/>
-        </a:effectRef>
-        <a:fontRef idx="minor">
-          <a:schemeClr val="lt1"/>
-        </a:fontRef>
-      </dsp:style>
-      <dsp:txBody>
-        <a:bodyPr spcFirstLastPara="0" vert="horz" wrap="square" lIns="11430" tIns="11430" rIns="11430" bIns="11430" numCol="1" spcCol="1270" anchor="ctr" anchorCtr="0">
-          <a:noAutofit/>
-        </a:bodyPr>
-        <a:lstStyle/>
-        <a:p>
-          <a:pPr lvl="0" algn="ctr" defTabSz="400050">
-            <a:lnSpc>
-              <a:spcPct val="90000"/>
-            </a:lnSpc>
-            <a:spcBef>
-              <a:spcPct val="0"/>
-            </a:spcBef>
-            <a:spcAft>
-              <a:spcPct val="35000"/>
-            </a:spcAft>
-          </a:pPr>
-          <a:r>
-            <a:rPr lang="en-US" sz="900" kern="1200" dirty="0" smtClean="0"/>
-            <a:t>CSV file of crawled tweets</a:t>
-          </a:r>
-          <a:endParaRPr lang="en-US" sz="900" kern="1200" dirty="0"/>
-        </a:p>
-      </dsp:txBody>
-      <dsp:txXfrm>
-        <a:off x="1437101" y="750130"/>
-        <a:ext cx="510072" cy="529836"/>
-      </dsp:txXfrm>
-    </dsp:sp>
-    <dsp:sp modelId="{B05319D2-A363-4009-9B12-FE9985C1F2CE}">
-      <dsp:nvSpPr>
-        <dsp:cNvPr id="0" name=""/>
-        <dsp:cNvSpPr/>
-      </dsp:nvSpPr>
-      <dsp:spPr>
-        <a:xfrm>
-          <a:off x="950457" y="551506"/>
-          <a:ext cx="1524030" cy="965155"/>
-        </a:xfrm>
-        <a:prstGeom prst="funnel">
-          <a:avLst/>
-        </a:prstGeom>
-        <a:solidFill>
-          <a:schemeClr val="lt1">
-            <a:alpha val="40000"/>
-            <a:hueOff val="0"/>
-            <a:satOff val="0"/>
-            <a:lumOff val="0"/>
-            <a:alphaOff val="0"/>
-          </a:schemeClr>
-        </a:solidFill>
-        <a:ln w="9525" cap="flat" cmpd="sng" algn="ctr">
-          <a:solidFill>
-            <a:schemeClr val="accent1">
-              <a:hueOff val="0"/>
-              <a:satOff val="0"/>
-              <a:lumOff val="0"/>
-              <a:alphaOff val="0"/>
-            </a:schemeClr>
-          </a:solidFill>
-          <a:prstDash val="solid"/>
-        </a:ln>
-        <a:effectLst/>
-      </dsp:spPr>
-      <dsp:style>
-        <a:lnRef idx="1">
-          <a:scrgbClr r="0" g="0" b="0"/>
-        </a:lnRef>
-        <a:fillRef idx="1">
-          <a:scrgbClr r="0" g="0" b="0"/>
-        </a:fillRef>
-        <a:effectRef idx="0">
-          <a:scrgbClr r="0" g="0" b="0"/>
-        </a:effectRef>
-        <a:fontRef idx="minor"/>
-      </dsp:style>
-    </dsp:sp>
-  </dsp:spTree>
-</dsp:drawing>
-</file>
-
-<file path=ppt/diagrams/drawing2.xml><?xml version="1.0" encoding="utf-8"?>
 <dsp:drawing xmlns:dgm="http://schemas.openxmlformats.org/drawingml/2006/diagram" xmlns:dsp="http://schemas.microsoft.com/office/drawing/2008/diagram" xmlns:a="http://schemas.openxmlformats.org/drawingml/2006/main">
   <dsp:spTree>
     <dsp:nvGrpSpPr>
@@ -4395,7 +3263,7 @@
 </dsp:drawing>
 </file>
 
-<file path=ppt/diagrams/drawing3.xml><?xml version="1.0" encoding="utf-8"?>
+<file path=ppt/diagrams/drawing2.xml><?xml version="1.0" encoding="utf-8"?>
 <dsp:drawing xmlns:dgm="http://schemas.openxmlformats.org/drawingml/2006/diagram" xmlns:dsp="http://schemas.microsoft.com/office/drawing/2008/diagram" xmlns:a="http://schemas.openxmlformats.org/drawingml/2006/main">
   <dsp:spTree>
     <dsp:nvGrpSpPr>
@@ -4657,7 +3525,7 @@
 </dsp:drawing>
 </file>
 
-<file path=ppt/diagrams/drawing4.xml><?xml version="1.0" encoding="utf-8"?>
+<file path=ppt/diagrams/drawing3.xml><?xml version="1.0" encoding="utf-8"?>
 <dsp:drawing xmlns:dgm="http://schemas.openxmlformats.org/drawingml/2006/diagram" xmlns:dsp="http://schemas.microsoft.com/office/drawing/2008/diagram" xmlns:a="http://schemas.openxmlformats.org/drawingml/2006/main">
   <dsp:spTree>
     <dsp:nvGrpSpPr>
@@ -4672,7 +3540,7 @@
       </dsp:nvSpPr>
       <dsp:spPr>
         <a:xfrm>
-          <a:off x="0" y="21347"/>
+          <a:off x="0" y="42694"/>
           <a:ext cx="1295400" cy="518160"/>
         </a:xfrm>
         <a:prstGeom prst="chevron">
@@ -4738,7 +3606,7 @@
         </a:p>
       </dsp:txBody>
       <dsp:txXfrm>
-        <a:off x="259080" y="21347"/>
+        <a:off x="259080" y="42694"/>
         <a:ext cx="777240" cy="518160"/>
       </dsp:txXfrm>
     </dsp:sp>
@@ -4747,324 +3615,6 @@
 </file>
 
 <file path=ppt/diagrams/layout1.xml><?xml version="1.0" encoding="utf-8"?>
-<dgm:layoutDef xmlns:dgm="http://schemas.openxmlformats.org/drawingml/2006/diagram" xmlns:a="http://schemas.openxmlformats.org/drawingml/2006/main" uniqueId="urn:microsoft.com/office/officeart/2005/8/layout/funnel1">
-  <dgm:title val=""/>
-  <dgm:desc val=""/>
-  <dgm:catLst>
-    <dgm:cat type="relationship" pri="2000"/>
-    <dgm:cat type="process" pri="27000"/>
-  </dgm:catLst>
-  <dgm:sampData>
-    <dgm:dataModel>
-      <dgm:ptLst>
-        <dgm:pt modelId="0" type="doc"/>
-        <dgm:pt modelId="1">
-          <dgm:prSet phldr="1"/>
-        </dgm:pt>
-        <dgm:pt modelId="2">
-          <dgm:prSet phldr="1"/>
-        </dgm:pt>
-        <dgm:pt modelId="3">
-          <dgm:prSet phldr="1"/>
-        </dgm:pt>
-        <dgm:pt modelId="4">
-          <dgm:prSet phldr="1"/>
-        </dgm:pt>
-      </dgm:ptLst>
-      <dgm:cxnLst>
-        <dgm:cxn modelId="5" srcId="0" destId="1" srcOrd="0" destOrd="0"/>
-        <dgm:cxn modelId="6" srcId="0" destId="2" srcOrd="1" destOrd="0"/>
-        <dgm:cxn modelId="7" srcId="0" destId="3" srcOrd="2" destOrd="0"/>
-        <dgm:cxn modelId="8" srcId="0" destId="4" srcOrd="3" destOrd="0"/>
-      </dgm:cxnLst>
-      <dgm:bg/>
-      <dgm:whole/>
-    </dgm:dataModel>
-  </dgm:sampData>
-  <dgm:styleData>
-    <dgm:dataModel>
-      <dgm:ptLst>
-        <dgm:pt modelId="0" type="doc"/>
-        <dgm:pt modelId="1"/>
-        <dgm:pt modelId="2"/>
-      </dgm:ptLst>
-      <dgm:cxnLst>
-        <dgm:cxn modelId="3" srcId="0" destId="1" srcOrd="0" destOrd="0"/>
-        <dgm:cxn modelId="4" srcId="0" destId="2" srcOrd="1" destOrd="0"/>
-      </dgm:cxnLst>
-      <dgm:bg/>
-      <dgm:whole/>
-    </dgm:dataModel>
-  </dgm:styleData>
-  <dgm:clrData>
-    <dgm:dataModel>
-      <dgm:ptLst>
-        <dgm:pt modelId="0" type="doc"/>
-        <dgm:pt modelId="1"/>
-        <dgm:pt modelId="2"/>
-        <dgm:pt modelId="3"/>
-        <dgm:pt modelId="4"/>
-      </dgm:ptLst>
-      <dgm:cxnLst>
-        <dgm:cxn modelId="5" srcId="0" destId="1" srcOrd="0" destOrd="0"/>
-        <dgm:cxn modelId="6" srcId="0" destId="2" srcOrd="1" destOrd="0"/>
-        <dgm:cxn modelId="7" srcId="0" destId="3" srcOrd="2" destOrd="0"/>
-        <dgm:cxn modelId="8" srcId="0" destId="4" srcOrd="3" destOrd="0"/>
-      </dgm:cxnLst>
-      <dgm:bg/>
-      <dgm:whole/>
-    </dgm:dataModel>
-  </dgm:clrData>
-  <dgm:layoutNode name="Name0">
-    <dgm:varLst>
-      <dgm:chMax val="4"/>
-      <dgm:resizeHandles val="exact"/>
-    </dgm:varLst>
-    <dgm:alg type="composite">
-      <dgm:param type="ar" val="1.25"/>
-    </dgm:alg>
-    <dgm:shape xmlns:r="http://schemas.openxmlformats.org/officeDocument/2006/relationships" r:blip="">
-      <dgm:adjLst/>
-    </dgm:shape>
-    <dgm:presOf/>
-    <dgm:choose name="Name1">
-      <dgm:if name="Name2" axis="ch" ptType="node" func="cnt" op="equ" val="2">
-        <dgm:constrLst>
-          <dgm:constr type="w" for="ch" forName="ellipse" refType="w" fact="0.645"/>
-          <dgm:constr type="h" for="ch" forName="ellipse" refType="h" fact="0.28"/>
-          <dgm:constr type="t" for="ch" forName="ellipse" refType="w" fact="0.0275"/>
-          <dgm:constr type="l" for="ch" forName="ellipse" refType="w" fact="0.0265"/>
-          <dgm:constr type="w" for="ch" forName="arrow1" refType="w" fact="0.125"/>
-          <dgm:constr type="h" for="ch" forName="arrow1" refType="h" fact="0.1"/>
-          <dgm:constr type="t" for="ch" forName="arrow1" refType="h" fact="0.72"/>
-          <dgm:constr type="l" for="ch" forName="arrow1" refType="w" fact="0.2875"/>
-          <dgm:constr type="w" for="ch" forName="rectangle" refType="w" fact="0.6"/>
-          <dgm:constr type="h" for="ch" forName="rectangle" refType="w" refFor="ch" refForName="rectangle" fact="0.25"/>
-          <dgm:constr type="t" for="ch" forName="rectangle" refType="h" fact="0.8"/>
-          <dgm:constr type="l" for="ch" forName="rectangle" refType="w" fact="0.05"/>
-          <dgm:constr type="w" for="ch" forName="item1" refType="w" fact="0.35"/>
-          <dgm:constr type="h" for="ch" forName="item1" refType="w" fact="0.35"/>
-          <dgm:constr type="t" for="ch" forName="item1" refType="h" fact="0.05"/>
-          <dgm:constr type="l" for="ch" forName="item1" refType="w" fact="0.125"/>
-          <dgm:constr type="primFontSz" for="ch" forName="item1" op="equ" val="65"/>
-          <dgm:constr type="w" for="ch" forName="funnel" refType="w" fact="0.7"/>
-          <dgm:constr type="h" for="ch" forName="funnel" refType="h" fact="0.7"/>
-          <dgm:constr type="t" for="ch" forName="funnel"/>
-          <dgm:constr type="l" for="ch" forName="funnel"/>
-        </dgm:constrLst>
-      </dgm:if>
-      <dgm:else name="Name3">
-        <dgm:constrLst>
-          <dgm:constr type="w" for="ch" forName="ellipse" refType="w" fact="0.645"/>
-          <dgm:constr type="h" for="ch" forName="ellipse" refType="h" fact="0.28"/>
-          <dgm:constr type="t" for="ch" forName="ellipse" refType="w" fact="0.0275"/>
-          <dgm:constr type="l" for="ch" forName="ellipse" refType="w" fact="0.0265"/>
-          <dgm:constr type="w" for="ch" forName="arrow1" refType="w" fact="0.125"/>
-          <dgm:constr type="h" for="ch" forName="arrow1" refType="h" fact="0.1"/>
-          <dgm:constr type="t" for="ch" forName="arrow1" refType="h" fact="0.72"/>
-          <dgm:constr type="l" for="ch" forName="arrow1" refType="w" fact="0.2875"/>
-          <dgm:constr type="w" for="ch" forName="rectangle" refType="w" fact="0.6"/>
-          <dgm:constr type="h" for="ch" forName="rectangle" refType="w" refFor="ch" refForName="rectangle" fact="0.25"/>
-          <dgm:constr type="t" for="ch" forName="rectangle" refType="h" fact="0.8"/>
-          <dgm:constr type="l" for="ch" forName="rectangle" refType="w" fact="0.05"/>
-          <dgm:constr type="primFontSz" for="ch" forName="rectangle" val="65"/>
-          <dgm:constr type="w" for="ch" forName="item1" refType="w" fact="0.225"/>
-          <dgm:constr type="h" for="ch" forName="item1" refType="w" fact="0.225"/>
-          <dgm:constr type="t" for="ch" forName="item1" refType="h" fact="0.336"/>
-          <dgm:constr type="l" for="ch" forName="item1" refType="w" fact="0.261"/>
-          <dgm:constr type="primFontSz" for="ch" forName="item1" val="65"/>
-          <dgm:constr type="w" for="ch" forName="item2" refType="w" fact="0.225"/>
-          <dgm:constr type="h" for="ch" forName="item2" refType="w" fact="0.225"/>
-          <dgm:constr type="t" for="ch" forName="item2" refType="h" fact="0.125"/>
-          <dgm:constr type="l" for="ch" forName="item2" refType="w" fact="0.1"/>
-          <dgm:constr type="primFontSz" for="ch" forName="item2" refType="primFontSz" refFor="ch" refForName="item1" op="equ"/>
-          <dgm:constr type="w" for="ch" forName="item3" refType="w" fact="0.225"/>
-          <dgm:constr type="h" for="ch" forName="item3" refType="w" fact="0.225"/>
-          <dgm:constr type="t" for="ch" forName="item3" refType="h" fact="0.057"/>
-          <dgm:constr type="l" for="ch" forName="item3" refType="w" fact="0.33"/>
-          <dgm:constr type="primFontSz" for="ch" forName="item3" refType="primFontSz" refFor="ch" refForName="item1" op="equ"/>
-          <dgm:constr type="w" for="ch" forName="funnel" refType="w" fact="0.7"/>
-          <dgm:constr type="h" for="ch" forName="funnel" refType="h" fact="0.7"/>
-          <dgm:constr type="t" for="ch" forName="funnel"/>
-          <dgm:constr type="l" for="ch" forName="funnel"/>
-        </dgm:constrLst>
-      </dgm:else>
-    </dgm:choose>
-    <dgm:ruleLst/>
-    <dgm:choose name="Name4">
-      <dgm:if name="Name5" axis="ch" ptType="node" func="cnt" op="gte" val="1">
-        <dgm:layoutNode name="ellipse" styleLbl="trBgShp">
-          <dgm:alg type="sp"/>
-          <dgm:shape xmlns:r="http://schemas.openxmlformats.org/officeDocument/2006/relationships" type="ellipse" r:blip="">
-            <dgm:adjLst/>
-          </dgm:shape>
-          <dgm:presOf/>
-          <dgm:constrLst/>
-          <dgm:ruleLst/>
-        </dgm:layoutNode>
-        <dgm:layoutNode name="arrow1" styleLbl="fgShp">
-          <dgm:alg type="sp"/>
-          <dgm:shape xmlns:r="http://schemas.openxmlformats.org/officeDocument/2006/relationships" type="downArrow" r:blip="">
-            <dgm:adjLst/>
-          </dgm:shape>
-          <dgm:presOf/>
-          <dgm:constrLst/>
-          <dgm:ruleLst/>
-        </dgm:layoutNode>
-        <dgm:layoutNode name="rectangle" styleLbl="revTx">
-          <dgm:varLst>
-            <dgm:bulletEnabled val="1"/>
-          </dgm:varLst>
-          <dgm:alg type="tx">
-            <dgm:param type="txAnchorHorzCh" val="ctr"/>
-          </dgm:alg>
-          <dgm:shape xmlns:r="http://schemas.openxmlformats.org/officeDocument/2006/relationships" type="rect" r:blip="">
-            <dgm:adjLst/>
-          </dgm:shape>
-          <dgm:choose name="Name6">
-            <dgm:if name="Name7" axis="ch" ptType="node" func="cnt" op="equ" val="1">
-              <dgm:presOf axis="ch desOrSelf" ptType="node node" st="1 1" cnt="1 0"/>
-            </dgm:if>
-            <dgm:if name="Name8" axis="ch" ptType="node" func="cnt" op="equ" val="2">
-              <dgm:presOf axis="ch desOrSelf" ptType="node node" st="2 1" cnt="1 0"/>
-            </dgm:if>
-            <dgm:if name="Name9" axis="ch" ptType="node" func="cnt" op="equ" val="3">
-              <dgm:presOf axis="ch desOrSelf" ptType="node node" st="3 1" cnt="1 0"/>
-            </dgm:if>
-            <dgm:else name="Name10">
-              <dgm:presOf axis="ch desOrSelf" ptType="node node" st="4 1" cnt="1 0"/>
-            </dgm:else>
-          </dgm:choose>
-          <dgm:constrLst/>
-          <dgm:ruleLst>
-            <dgm:rule type="primFontSz" val="5" fact="NaN" max="NaN"/>
-          </dgm:ruleLst>
-        </dgm:layoutNode>
-        <dgm:forEach name="Name11" axis="ch" ptType="node" st="2" cnt="1">
-          <dgm:layoutNode name="item1" styleLbl="node1">
-            <dgm:varLst>
-              <dgm:bulletEnabled val="1"/>
-            </dgm:varLst>
-            <dgm:alg type="tx">
-              <dgm:param type="txAnchorVertCh" val="mid"/>
-            </dgm:alg>
-            <dgm:shape xmlns:r="http://schemas.openxmlformats.org/officeDocument/2006/relationships" type="ellipse" r:blip="">
-              <dgm:adjLst/>
-            </dgm:shape>
-            <dgm:choose name="Name12">
-              <dgm:if name="Name13" axis="root ch" ptType="all node" func="cnt" op="equ" val="1">
-                <dgm:presOf/>
-              </dgm:if>
-              <dgm:if name="Name14" axis="root ch" ptType="all node" func="cnt" op="equ" val="2">
-                <dgm:presOf axis="root ch desOrSelf" ptType="all node node" st="1 1 1" cnt="0 1 0"/>
-              </dgm:if>
-              <dgm:if name="Name15" axis="root ch" ptType="all node" func="cnt" op="equ" val="3">
-                <dgm:presOf axis="root ch desOrSelf" ptType="all node node" st="1 2 1" cnt="0 1 0"/>
-              </dgm:if>
-              <dgm:else name="Name16">
-                <dgm:presOf axis="root ch desOrSelf" ptType="all node node" st="1 3 1" cnt="0 1 0"/>
-              </dgm:else>
-            </dgm:choose>
-            <dgm:constrLst>
-              <dgm:constr type="tMarg" refType="primFontSz" fact="0.1"/>
-              <dgm:constr type="bMarg" refType="primFontSz" fact="0.1"/>
-              <dgm:constr type="lMarg" refType="primFontSz" fact="0.1"/>
-              <dgm:constr type="rMarg" refType="primFontSz" fact="0.1"/>
-            </dgm:constrLst>
-            <dgm:ruleLst>
-              <dgm:rule type="primFontSz" val="5" fact="NaN" max="NaN"/>
-            </dgm:ruleLst>
-          </dgm:layoutNode>
-        </dgm:forEach>
-        <dgm:forEach name="Name17" axis="ch" ptType="node" st="3" cnt="1">
-          <dgm:layoutNode name="item2" styleLbl="node1">
-            <dgm:varLst>
-              <dgm:bulletEnabled val="1"/>
-            </dgm:varLst>
-            <dgm:alg type="tx">
-              <dgm:param type="txAnchorVertCh" val="mid"/>
-            </dgm:alg>
-            <dgm:shape xmlns:r="http://schemas.openxmlformats.org/officeDocument/2006/relationships" type="ellipse" r:blip="">
-              <dgm:adjLst/>
-            </dgm:shape>
-            <dgm:choose name="Name18">
-              <dgm:if name="Name19" axis="root ch" ptType="all node" func="cnt" op="equ" val="1">
-                <dgm:presOf/>
-              </dgm:if>
-              <dgm:if name="Name20" axis="root ch" ptType="all node" func="cnt" op="equ" val="2">
-                <dgm:presOf/>
-              </dgm:if>
-              <dgm:if name="Name21" axis="root ch" ptType="all node" func="cnt" op="equ" val="3">
-                <dgm:presOf axis="root ch desOrSelf" ptType="all node node" st="1 1 1" cnt="0 1 0"/>
-              </dgm:if>
-              <dgm:else name="Name22">
-                <dgm:presOf axis="root ch desOrSelf" ptType="all node node" st="1 2 1" cnt="0 1 0"/>
-              </dgm:else>
-            </dgm:choose>
-            <dgm:constrLst>
-              <dgm:constr type="tMarg" refType="primFontSz" fact="0.1"/>
-              <dgm:constr type="bMarg" refType="primFontSz" fact="0.1"/>
-              <dgm:constr type="lMarg" refType="primFontSz" fact="0.1"/>
-              <dgm:constr type="rMarg" refType="primFontSz" fact="0.1"/>
-            </dgm:constrLst>
-            <dgm:ruleLst>
-              <dgm:rule type="primFontSz" val="5" fact="NaN" max="NaN"/>
-            </dgm:ruleLst>
-          </dgm:layoutNode>
-        </dgm:forEach>
-        <dgm:forEach name="Name23" axis="ch" ptType="node" st="4" cnt="1">
-          <dgm:layoutNode name="item3" styleLbl="node1">
-            <dgm:varLst>
-              <dgm:bulletEnabled val="1"/>
-            </dgm:varLst>
-            <dgm:alg type="tx">
-              <dgm:param type="txAnchorVertCh" val="mid"/>
-            </dgm:alg>
-            <dgm:shape xmlns:r="http://schemas.openxmlformats.org/officeDocument/2006/relationships" type="ellipse" r:blip="">
-              <dgm:adjLst/>
-            </dgm:shape>
-            <dgm:choose name="Name24">
-              <dgm:if name="Name25" axis="root ch" ptType="all node" func="cnt" op="equ" val="1">
-                <dgm:presOf/>
-              </dgm:if>
-              <dgm:if name="Name26" axis="root ch" ptType="all node" func="cnt" op="equ" val="2">
-                <dgm:presOf/>
-              </dgm:if>
-              <dgm:if name="Name27" axis="root ch" ptType="all node" func="cnt" op="equ" val="3">
-                <dgm:presOf/>
-              </dgm:if>
-              <dgm:else name="Name28">
-                <dgm:presOf axis="root ch desOrSelf" ptType="all node node" st="1 1 1" cnt="0 1 0"/>
-              </dgm:else>
-            </dgm:choose>
-            <dgm:constrLst>
-              <dgm:constr type="tMarg" refType="primFontSz" fact="0.1"/>
-              <dgm:constr type="bMarg" refType="primFontSz" fact="0.1"/>
-              <dgm:constr type="lMarg" refType="primFontSz" fact="0.1"/>
-              <dgm:constr type="rMarg" refType="primFontSz" fact="0.1"/>
-            </dgm:constrLst>
-            <dgm:ruleLst>
-              <dgm:rule type="primFontSz" val="5" fact="NaN" max="NaN"/>
-            </dgm:ruleLst>
-          </dgm:layoutNode>
-        </dgm:forEach>
-        <dgm:layoutNode name="funnel" styleLbl="trAlignAcc1">
-          <dgm:alg type="sp"/>
-          <dgm:shape xmlns:r="http://schemas.openxmlformats.org/officeDocument/2006/relationships" type="funnel" r:blip="">
-            <dgm:adjLst/>
-          </dgm:shape>
-          <dgm:presOf/>
-          <dgm:constrLst/>
-          <dgm:ruleLst/>
-        </dgm:layoutNode>
-      </dgm:if>
-      <dgm:else name="Name29"/>
-    </dgm:choose>
-  </dgm:layoutNode>
-</dgm:layoutDef>
-</file>
-
-<file path=ppt/diagrams/layout2.xml><?xml version="1.0" encoding="utf-8"?>
 <dgm:layoutDef xmlns:dgm="http://schemas.openxmlformats.org/drawingml/2006/diagram" xmlns:a="http://schemas.openxmlformats.org/drawingml/2006/main" uniqueId="urn:microsoft.com/office/officeart/2005/8/layout/venn3">
   <dgm:title val=""/>
   <dgm:desc val=""/>
@@ -5200,7 +3750,7 @@
 </dgm:layoutDef>
 </file>
 
-<file path=ppt/diagrams/layout3.xml><?xml version="1.0" encoding="utf-8"?>
+<file path=ppt/diagrams/layout2.xml><?xml version="1.0" encoding="utf-8"?>
 <dgm:layoutDef xmlns:dgm="http://schemas.openxmlformats.org/drawingml/2006/diagram" xmlns:a="http://schemas.openxmlformats.org/drawingml/2006/main" uniqueId="urn:microsoft.com/office/officeart/2005/8/layout/gear1">
   <dgm:title val=""/>
   <dgm:desc val=""/>
@@ -5673,7 +4223,7 @@
 </dgm:layoutDef>
 </file>
 
-<file path=ppt/diagrams/layout4.xml><?xml version="1.0" encoding="utf-8"?>
+<file path=ppt/diagrams/layout3.xml><?xml version="1.0" encoding="utf-8"?>
 <dgm:layoutDef xmlns:dgm="http://schemas.openxmlformats.org/drawingml/2006/diagram" xmlns:a="http://schemas.openxmlformats.org/drawingml/2006/main" uniqueId="urn:microsoft.com/office/officeart/2005/8/layout/chevron1">
   <dgm:title val=""/>
   <dgm:desc val=""/>
@@ -8025,1040 +6575,6 @@
 </file>
 
 <file path=ppt/diagrams/quickStyle3.xml><?xml version="1.0" encoding="utf-8"?>
-<dgm:styleDef xmlns:dgm="http://schemas.openxmlformats.org/drawingml/2006/diagram" xmlns:a="http://schemas.openxmlformats.org/drawingml/2006/main" uniqueId="urn:microsoft.com/office/officeart/2005/8/quickstyle/simple1">
-  <dgm:title val=""/>
-  <dgm:desc val=""/>
-  <dgm:catLst>
-    <dgm:cat type="simple" pri="10100"/>
-  </dgm:catLst>
-  <dgm:scene3d>
-    <a:camera prst="orthographicFront"/>
-    <a:lightRig rig="threePt" dir="t"/>
-  </dgm:scene3d>
-  <dgm:styleLbl name="node0">
-    <dgm:scene3d>
-      <a:camera prst="orthographicFront"/>
-      <a:lightRig rig="threePt" dir="t"/>
-    </dgm:scene3d>
-    <dgm:sp3d/>
-    <dgm:txPr/>
-    <dgm:style>
-      <a:lnRef idx="2">
-        <a:scrgbClr r="0" g="0" b="0"/>
-      </a:lnRef>
-      <a:fillRef idx="1">
-        <a:scrgbClr r="0" g="0" b="0"/>
-      </a:fillRef>
-      <a:effectRef idx="0">
-        <a:scrgbClr r="0" g="0" b="0"/>
-      </a:effectRef>
-      <a:fontRef idx="minor">
-        <a:schemeClr val="lt1"/>
-      </a:fontRef>
-    </dgm:style>
-  </dgm:styleLbl>
-  <dgm:styleLbl name="lnNode1">
-    <dgm:scene3d>
-      <a:camera prst="orthographicFront"/>
-      <a:lightRig rig="threePt" dir="t"/>
-    </dgm:scene3d>
-    <dgm:sp3d/>
-    <dgm:txPr/>
-    <dgm:style>
-      <a:lnRef idx="2">
-        <a:scrgbClr r="0" g="0" b="0"/>
-      </a:lnRef>
-      <a:fillRef idx="1">
-        <a:scrgbClr r="0" g="0" b="0"/>
-      </a:fillRef>
-      <a:effectRef idx="0">
-        <a:scrgbClr r="0" g="0" b="0"/>
-      </a:effectRef>
-      <a:fontRef idx="minor">
-        <a:schemeClr val="lt1"/>
-      </a:fontRef>
-    </dgm:style>
-  </dgm:styleLbl>
-  <dgm:styleLbl name="vennNode1">
-    <dgm:scene3d>
-      <a:camera prst="orthographicFront"/>
-      <a:lightRig rig="threePt" dir="t"/>
-    </dgm:scene3d>
-    <dgm:sp3d/>
-    <dgm:txPr/>
-    <dgm:style>
-      <a:lnRef idx="2">
-        <a:scrgbClr r="0" g="0" b="0"/>
-      </a:lnRef>
-      <a:fillRef idx="1">
-        <a:scrgbClr r="0" g="0" b="0"/>
-      </a:fillRef>
-      <a:effectRef idx="0">
-        <a:scrgbClr r="0" g="0" b="0"/>
-      </a:effectRef>
-      <a:fontRef idx="minor">
-        <a:schemeClr val="tx1"/>
-      </a:fontRef>
-    </dgm:style>
-  </dgm:styleLbl>
-  <dgm:styleLbl name="alignNode1">
-    <dgm:scene3d>
-      <a:camera prst="orthographicFront"/>
-      <a:lightRig rig="threePt" dir="t"/>
-    </dgm:scene3d>
-    <dgm:sp3d/>
-    <dgm:txPr/>
-    <dgm:style>
-      <a:lnRef idx="2">
-        <a:scrgbClr r="0" g="0" b="0"/>
-      </a:lnRef>
-      <a:fillRef idx="1">
-        <a:scrgbClr r="0" g="0" b="0"/>
-      </a:fillRef>
-      <a:effectRef idx="0">
-        <a:scrgbClr r="0" g="0" b="0"/>
-      </a:effectRef>
-      <a:fontRef idx="minor">
-        <a:schemeClr val="lt1"/>
-      </a:fontRef>
-    </dgm:style>
-  </dgm:styleLbl>
-  <dgm:styleLbl name="node1">
-    <dgm:scene3d>
-      <a:camera prst="orthographicFront"/>
-      <a:lightRig rig="threePt" dir="t"/>
-    </dgm:scene3d>
-    <dgm:sp3d/>
-    <dgm:txPr/>
-    <dgm:style>
-      <a:lnRef idx="2">
-        <a:scrgbClr r="0" g="0" b="0"/>
-      </a:lnRef>
-      <a:fillRef idx="1">
-        <a:scrgbClr r="0" g="0" b="0"/>
-      </a:fillRef>
-      <a:effectRef idx="0">
-        <a:scrgbClr r="0" g="0" b="0"/>
-      </a:effectRef>
-      <a:fontRef idx="minor">
-        <a:schemeClr val="lt1"/>
-      </a:fontRef>
-    </dgm:style>
-  </dgm:styleLbl>
-  <dgm:styleLbl name="node2">
-    <dgm:scene3d>
-      <a:camera prst="orthographicFront"/>
-      <a:lightRig rig="threePt" dir="t"/>
-    </dgm:scene3d>
-    <dgm:sp3d/>
-    <dgm:txPr/>
-    <dgm:style>
-      <a:lnRef idx="2">
-        <a:scrgbClr r="0" g="0" b="0"/>
-      </a:lnRef>
-      <a:fillRef idx="1">
-        <a:scrgbClr r="0" g="0" b="0"/>
-      </a:fillRef>
-      <a:effectRef idx="0">
-        <a:scrgbClr r="0" g="0" b="0"/>
-      </a:effectRef>
-      <a:fontRef idx="minor">
-        <a:schemeClr val="lt1"/>
-      </a:fontRef>
-    </dgm:style>
-  </dgm:styleLbl>
-  <dgm:styleLbl name="node3">
-    <dgm:scene3d>
-      <a:camera prst="orthographicFront"/>
-      <a:lightRig rig="threePt" dir="t"/>
-    </dgm:scene3d>
-    <dgm:sp3d/>
-    <dgm:txPr/>
-    <dgm:style>
-      <a:lnRef idx="2">
-        <a:scrgbClr r="0" g="0" b="0"/>
-      </a:lnRef>
-      <a:fillRef idx="1">
-        <a:scrgbClr r="0" g="0" b="0"/>
-      </a:fillRef>
-      <a:effectRef idx="0">
-        <a:scrgbClr r="0" g="0" b="0"/>
-      </a:effectRef>
-      <a:fontRef idx="minor">
-        <a:schemeClr val="lt1"/>
-      </a:fontRef>
-    </dgm:style>
-  </dgm:styleLbl>
-  <dgm:styleLbl name="node4">
-    <dgm:scene3d>
-      <a:camera prst="orthographicFront"/>
-      <a:lightRig rig="threePt" dir="t"/>
-    </dgm:scene3d>
-    <dgm:sp3d/>
-    <dgm:txPr/>
-    <dgm:style>
-      <a:lnRef idx="2">
-        <a:scrgbClr r="0" g="0" b="0"/>
-      </a:lnRef>
-      <a:fillRef idx="1">
-        <a:scrgbClr r="0" g="0" b="0"/>
-      </a:fillRef>
-      <a:effectRef idx="0">
-        <a:scrgbClr r="0" g="0" b="0"/>
-      </a:effectRef>
-      <a:fontRef idx="minor">
-        <a:schemeClr val="lt1"/>
-      </a:fontRef>
-    </dgm:style>
-  </dgm:styleLbl>
-  <dgm:styleLbl name="fgImgPlace1">
-    <dgm:scene3d>
-      <a:camera prst="orthographicFront"/>
-      <a:lightRig rig="threePt" dir="t"/>
-    </dgm:scene3d>
-    <dgm:sp3d/>
-    <dgm:txPr/>
-    <dgm:style>
-      <a:lnRef idx="2">
-        <a:scrgbClr r="0" g="0" b="0"/>
-      </a:lnRef>
-      <a:fillRef idx="1">
-        <a:scrgbClr r="0" g="0" b="0"/>
-      </a:fillRef>
-      <a:effectRef idx="0">
-        <a:scrgbClr r="0" g="0" b="0"/>
-      </a:effectRef>
-      <a:fontRef idx="minor"/>
-    </dgm:style>
-  </dgm:styleLbl>
-  <dgm:styleLbl name="alignImgPlace1">
-    <dgm:scene3d>
-      <a:camera prst="orthographicFront"/>
-      <a:lightRig rig="threePt" dir="t"/>
-    </dgm:scene3d>
-    <dgm:sp3d/>
-    <dgm:txPr/>
-    <dgm:style>
-      <a:lnRef idx="2">
-        <a:scrgbClr r="0" g="0" b="0"/>
-      </a:lnRef>
-      <a:fillRef idx="1">
-        <a:scrgbClr r="0" g="0" b="0"/>
-      </a:fillRef>
-      <a:effectRef idx="0">
-        <a:scrgbClr r="0" g="0" b="0"/>
-      </a:effectRef>
-      <a:fontRef idx="minor"/>
-    </dgm:style>
-  </dgm:styleLbl>
-  <dgm:styleLbl name="bgImgPlace1">
-    <dgm:scene3d>
-      <a:camera prst="orthographicFront"/>
-      <a:lightRig rig="threePt" dir="t"/>
-    </dgm:scene3d>
-    <dgm:sp3d/>
-    <dgm:txPr/>
-    <dgm:style>
-      <a:lnRef idx="2">
-        <a:scrgbClr r="0" g="0" b="0"/>
-      </a:lnRef>
-      <a:fillRef idx="1">
-        <a:scrgbClr r="0" g="0" b="0"/>
-      </a:fillRef>
-      <a:effectRef idx="0">
-        <a:scrgbClr r="0" g="0" b="0"/>
-      </a:effectRef>
-      <a:fontRef idx="minor"/>
-    </dgm:style>
-  </dgm:styleLbl>
-  <dgm:styleLbl name="sibTrans2D1">
-    <dgm:scene3d>
-      <a:camera prst="orthographicFront"/>
-      <a:lightRig rig="threePt" dir="t"/>
-    </dgm:scene3d>
-    <dgm:sp3d/>
-    <dgm:txPr/>
-    <dgm:style>
-      <a:lnRef idx="0">
-        <a:scrgbClr r="0" g="0" b="0"/>
-      </a:lnRef>
-      <a:fillRef idx="1">
-        <a:scrgbClr r="0" g="0" b="0"/>
-      </a:fillRef>
-      <a:effectRef idx="0">
-        <a:scrgbClr r="0" g="0" b="0"/>
-      </a:effectRef>
-      <a:fontRef idx="minor">
-        <a:schemeClr val="lt1"/>
-      </a:fontRef>
-    </dgm:style>
-  </dgm:styleLbl>
-  <dgm:styleLbl name="fgSibTrans2D1">
-    <dgm:scene3d>
-      <a:camera prst="orthographicFront"/>
-      <a:lightRig rig="threePt" dir="t"/>
-    </dgm:scene3d>
-    <dgm:sp3d/>
-    <dgm:txPr/>
-    <dgm:style>
-      <a:lnRef idx="0">
-        <a:scrgbClr r="0" g="0" b="0"/>
-      </a:lnRef>
-      <a:fillRef idx="1">
-        <a:scrgbClr r="0" g="0" b="0"/>
-      </a:fillRef>
-      <a:effectRef idx="0">
-        <a:scrgbClr r="0" g="0" b="0"/>
-      </a:effectRef>
-      <a:fontRef idx="minor">
-        <a:schemeClr val="lt1"/>
-      </a:fontRef>
-    </dgm:style>
-  </dgm:styleLbl>
-  <dgm:styleLbl name="bgSibTrans2D1">
-    <dgm:scene3d>
-      <a:camera prst="orthographicFront"/>
-      <a:lightRig rig="threePt" dir="t"/>
-    </dgm:scene3d>
-    <dgm:sp3d/>
-    <dgm:txPr/>
-    <dgm:style>
-      <a:lnRef idx="0">
-        <a:scrgbClr r="0" g="0" b="0"/>
-      </a:lnRef>
-      <a:fillRef idx="1">
-        <a:scrgbClr r="0" g="0" b="0"/>
-      </a:fillRef>
-      <a:effectRef idx="0">
-        <a:scrgbClr r="0" g="0" b="0"/>
-      </a:effectRef>
-      <a:fontRef idx="minor">
-        <a:schemeClr val="lt1"/>
-      </a:fontRef>
-    </dgm:style>
-  </dgm:styleLbl>
-  <dgm:styleLbl name="sibTrans1D1">
-    <dgm:scene3d>
-      <a:camera prst="orthographicFront"/>
-      <a:lightRig rig="threePt" dir="t"/>
-    </dgm:scene3d>
-    <dgm:sp3d/>
-    <dgm:txPr/>
-    <dgm:style>
-      <a:lnRef idx="1">
-        <a:scrgbClr r="0" g="0" b="0"/>
-      </a:lnRef>
-      <a:fillRef idx="0">
-        <a:scrgbClr r="0" g="0" b="0"/>
-      </a:fillRef>
-      <a:effectRef idx="0">
-        <a:scrgbClr r="0" g="0" b="0"/>
-      </a:effectRef>
-      <a:fontRef idx="minor"/>
-    </dgm:style>
-  </dgm:styleLbl>
-  <dgm:styleLbl name="callout">
-    <dgm:scene3d>
-      <a:camera prst="orthographicFront"/>
-      <a:lightRig rig="threePt" dir="t"/>
-    </dgm:scene3d>
-    <dgm:sp3d/>
-    <dgm:txPr/>
-    <dgm:style>
-      <a:lnRef idx="2">
-        <a:scrgbClr r="0" g="0" b="0"/>
-      </a:lnRef>
-      <a:fillRef idx="1">
-        <a:scrgbClr r="0" g="0" b="0"/>
-      </a:fillRef>
-      <a:effectRef idx="0">
-        <a:scrgbClr r="0" g="0" b="0"/>
-      </a:effectRef>
-      <a:fontRef idx="minor"/>
-    </dgm:style>
-  </dgm:styleLbl>
-  <dgm:styleLbl name="asst0">
-    <dgm:scene3d>
-      <a:camera prst="orthographicFront"/>
-      <a:lightRig rig="threePt" dir="t"/>
-    </dgm:scene3d>
-    <dgm:sp3d/>
-    <dgm:txPr/>
-    <dgm:style>
-      <a:lnRef idx="2">
-        <a:scrgbClr r="0" g="0" b="0"/>
-      </a:lnRef>
-      <a:fillRef idx="1">
-        <a:scrgbClr r="0" g="0" b="0"/>
-      </a:fillRef>
-      <a:effectRef idx="0">
-        <a:scrgbClr r="0" g="0" b="0"/>
-      </a:effectRef>
-      <a:fontRef idx="minor">
-        <a:schemeClr val="lt1"/>
-      </a:fontRef>
-    </dgm:style>
-  </dgm:styleLbl>
-  <dgm:styleLbl name="asst1">
-    <dgm:scene3d>
-      <a:camera prst="orthographicFront"/>
-      <a:lightRig rig="threePt" dir="t"/>
-    </dgm:scene3d>
-    <dgm:sp3d/>
-    <dgm:txPr/>
-    <dgm:style>
-      <a:lnRef idx="2">
-        <a:scrgbClr r="0" g="0" b="0"/>
-      </a:lnRef>
-      <a:fillRef idx="1">
-        <a:scrgbClr r="0" g="0" b="0"/>
-      </a:fillRef>
-      <a:effectRef idx="0">
-        <a:scrgbClr r="0" g="0" b="0"/>
-      </a:effectRef>
-      <a:fontRef idx="minor">
-        <a:schemeClr val="lt1"/>
-      </a:fontRef>
-    </dgm:style>
-  </dgm:styleLbl>
-  <dgm:styleLbl name="asst2">
-    <dgm:scene3d>
-      <a:camera prst="orthographicFront"/>
-      <a:lightRig rig="threePt" dir="t"/>
-    </dgm:scene3d>
-    <dgm:sp3d/>
-    <dgm:txPr/>
-    <dgm:style>
-      <a:lnRef idx="2">
-        <a:scrgbClr r="0" g="0" b="0"/>
-      </a:lnRef>
-      <a:fillRef idx="1">
-        <a:scrgbClr r="0" g="0" b="0"/>
-      </a:fillRef>
-      <a:effectRef idx="0">
-        <a:scrgbClr r="0" g="0" b="0"/>
-      </a:effectRef>
-      <a:fontRef idx="minor">
-        <a:schemeClr val="lt1"/>
-      </a:fontRef>
-    </dgm:style>
-  </dgm:styleLbl>
-  <dgm:styleLbl name="asst3">
-    <dgm:scene3d>
-      <a:camera prst="orthographicFront"/>
-      <a:lightRig rig="threePt" dir="t"/>
-    </dgm:scene3d>
-    <dgm:sp3d/>
-    <dgm:txPr/>
-    <dgm:style>
-      <a:lnRef idx="2">
-        <a:scrgbClr r="0" g="0" b="0"/>
-      </a:lnRef>
-      <a:fillRef idx="1">
-        <a:scrgbClr r="0" g="0" b="0"/>
-      </a:fillRef>
-      <a:effectRef idx="0">
-        <a:scrgbClr r="0" g="0" b="0"/>
-      </a:effectRef>
-      <a:fontRef idx="minor">
-        <a:schemeClr val="lt1"/>
-      </a:fontRef>
-    </dgm:style>
-  </dgm:styleLbl>
-  <dgm:styleLbl name="asst4">
-    <dgm:scene3d>
-      <a:camera prst="orthographicFront"/>
-      <a:lightRig rig="threePt" dir="t"/>
-    </dgm:scene3d>
-    <dgm:sp3d/>
-    <dgm:txPr/>
-    <dgm:style>
-      <a:lnRef idx="2">
-        <a:scrgbClr r="0" g="0" b="0"/>
-      </a:lnRef>
-      <a:fillRef idx="1">
-        <a:scrgbClr r="0" g="0" b="0"/>
-      </a:fillRef>
-      <a:effectRef idx="0">
-        <a:scrgbClr r="0" g="0" b="0"/>
-      </a:effectRef>
-      <a:fontRef idx="minor">
-        <a:schemeClr val="lt1"/>
-      </a:fontRef>
-    </dgm:style>
-  </dgm:styleLbl>
-  <dgm:styleLbl name="parChTrans2D1">
-    <dgm:scene3d>
-      <a:camera prst="orthographicFront"/>
-      <a:lightRig rig="threePt" dir="t"/>
-    </dgm:scene3d>
-    <dgm:sp3d/>
-    <dgm:txPr/>
-    <dgm:style>
-      <a:lnRef idx="2">
-        <a:scrgbClr r="0" g="0" b="0"/>
-      </a:lnRef>
-      <a:fillRef idx="1">
-        <a:scrgbClr r="0" g="0" b="0"/>
-      </a:fillRef>
-      <a:effectRef idx="0">
-        <a:scrgbClr r="0" g="0" b="0"/>
-      </a:effectRef>
-      <a:fontRef idx="minor">
-        <a:schemeClr val="lt1"/>
-      </a:fontRef>
-    </dgm:style>
-  </dgm:styleLbl>
-  <dgm:styleLbl name="parChTrans2D2">
-    <dgm:scene3d>
-      <a:camera prst="orthographicFront"/>
-      <a:lightRig rig="threePt" dir="t"/>
-    </dgm:scene3d>
-    <dgm:sp3d/>
-    <dgm:txPr/>
-    <dgm:style>
-      <a:lnRef idx="2">
-        <a:scrgbClr r="0" g="0" b="0"/>
-      </a:lnRef>
-      <a:fillRef idx="1">
-        <a:scrgbClr r="0" g="0" b="0"/>
-      </a:fillRef>
-      <a:effectRef idx="0">
-        <a:scrgbClr r="0" g="0" b="0"/>
-      </a:effectRef>
-      <a:fontRef idx="minor">
-        <a:schemeClr val="lt1"/>
-      </a:fontRef>
-    </dgm:style>
-  </dgm:styleLbl>
-  <dgm:styleLbl name="parChTrans2D3">
-    <dgm:scene3d>
-      <a:camera prst="orthographicFront"/>
-      <a:lightRig rig="threePt" dir="t"/>
-    </dgm:scene3d>
-    <dgm:sp3d/>
-    <dgm:txPr/>
-    <dgm:style>
-      <a:lnRef idx="2">
-        <a:scrgbClr r="0" g="0" b="0"/>
-      </a:lnRef>
-      <a:fillRef idx="1">
-        <a:scrgbClr r="0" g="0" b="0"/>
-      </a:fillRef>
-      <a:effectRef idx="0">
-        <a:scrgbClr r="0" g="0" b="0"/>
-      </a:effectRef>
-      <a:fontRef idx="minor">
-        <a:schemeClr val="lt1"/>
-      </a:fontRef>
-    </dgm:style>
-  </dgm:styleLbl>
-  <dgm:styleLbl name="parChTrans2D4">
-    <dgm:scene3d>
-      <a:camera prst="orthographicFront"/>
-      <a:lightRig rig="threePt" dir="t"/>
-    </dgm:scene3d>
-    <dgm:sp3d/>
-    <dgm:txPr/>
-    <dgm:style>
-      <a:lnRef idx="2">
-        <a:scrgbClr r="0" g="0" b="0"/>
-      </a:lnRef>
-      <a:fillRef idx="1">
-        <a:scrgbClr r="0" g="0" b="0"/>
-      </a:fillRef>
-      <a:effectRef idx="0">
-        <a:scrgbClr r="0" g="0" b="0"/>
-      </a:effectRef>
-      <a:fontRef idx="minor">
-        <a:schemeClr val="lt1"/>
-      </a:fontRef>
-    </dgm:style>
-  </dgm:styleLbl>
-  <dgm:styleLbl name="parChTrans1D1">
-    <dgm:scene3d>
-      <a:camera prst="orthographicFront"/>
-      <a:lightRig rig="threePt" dir="t"/>
-    </dgm:scene3d>
-    <dgm:sp3d/>
-    <dgm:txPr/>
-    <dgm:style>
-      <a:lnRef idx="2">
-        <a:scrgbClr r="0" g="0" b="0"/>
-      </a:lnRef>
-      <a:fillRef idx="0">
-        <a:scrgbClr r="0" g="0" b="0"/>
-      </a:fillRef>
-      <a:effectRef idx="0">
-        <a:scrgbClr r="0" g="0" b="0"/>
-      </a:effectRef>
-      <a:fontRef idx="minor"/>
-    </dgm:style>
-  </dgm:styleLbl>
-  <dgm:styleLbl name="parChTrans1D2">
-    <dgm:scene3d>
-      <a:camera prst="orthographicFront"/>
-      <a:lightRig rig="threePt" dir="t"/>
-    </dgm:scene3d>
-    <dgm:sp3d/>
-    <dgm:txPr/>
-    <dgm:style>
-      <a:lnRef idx="2">
-        <a:scrgbClr r="0" g="0" b="0"/>
-      </a:lnRef>
-      <a:fillRef idx="0">
-        <a:scrgbClr r="0" g="0" b="0"/>
-      </a:fillRef>
-      <a:effectRef idx="0">
-        <a:scrgbClr r="0" g="0" b="0"/>
-      </a:effectRef>
-      <a:fontRef idx="minor"/>
-    </dgm:style>
-  </dgm:styleLbl>
-  <dgm:styleLbl name="parChTrans1D3">
-    <dgm:scene3d>
-      <a:camera prst="orthographicFront"/>
-      <a:lightRig rig="threePt" dir="t"/>
-    </dgm:scene3d>
-    <dgm:sp3d/>
-    <dgm:txPr/>
-    <dgm:style>
-      <a:lnRef idx="2">
-        <a:scrgbClr r="0" g="0" b="0"/>
-      </a:lnRef>
-      <a:fillRef idx="0">
-        <a:scrgbClr r="0" g="0" b="0"/>
-      </a:fillRef>
-      <a:effectRef idx="0">
-        <a:scrgbClr r="0" g="0" b="0"/>
-      </a:effectRef>
-      <a:fontRef idx="minor"/>
-    </dgm:style>
-  </dgm:styleLbl>
-  <dgm:styleLbl name="parChTrans1D4">
-    <dgm:scene3d>
-      <a:camera prst="orthographicFront"/>
-      <a:lightRig rig="threePt" dir="t"/>
-    </dgm:scene3d>
-    <dgm:sp3d/>
-    <dgm:txPr/>
-    <dgm:style>
-      <a:lnRef idx="2">
-        <a:scrgbClr r="0" g="0" b="0"/>
-      </a:lnRef>
-      <a:fillRef idx="0">
-        <a:scrgbClr r="0" g="0" b="0"/>
-      </a:fillRef>
-      <a:effectRef idx="0">
-        <a:scrgbClr r="0" g="0" b="0"/>
-      </a:effectRef>
-      <a:fontRef idx="minor"/>
-    </dgm:style>
-  </dgm:styleLbl>
-  <dgm:styleLbl name="fgAcc1">
-    <dgm:scene3d>
-      <a:camera prst="orthographicFront"/>
-      <a:lightRig rig="threePt" dir="t"/>
-    </dgm:scene3d>
-    <dgm:sp3d/>
-    <dgm:txPr/>
-    <dgm:style>
-      <a:lnRef idx="2">
-        <a:scrgbClr r="0" g="0" b="0"/>
-      </a:lnRef>
-      <a:fillRef idx="1">
-        <a:scrgbClr r="0" g="0" b="0"/>
-      </a:fillRef>
-      <a:effectRef idx="0">
-        <a:scrgbClr r="0" g="0" b="0"/>
-      </a:effectRef>
-      <a:fontRef idx="minor"/>
-    </dgm:style>
-  </dgm:styleLbl>
-  <dgm:styleLbl name="conFgAcc1">
-    <dgm:scene3d>
-      <a:camera prst="orthographicFront"/>
-      <a:lightRig rig="threePt" dir="t"/>
-    </dgm:scene3d>
-    <dgm:sp3d/>
-    <dgm:txPr/>
-    <dgm:style>
-      <a:lnRef idx="2">
-        <a:scrgbClr r="0" g="0" b="0"/>
-      </a:lnRef>
-      <a:fillRef idx="1">
-        <a:scrgbClr r="0" g="0" b="0"/>
-      </a:fillRef>
-      <a:effectRef idx="0">
-        <a:scrgbClr r="0" g="0" b="0"/>
-      </a:effectRef>
-      <a:fontRef idx="minor"/>
-    </dgm:style>
-  </dgm:styleLbl>
-  <dgm:styleLbl name="alignAcc1">
-    <dgm:scene3d>
-      <a:camera prst="orthographicFront"/>
-      <a:lightRig rig="threePt" dir="t"/>
-    </dgm:scene3d>
-    <dgm:sp3d/>
-    <dgm:txPr/>
-    <dgm:style>
-      <a:lnRef idx="2">
-        <a:scrgbClr r="0" g="0" b="0"/>
-      </a:lnRef>
-      <a:fillRef idx="1">
-        <a:scrgbClr r="0" g="0" b="0"/>
-      </a:fillRef>
-      <a:effectRef idx="0">
-        <a:scrgbClr r="0" g="0" b="0"/>
-      </a:effectRef>
-      <a:fontRef idx="minor"/>
-    </dgm:style>
-  </dgm:styleLbl>
-  <dgm:styleLbl name="trAlignAcc1">
-    <dgm:scene3d>
-      <a:camera prst="orthographicFront"/>
-      <a:lightRig rig="threePt" dir="t"/>
-    </dgm:scene3d>
-    <dgm:sp3d/>
-    <dgm:txPr/>
-    <dgm:style>
-      <a:lnRef idx="1">
-        <a:scrgbClr r="0" g="0" b="0"/>
-      </a:lnRef>
-      <a:fillRef idx="1">
-        <a:scrgbClr r="0" g="0" b="0"/>
-      </a:fillRef>
-      <a:effectRef idx="0">
-        <a:scrgbClr r="0" g="0" b="0"/>
-      </a:effectRef>
-      <a:fontRef idx="minor"/>
-    </dgm:style>
-  </dgm:styleLbl>
-  <dgm:styleLbl name="bgAcc1">
-    <dgm:scene3d>
-      <a:camera prst="orthographicFront"/>
-      <a:lightRig rig="threePt" dir="t"/>
-    </dgm:scene3d>
-    <dgm:sp3d/>
-    <dgm:txPr/>
-    <dgm:style>
-      <a:lnRef idx="2">
-        <a:scrgbClr r="0" g="0" b="0"/>
-      </a:lnRef>
-      <a:fillRef idx="1">
-        <a:scrgbClr r="0" g="0" b="0"/>
-      </a:fillRef>
-      <a:effectRef idx="0">
-        <a:scrgbClr r="0" g="0" b="0"/>
-      </a:effectRef>
-      <a:fontRef idx="minor"/>
-    </dgm:style>
-  </dgm:styleLbl>
-  <dgm:styleLbl name="solidFgAcc1">
-    <dgm:scene3d>
-      <a:camera prst="orthographicFront"/>
-      <a:lightRig rig="threePt" dir="t"/>
-    </dgm:scene3d>
-    <dgm:sp3d/>
-    <dgm:txPr/>
-    <dgm:style>
-      <a:lnRef idx="2">
-        <a:scrgbClr r="0" g="0" b="0"/>
-      </a:lnRef>
-      <a:fillRef idx="1">
-        <a:scrgbClr r="0" g="0" b="0"/>
-      </a:fillRef>
-      <a:effectRef idx="0">
-        <a:scrgbClr r="0" g="0" b="0"/>
-      </a:effectRef>
-      <a:fontRef idx="minor"/>
-    </dgm:style>
-  </dgm:styleLbl>
-  <dgm:styleLbl name="solidAlignAcc1">
-    <dgm:scene3d>
-      <a:camera prst="orthographicFront"/>
-      <a:lightRig rig="threePt" dir="t"/>
-    </dgm:scene3d>
-    <dgm:sp3d/>
-    <dgm:txPr/>
-    <dgm:style>
-      <a:lnRef idx="2">
-        <a:scrgbClr r="0" g="0" b="0"/>
-      </a:lnRef>
-      <a:fillRef idx="1">
-        <a:scrgbClr r="0" g="0" b="0"/>
-      </a:fillRef>
-      <a:effectRef idx="0">
-        <a:scrgbClr r="0" g="0" b="0"/>
-      </a:effectRef>
-      <a:fontRef idx="minor"/>
-    </dgm:style>
-  </dgm:styleLbl>
-  <dgm:styleLbl name="solidBgAcc1">
-    <dgm:scene3d>
-      <a:camera prst="orthographicFront"/>
-      <a:lightRig rig="threePt" dir="t"/>
-    </dgm:scene3d>
-    <dgm:sp3d/>
-    <dgm:txPr/>
-    <dgm:style>
-      <a:lnRef idx="2">
-        <a:scrgbClr r="0" g="0" b="0"/>
-      </a:lnRef>
-      <a:fillRef idx="1">
-        <a:scrgbClr r="0" g="0" b="0"/>
-      </a:fillRef>
-      <a:effectRef idx="0">
-        <a:scrgbClr r="0" g="0" b="0"/>
-      </a:effectRef>
-      <a:fontRef idx="minor"/>
-    </dgm:style>
-  </dgm:styleLbl>
-  <dgm:styleLbl name="fgAccFollowNode1">
-    <dgm:scene3d>
-      <a:camera prst="orthographicFront"/>
-      <a:lightRig rig="threePt" dir="t"/>
-    </dgm:scene3d>
-    <dgm:sp3d/>
-    <dgm:txPr/>
-    <dgm:style>
-      <a:lnRef idx="2">
-        <a:scrgbClr r="0" g="0" b="0"/>
-      </a:lnRef>
-      <a:fillRef idx="1">
-        <a:scrgbClr r="0" g="0" b="0"/>
-      </a:fillRef>
-      <a:effectRef idx="0">
-        <a:scrgbClr r="0" g="0" b="0"/>
-      </a:effectRef>
-      <a:fontRef idx="minor"/>
-    </dgm:style>
-  </dgm:styleLbl>
-  <dgm:styleLbl name="alignAccFollowNode1">
-    <dgm:scene3d>
-      <a:camera prst="orthographicFront"/>
-      <a:lightRig rig="threePt" dir="t"/>
-    </dgm:scene3d>
-    <dgm:sp3d/>
-    <dgm:txPr/>
-    <dgm:style>
-      <a:lnRef idx="2">
-        <a:scrgbClr r="0" g="0" b="0"/>
-      </a:lnRef>
-      <a:fillRef idx="1">
-        <a:scrgbClr r="0" g="0" b="0"/>
-      </a:fillRef>
-      <a:effectRef idx="0">
-        <a:scrgbClr r="0" g="0" b="0"/>
-      </a:effectRef>
-      <a:fontRef idx="minor"/>
-    </dgm:style>
-  </dgm:styleLbl>
-  <dgm:styleLbl name="bgAccFollowNode1">
-    <dgm:scene3d>
-      <a:camera prst="orthographicFront"/>
-      <a:lightRig rig="threePt" dir="t"/>
-    </dgm:scene3d>
-    <dgm:sp3d/>
-    <dgm:txPr/>
-    <dgm:style>
-      <a:lnRef idx="2">
-        <a:scrgbClr r="0" g="0" b="0"/>
-      </a:lnRef>
-      <a:fillRef idx="1">
-        <a:scrgbClr r="0" g="0" b="0"/>
-      </a:fillRef>
-      <a:effectRef idx="0">
-        <a:scrgbClr r="0" g="0" b="0"/>
-      </a:effectRef>
-      <a:fontRef idx="minor"/>
-    </dgm:style>
-  </dgm:styleLbl>
-  <dgm:styleLbl name="fgAcc0">
-    <dgm:scene3d>
-      <a:camera prst="orthographicFront"/>
-      <a:lightRig rig="threePt" dir="t"/>
-    </dgm:scene3d>
-    <dgm:sp3d/>
-    <dgm:txPr/>
-    <dgm:style>
-      <a:lnRef idx="2">
-        <a:scrgbClr r="0" g="0" b="0"/>
-      </a:lnRef>
-      <a:fillRef idx="1">
-        <a:scrgbClr r="0" g="0" b="0"/>
-      </a:fillRef>
-      <a:effectRef idx="0">
-        <a:scrgbClr r="0" g="0" b="0"/>
-      </a:effectRef>
-      <a:fontRef idx="minor"/>
-    </dgm:style>
-  </dgm:styleLbl>
-  <dgm:styleLbl name="fgAcc2">
-    <dgm:scene3d>
-      <a:camera prst="orthographicFront"/>
-      <a:lightRig rig="threePt" dir="t"/>
-    </dgm:scene3d>
-    <dgm:sp3d/>
-    <dgm:txPr/>
-    <dgm:style>
-      <a:lnRef idx="2">
-        <a:scrgbClr r="0" g="0" b="0"/>
-      </a:lnRef>
-      <a:fillRef idx="1">
-        <a:scrgbClr r="0" g="0" b="0"/>
-      </a:fillRef>
-      <a:effectRef idx="0">
-        <a:scrgbClr r="0" g="0" b="0"/>
-      </a:effectRef>
-      <a:fontRef idx="minor"/>
-    </dgm:style>
-  </dgm:styleLbl>
-  <dgm:styleLbl name="fgAcc3">
-    <dgm:scene3d>
-      <a:camera prst="orthographicFront"/>
-      <a:lightRig rig="threePt" dir="t"/>
-    </dgm:scene3d>
-    <dgm:sp3d/>
-    <dgm:txPr/>
-    <dgm:style>
-      <a:lnRef idx="2">
-        <a:scrgbClr r="0" g="0" b="0"/>
-      </a:lnRef>
-      <a:fillRef idx="1">
-        <a:scrgbClr r="0" g="0" b="0"/>
-      </a:fillRef>
-      <a:effectRef idx="0">
-        <a:scrgbClr r="0" g="0" b="0"/>
-      </a:effectRef>
-      <a:fontRef idx="minor"/>
-    </dgm:style>
-  </dgm:styleLbl>
-  <dgm:styleLbl name="fgAcc4">
-    <dgm:scene3d>
-      <a:camera prst="orthographicFront"/>
-      <a:lightRig rig="threePt" dir="t"/>
-    </dgm:scene3d>
-    <dgm:sp3d/>
-    <dgm:txPr/>
-    <dgm:style>
-      <a:lnRef idx="2">
-        <a:scrgbClr r="0" g="0" b="0"/>
-      </a:lnRef>
-      <a:fillRef idx="1">
-        <a:scrgbClr r="0" g="0" b="0"/>
-      </a:fillRef>
-      <a:effectRef idx="0">
-        <a:scrgbClr r="0" g="0" b="0"/>
-      </a:effectRef>
-      <a:fontRef idx="minor"/>
-    </dgm:style>
-  </dgm:styleLbl>
-  <dgm:styleLbl name="bgShp">
-    <dgm:scene3d>
-      <a:camera prst="orthographicFront"/>
-      <a:lightRig rig="threePt" dir="t"/>
-    </dgm:scene3d>
-    <dgm:sp3d/>
-    <dgm:txPr/>
-    <dgm:style>
-      <a:lnRef idx="0">
-        <a:scrgbClr r="0" g="0" b="0"/>
-      </a:lnRef>
-      <a:fillRef idx="1">
-        <a:scrgbClr r="0" g="0" b="0"/>
-      </a:fillRef>
-      <a:effectRef idx="0">
-        <a:scrgbClr r="0" g="0" b="0"/>
-      </a:effectRef>
-      <a:fontRef idx="minor"/>
-    </dgm:style>
-  </dgm:styleLbl>
-  <dgm:styleLbl name="dkBgShp">
-    <dgm:scene3d>
-      <a:camera prst="orthographicFront"/>
-      <a:lightRig rig="threePt" dir="t"/>
-    </dgm:scene3d>
-    <dgm:sp3d/>
-    <dgm:txPr/>
-    <dgm:style>
-      <a:lnRef idx="0">
-        <a:scrgbClr r="0" g="0" b="0"/>
-      </a:lnRef>
-      <a:fillRef idx="1">
-        <a:scrgbClr r="0" g="0" b="0"/>
-      </a:fillRef>
-      <a:effectRef idx="0">
-        <a:scrgbClr r="0" g="0" b="0"/>
-      </a:effectRef>
-      <a:fontRef idx="minor"/>
-    </dgm:style>
-  </dgm:styleLbl>
-  <dgm:styleLbl name="trBgShp">
-    <dgm:scene3d>
-      <a:camera prst="orthographicFront"/>
-      <a:lightRig rig="threePt" dir="t"/>
-    </dgm:scene3d>
-    <dgm:sp3d/>
-    <dgm:txPr/>
-    <dgm:style>
-      <a:lnRef idx="0">
-        <a:scrgbClr r="0" g="0" b="0"/>
-      </a:lnRef>
-      <a:fillRef idx="1">
-        <a:scrgbClr r="0" g="0" b="0"/>
-      </a:fillRef>
-      <a:effectRef idx="0">
-        <a:scrgbClr r="0" g="0" b="0"/>
-      </a:effectRef>
-      <a:fontRef idx="minor"/>
-    </dgm:style>
-  </dgm:styleLbl>
-  <dgm:styleLbl name="fgShp">
-    <dgm:scene3d>
-      <a:camera prst="orthographicFront"/>
-      <a:lightRig rig="threePt" dir="t"/>
-    </dgm:scene3d>
-    <dgm:sp3d/>
-    <dgm:txPr/>
-    <dgm:style>
-      <a:lnRef idx="2">
-        <a:scrgbClr r="0" g="0" b="0"/>
-      </a:lnRef>
-      <a:fillRef idx="1">
-        <a:scrgbClr r="0" g="0" b="0"/>
-      </a:fillRef>
-      <a:effectRef idx="0">
-        <a:scrgbClr r="0" g="0" b="0"/>
-      </a:effectRef>
-      <a:fontRef idx="minor"/>
-    </dgm:style>
-  </dgm:styleLbl>
-  <dgm:styleLbl name="revTx">
-    <dgm:scene3d>
-      <a:camera prst="orthographicFront"/>
-      <a:lightRig rig="threePt" dir="t"/>
-    </dgm:scene3d>
-    <dgm:sp3d/>
-    <dgm:txPr/>
-    <dgm:style>
-      <a:lnRef idx="0">
-        <a:scrgbClr r="0" g="0" b="0"/>
-      </a:lnRef>
-      <a:fillRef idx="0">
-        <a:scrgbClr r="0" g="0" b="0"/>
-      </a:fillRef>
-      <a:effectRef idx="0">
-        <a:scrgbClr r="0" g="0" b="0"/>
-      </a:effectRef>
-      <a:fontRef idx="minor"/>
-    </dgm:style>
-  </dgm:styleLbl>
-</dgm:styleDef>
-</file>
-
-<file path=ppt/diagrams/quickStyle4.xml><?xml version="1.0" encoding="utf-8"?>
 <dgm:styleDef xmlns:dgm="http://schemas.openxmlformats.org/drawingml/2006/diagram" xmlns:a="http://schemas.openxmlformats.org/drawingml/2006/main" uniqueId="urn:microsoft.com/office/officeart/2005/8/quickstyle/simple1">
   <dgm:title val=""/>
   <dgm:desc val=""/>
@@ -13080,6 +10596,36 @@
           <a:chExt cx="0" cy="0"/>
         </a:xfrm>
       </p:grpSpPr>
+      <p:pic>
+        <p:nvPicPr>
+          <p:cNvPr id="22" name="Picture 21"/>
+          <p:cNvPicPr>
+            <a:picLocks noChangeAspect="1"/>
+          </p:cNvPicPr>
+          <p:nvPr/>
+        </p:nvPicPr>
+        <p:blipFill>
+          <a:blip r:embed="rId2">
+            <a:extLst>
+              <a:ext uri="{28A0092B-C50C-407E-A947-70E740481C1C}">
+                <a14:useLocalDpi xmlns:a14="http://schemas.microsoft.com/office/drawing/2010/main" val="0"/>
+              </a:ext>
+            </a:extLst>
+          </a:blip>
+          <a:stretch>
+            <a:fillRect/>
+          </a:stretch>
+        </p:blipFill>
+        <p:spPr>
+          <a:xfrm>
+            <a:off x="0" y="1197864"/>
+            <a:ext cx="9144000" cy="4462272"/>
+          </a:xfrm>
+          <a:prstGeom prst="rect">
+            <a:avLst/>
+          </a:prstGeom>
+        </p:spPr>
+      </p:pic>
       <p:sp>
         <p:nvSpPr>
           <p:cNvPr id="20" name="AutoShape 2" descr="Image result for sentiment analysis word cloud"/>
@@ -13158,198 +10704,10 @@
           </a:p>
         </p:txBody>
       </p:sp>
-      <p:pic>
-        <p:nvPicPr>
-          <p:cNvPr id="22" name="Picture 21"/>
-          <p:cNvPicPr>
-            <a:picLocks noChangeAspect="1"/>
-          </p:cNvPicPr>
-          <p:nvPr/>
-        </p:nvPicPr>
-        <p:blipFill>
-          <a:blip r:embed="rId2">
-            <a:extLst>
-              <a:ext uri="{28A0092B-C50C-407E-A947-70E740481C1C}">
-                <a14:useLocalDpi xmlns:a14="http://schemas.microsoft.com/office/drawing/2010/main" val="0"/>
-              </a:ext>
-            </a:extLst>
-          </a:blip>
-          <a:stretch>
-            <a:fillRect/>
-          </a:stretch>
-        </p:blipFill>
-        <p:spPr>
-          <a:xfrm>
-            <a:off x="0" y="1197864"/>
-            <a:ext cx="9144000" cy="4462272"/>
-          </a:xfrm>
-          <a:prstGeom prst="rect">
-            <a:avLst/>
-          </a:prstGeom>
-        </p:spPr>
-      </p:pic>
     </p:spTree>
     <p:extLst>
       <p:ext uri="{BB962C8B-B14F-4D97-AF65-F5344CB8AC3E}">
         <p14:creationId xmlns:p14="http://schemas.microsoft.com/office/powerpoint/2010/main" val="1900808345"/>
-      </p:ext>
-    </p:extLst>
-  </p:cSld>
-  <p:clrMapOvr>
-    <a:masterClrMapping/>
-  </p:clrMapOvr>
-  <p:timing>
-    <p:tnLst>
-      <p:par>
-        <p:cTn id="1" dur="indefinite" restart="never" nodeType="tmRoot"/>
-      </p:par>
-    </p:tnLst>
-  </p:timing>
-</p:sld>
-</file>
-
-<file path=ppt/slides/slide10.xml><?xml version="1.0" encoding="utf-8"?>
-<p:sld xmlns:a="http://schemas.openxmlformats.org/drawingml/2006/main" xmlns:r="http://schemas.openxmlformats.org/officeDocument/2006/relationships" xmlns:p="http://schemas.openxmlformats.org/presentationml/2006/main">
-  <p:cSld>
-    <p:spTree>
-      <p:nvGrpSpPr>
-        <p:cNvPr id="1" name=""/>
-        <p:cNvGrpSpPr/>
-        <p:nvPr/>
-      </p:nvGrpSpPr>
-      <p:grpSpPr>
-        <a:xfrm>
-          <a:off x="0" y="0"/>
-          <a:ext cx="0" cy="0"/>
-          <a:chOff x="0" y="0"/>
-          <a:chExt cx="0" cy="0"/>
-        </a:xfrm>
-      </p:grpSpPr>
-      <p:sp>
-        <p:nvSpPr>
-          <p:cNvPr id="2" name="Title 1"/>
-          <p:cNvSpPr>
-            <a:spLocks noGrp="1"/>
-          </p:cNvSpPr>
-          <p:nvPr>
-            <p:ph type="title"/>
-          </p:nvPr>
-        </p:nvSpPr>
-        <p:spPr/>
-        <p:txBody>
-          <a:bodyPr/>
-          <a:lstStyle/>
-          <a:p>
-            <a:r>
-              <a:rPr lang="en-US" dirty="0" smtClean="0"/>
-              <a:t>Future Scope</a:t>
-            </a:r>
-            <a:endParaRPr lang="en-US" dirty="0"/>
-          </a:p>
-        </p:txBody>
-      </p:sp>
-      <p:sp>
-        <p:nvSpPr>
-          <p:cNvPr id="3" name="Content Placeholder 2"/>
-          <p:cNvSpPr>
-            <a:spLocks noGrp="1"/>
-          </p:cNvSpPr>
-          <p:nvPr>
-            <p:ph idx="1"/>
-          </p:nvPr>
-        </p:nvSpPr>
-        <p:spPr/>
-        <p:txBody>
-          <a:bodyPr/>
-          <a:lstStyle/>
-          <a:p>
-            <a:endParaRPr lang="en-US"/>
-          </a:p>
-        </p:txBody>
-      </p:sp>
-    </p:spTree>
-    <p:extLst>
-      <p:ext uri="{BB962C8B-B14F-4D97-AF65-F5344CB8AC3E}">
-        <p14:creationId xmlns:p14="http://schemas.microsoft.com/office/powerpoint/2010/main" val="2641419313"/>
-      </p:ext>
-    </p:extLst>
-  </p:cSld>
-  <p:clrMapOvr>
-    <a:masterClrMapping/>
-  </p:clrMapOvr>
-  <p:timing>
-    <p:tnLst>
-      <p:par>
-        <p:cTn id="1" dur="indefinite" restart="never" nodeType="tmRoot"/>
-      </p:par>
-    </p:tnLst>
-  </p:timing>
-</p:sld>
-</file>
-
-<file path=ppt/slides/slide11.xml><?xml version="1.0" encoding="utf-8"?>
-<p:sld xmlns:a="http://schemas.openxmlformats.org/drawingml/2006/main" xmlns:r="http://schemas.openxmlformats.org/officeDocument/2006/relationships" xmlns:p="http://schemas.openxmlformats.org/presentationml/2006/main">
-  <p:cSld>
-    <p:spTree>
-      <p:nvGrpSpPr>
-        <p:cNvPr id="1" name=""/>
-        <p:cNvGrpSpPr/>
-        <p:nvPr/>
-      </p:nvGrpSpPr>
-      <p:grpSpPr>
-        <a:xfrm>
-          <a:off x="0" y="0"/>
-          <a:ext cx="0" cy="0"/>
-          <a:chOff x="0" y="0"/>
-          <a:chExt cx="0" cy="0"/>
-        </a:xfrm>
-      </p:grpSpPr>
-      <p:sp>
-        <p:nvSpPr>
-          <p:cNvPr id="2" name="Title 1"/>
-          <p:cNvSpPr>
-            <a:spLocks noGrp="1"/>
-          </p:cNvSpPr>
-          <p:nvPr>
-            <p:ph type="title"/>
-          </p:nvPr>
-        </p:nvSpPr>
-        <p:spPr/>
-        <p:txBody>
-          <a:bodyPr/>
-          <a:lstStyle/>
-          <a:p>
-            <a:r>
-              <a:rPr lang="en-US" dirty="0" smtClean="0"/>
-              <a:t>References</a:t>
-            </a:r>
-            <a:endParaRPr lang="en-US" dirty="0"/>
-          </a:p>
-        </p:txBody>
-      </p:sp>
-      <p:sp>
-        <p:nvSpPr>
-          <p:cNvPr id="3" name="Content Placeholder 2"/>
-          <p:cNvSpPr>
-            <a:spLocks noGrp="1"/>
-          </p:cNvSpPr>
-          <p:nvPr>
-            <p:ph idx="1"/>
-          </p:nvPr>
-        </p:nvSpPr>
-        <p:spPr/>
-        <p:txBody>
-          <a:bodyPr/>
-          <a:lstStyle/>
-          <a:p>
-            <a:endParaRPr lang="en-US"/>
-          </a:p>
-        </p:txBody>
-      </p:sp>
-    </p:spTree>
-    <p:extLst>
-      <p:ext uri="{BB962C8B-B14F-4D97-AF65-F5344CB8AC3E}">
-        <p14:creationId xmlns:p14="http://schemas.microsoft.com/office/powerpoint/2010/main" val="1165628079"/>
       </p:ext>
     </p:extLst>
   </p:cSld>
@@ -13398,281 +10756,7 @@
           <a:bodyPr/>
           <a:lstStyle/>
           <a:p>
-            <a:r>
-              <a:rPr lang="en-US" dirty="0" smtClean="0"/>
-              <a:t>Overview</a:t>
-            </a:r>
-            <a:endParaRPr lang="en-US" dirty="0"/>
-          </a:p>
-        </p:txBody>
-      </p:sp>
-      <p:sp>
-        <p:nvSpPr>
-          <p:cNvPr id="3" name="Content Placeholder 2"/>
-          <p:cNvSpPr>
-            <a:spLocks noGrp="1"/>
-          </p:cNvSpPr>
-          <p:nvPr>
-            <p:ph idx="1"/>
-          </p:nvPr>
-        </p:nvSpPr>
-        <p:spPr/>
-        <p:txBody>
-          <a:bodyPr>
-            <a:normAutofit lnSpcReduction="10000"/>
-          </a:bodyPr>
-          <a:lstStyle/>
-          <a:p>
-            <a:r>
-              <a:rPr lang="en-US" dirty="0" smtClean="0"/>
-              <a:t>twitter.com is a popular micro blogging website</a:t>
-            </a:r>
-          </a:p>
-          <a:p>
-            <a:r>
-              <a:rPr lang="en-US" dirty="0" smtClean="0"/>
-              <a:t>Each tweet is 140 characters in length</a:t>
-            </a:r>
-          </a:p>
-          <a:p>
-            <a:r>
-              <a:rPr lang="en-US" dirty="0" smtClean="0"/>
-              <a:t>Tweets are frequently used to express a twitter’s emotion on a particular subject</a:t>
-            </a:r>
-          </a:p>
-          <a:p>
-            <a:r>
-              <a:rPr lang="en-US" dirty="0" smtClean="0"/>
-              <a:t>We aim for analyzing sentiment on Article 370</a:t>
-            </a:r>
-          </a:p>
-          <a:p>
-            <a:r>
-              <a:rPr lang="en-US" dirty="0" smtClean="0"/>
-              <a:t>The challenge is to gather all such relevant data, detect and summarize the overall sentiment. </a:t>
-            </a:r>
-          </a:p>
-          <a:p>
-            <a:endParaRPr lang="en-US" dirty="0"/>
-          </a:p>
-        </p:txBody>
-      </p:sp>
-    </p:spTree>
-    <p:extLst>
-      <p:ext uri="{BB962C8B-B14F-4D97-AF65-F5344CB8AC3E}">
-        <p14:creationId xmlns:p14="http://schemas.microsoft.com/office/powerpoint/2010/main" val="2770252991"/>
-      </p:ext>
-    </p:extLst>
-  </p:cSld>
-  <p:clrMapOvr>
-    <a:masterClrMapping/>
-  </p:clrMapOvr>
-  <p:timing>
-    <p:tnLst>
-      <p:par>
-        <p:cTn id="1" dur="indefinite" restart="never" nodeType="tmRoot"/>
-      </p:par>
-    </p:tnLst>
-  </p:timing>
-</p:sld>
-</file>
-
-<file path=ppt/slides/slide3.xml><?xml version="1.0" encoding="utf-8"?>
-<p:sld xmlns:a="http://schemas.openxmlformats.org/drawingml/2006/main" xmlns:r="http://schemas.openxmlformats.org/officeDocument/2006/relationships" xmlns:p="http://schemas.openxmlformats.org/presentationml/2006/main">
-  <p:cSld>
-    <p:spTree>
-      <p:nvGrpSpPr>
-        <p:cNvPr id="1" name=""/>
-        <p:cNvGrpSpPr/>
-        <p:nvPr/>
-      </p:nvGrpSpPr>
-      <p:grpSpPr>
-        <a:xfrm>
-          <a:off x="0" y="0"/>
-          <a:ext cx="0" cy="0"/>
-          <a:chOff x="0" y="0"/>
-          <a:chExt cx="0" cy="0"/>
-        </a:xfrm>
-      </p:grpSpPr>
-      <p:sp>
-        <p:nvSpPr>
-          <p:cNvPr id="2" name="Title 1"/>
-          <p:cNvSpPr>
-            <a:spLocks noGrp="1"/>
-          </p:cNvSpPr>
-          <p:nvPr>
-            <p:ph type="title"/>
-          </p:nvPr>
-        </p:nvSpPr>
-        <p:spPr/>
-        <p:txBody>
-          <a:bodyPr/>
-          <a:lstStyle/>
-          <a:p>
-            <a:r>
-              <a:rPr lang="en-US" dirty="0" smtClean="0"/>
-              <a:t>Problem Statement</a:t>
-            </a:r>
-            <a:endParaRPr lang="en-US" dirty="0"/>
-          </a:p>
-        </p:txBody>
-      </p:sp>
-      <p:sp>
-        <p:nvSpPr>
-          <p:cNvPr id="3" name="Content Placeholder 2"/>
-          <p:cNvSpPr>
-            <a:spLocks noGrp="1"/>
-          </p:cNvSpPr>
-          <p:nvPr>
-            <p:ph idx="1"/>
-          </p:nvPr>
-        </p:nvSpPr>
-        <p:spPr/>
-        <p:txBody>
-          <a:bodyPr/>
-          <a:lstStyle/>
-          <a:p>
-            <a:endParaRPr lang="en-US" dirty="0"/>
-          </a:p>
-        </p:txBody>
-      </p:sp>
-    </p:spTree>
-    <p:extLst>
-      <p:ext uri="{BB962C8B-B14F-4D97-AF65-F5344CB8AC3E}">
-        <p14:creationId xmlns:p14="http://schemas.microsoft.com/office/powerpoint/2010/main" val="222650624"/>
-      </p:ext>
-    </p:extLst>
-  </p:cSld>
-  <p:clrMapOvr>
-    <a:masterClrMapping/>
-  </p:clrMapOvr>
-  <p:timing>
-    <p:tnLst>
-      <p:par>
-        <p:cTn id="1" dur="indefinite" restart="never" nodeType="tmRoot"/>
-      </p:par>
-    </p:tnLst>
-  </p:timing>
-</p:sld>
-</file>
-
-<file path=ppt/slides/slide4.xml><?xml version="1.0" encoding="utf-8"?>
-<p:sld xmlns:a="http://schemas.openxmlformats.org/drawingml/2006/main" xmlns:r="http://schemas.openxmlformats.org/officeDocument/2006/relationships" xmlns:p="http://schemas.openxmlformats.org/presentationml/2006/main">
-  <p:cSld>
-    <p:spTree>
-      <p:nvGrpSpPr>
-        <p:cNvPr id="1" name=""/>
-        <p:cNvGrpSpPr/>
-        <p:nvPr/>
-      </p:nvGrpSpPr>
-      <p:grpSpPr>
-        <a:xfrm>
-          <a:off x="0" y="0"/>
-          <a:ext cx="0" cy="0"/>
-          <a:chOff x="0" y="0"/>
-          <a:chExt cx="0" cy="0"/>
-        </a:xfrm>
-      </p:grpSpPr>
-      <p:sp>
-        <p:nvSpPr>
-          <p:cNvPr id="2" name="Title 1"/>
-          <p:cNvSpPr>
-            <a:spLocks noGrp="1"/>
-          </p:cNvSpPr>
-          <p:nvPr>
-            <p:ph type="title"/>
-          </p:nvPr>
-        </p:nvSpPr>
-        <p:spPr/>
-        <p:txBody>
-          <a:bodyPr/>
-          <a:lstStyle/>
-          <a:p>
-            <a:r>
-              <a:rPr lang="en-US" dirty="0" smtClean="0"/>
-              <a:t>What is Sentiment Analysis?</a:t>
-            </a:r>
-            <a:endParaRPr lang="en-US" dirty="0"/>
-          </a:p>
-        </p:txBody>
-      </p:sp>
-      <p:sp>
-        <p:nvSpPr>
-          <p:cNvPr id="3" name="Content Placeholder 2"/>
-          <p:cNvSpPr>
-            <a:spLocks noGrp="1"/>
-          </p:cNvSpPr>
-          <p:nvPr>
-            <p:ph idx="1"/>
-          </p:nvPr>
-        </p:nvSpPr>
-        <p:spPr/>
-        <p:txBody>
-          <a:bodyPr/>
-          <a:lstStyle/>
-          <a:p>
-            <a:endParaRPr lang="en-US" dirty="0"/>
-          </a:p>
-        </p:txBody>
-      </p:sp>
-    </p:spTree>
-    <p:extLst>
-      <p:ext uri="{BB962C8B-B14F-4D97-AF65-F5344CB8AC3E}">
-        <p14:creationId xmlns:p14="http://schemas.microsoft.com/office/powerpoint/2010/main" val="2255307495"/>
-      </p:ext>
-    </p:extLst>
-  </p:cSld>
-  <p:clrMapOvr>
-    <a:masterClrMapping/>
-  </p:clrMapOvr>
-  <p:timing>
-    <p:tnLst>
-      <p:par>
-        <p:cTn id="1" dur="indefinite" restart="never" nodeType="tmRoot"/>
-      </p:par>
-    </p:tnLst>
-  </p:timing>
-</p:sld>
-</file>
-
-<file path=ppt/slides/slide5.xml><?xml version="1.0" encoding="utf-8"?>
-<p:sld xmlns:a="http://schemas.openxmlformats.org/drawingml/2006/main" xmlns:r="http://schemas.openxmlformats.org/officeDocument/2006/relationships" xmlns:p="http://schemas.openxmlformats.org/presentationml/2006/main">
-  <p:cSld>
-    <p:spTree>
-      <p:nvGrpSpPr>
-        <p:cNvPr id="1" name=""/>
-        <p:cNvGrpSpPr/>
-        <p:nvPr/>
-      </p:nvGrpSpPr>
-      <p:grpSpPr>
-        <a:xfrm>
-          <a:off x="0" y="0"/>
-          <a:ext cx="0" cy="0"/>
-          <a:chOff x="0" y="0"/>
-          <a:chExt cx="0" cy="0"/>
-        </a:xfrm>
-      </p:grpSpPr>
-      <p:sp>
-        <p:nvSpPr>
-          <p:cNvPr id="2" name="Title 1"/>
-          <p:cNvSpPr>
-            <a:spLocks noGrp="1"/>
-          </p:cNvSpPr>
-          <p:nvPr>
-            <p:ph type="title"/>
-          </p:nvPr>
-        </p:nvSpPr>
-        <p:spPr/>
-        <p:txBody>
-          <a:bodyPr/>
-          <a:lstStyle/>
-          <a:p>
-            <a:pPr algn="l"/>
-            <a:r>
-              <a:rPr lang="en-US" dirty="0" smtClean="0"/>
-              <a:t>Strategy</a:t>
-            </a:r>
-            <a:endParaRPr lang="en-US" dirty="0"/>
+            <a:endParaRPr lang="en-US"/>
           </a:p>
         </p:txBody>
       </p:sp>
@@ -13753,47 +10837,6 @@
           </a:p>
         </p:txBody>
       </p:sp>
-      <p:pic>
-        <p:nvPicPr>
-          <p:cNvPr id="1028" name="Picture 4" descr="Image result for twitter sentiment analysis"/>
-          <p:cNvPicPr>
-            <a:picLocks noChangeAspect="1" noChangeArrowheads="1"/>
-          </p:cNvPicPr>
-          <p:nvPr/>
-        </p:nvPicPr>
-        <p:blipFill>
-          <a:blip r:embed="rId2">
-            <a:extLst>
-              <a:ext uri="{28A0092B-C50C-407E-A947-70E740481C1C}">
-                <a14:useLocalDpi xmlns:a14="http://schemas.microsoft.com/office/drawing/2010/main" val="0"/>
-              </a:ext>
-            </a:extLst>
-          </a:blip>
-          <a:srcRect/>
-          <a:stretch>
-            <a:fillRect/>
-          </a:stretch>
-        </p:blipFill>
-        <p:spPr bwMode="auto">
-          <a:xfrm>
-            <a:off x="3124200" y="160338"/>
-            <a:ext cx="5686425" cy="6486525"/>
-          </a:xfrm>
-          <a:prstGeom prst="rect">
-            <a:avLst/>
-          </a:prstGeom>
-          <a:noFill/>
-          <a:extLst>
-            <a:ext uri="{909E8E84-426E-40DD-AFC4-6F175D3DCCD1}">
-              <a14:hiddenFill xmlns:a14="http://schemas.microsoft.com/office/drawing/2010/main">
-                <a:solidFill>
-                  <a:srgbClr val="FFFFFF"/>
-                </a:solidFill>
-              </a14:hiddenFill>
-            </a:ext>
-          </a:extLst>
-        </p:spPr>
-      </p:pic>
     </p:spTree>
     <p:extLst>
       <p:ext uri="{BB962C8B-B14F-4D97-AF65-F5344CB8AC3E}">
@@ -13814,7 +10857,7 @@
 </p:sld>
 </file>
 
-<file path=ppt/slides/slide6.xml><?xml version="1.0" encoding="utf-8"?>
+<file path=ppt/slides/slide3.xml><?xml version="1.0" encoding="utf-8"?>
 <p:sld xmlns:a="http://schemas.openxmlformats.org/drawingml/2006/main" xmlns:r="http://schemas.openxmlformats.org/officeDocument/2006/relationships" xmlns:p="http://schemas.openxmlformats.org/presentationml/2006/main">
   <p:cSld>
     <p:spTree>
@@ -13833,214 +10876,66 @@
       </p:grpSpPr>
       <p:sp>
         <p:nvSpPr>
-          <p:cNvPr id="2" name="Title 1"/>
-          <p:cNvSpPr>
-            <a:spLocks noGrp="1"/>
-          </p:cNvSpPr>
-          <p:nvPr>
-            <p:ph type="title"/>
-          </p:nvPr>
+          <p:cNvPr id="23" name="Oval 22"/>
+          <p:cNvSpPr/>
+          <p:nvPr/>
         </p:nvSpPr>
-        <p:spPr/>
-        <p:txBody>
-          <a:bodyPr/>
-          <a:lstStyle/>
-          <a:p>
-            <a:r>
-              <a:rPr lang="en-US" dirty="0" smtClean="0"/>
-              <a:t>Actions(Target Challenges)</a:t>
-            </a:r>
-            <a:endParaRPr lang="en-US" dirty="0"/>
-          </a:p>
-        </p:txBody>
-      </p:sp>
-      <p:sp>
-        <p:nvSpPr>
-          <p:cNvPr id="3" name="Content Placeholder 2"/>
-          <p:cNvSpPr>
-            <a:spLocks noGrp="1"/>
-          </p:cNvSpPr>
-          <p:nvPr>
-            <p:ph idx="1"/>
-          </p:nvPr>
-        </p:nvSpPr>
-        <p:spPr/>
-        <p:txBody>
-          <a:bodyPr>
-            <a:normAutofit fontScale="85000" lnSpcReduction="20000"/>
-          </a:bodyPr>
-          <a:lstStyle/>
-          <a:p>
-            <a:r>
-              <a:rPr lang="en-US" dirty="0" smtClean="0"/>
-              <a:t>Usernames are mentioned more often than not: Usually they consist of some alphabets and numbers, and do not contribute much towards sentiment classification, except for increasing the size of the feature vector. </a:t>
-            </a:r>
-          </a:p>
-          <a:p>
-            <a:r>
-              <a:rPr lang="en-US" dirty="0" smtClean="0"/>
-              <a:t>URLs are not required in our task. </a:t>
-            </a:r>
-            <a:endParaRPr lang="en-US" dirty="0"/>
-          </a:p>
-          <a:p>
-            <a:r>
-              <a:rPr lang="en-US" dirty="0" smtClean="0"/>
-              <a:t>Repeated letters: People often repeat letters in some words, in order to stress upon a particular emotion. For example:- sad, </a:t>
-            </a:r>
-            <a:r>
-              <a:rPr lang="en-US" dirty="0" err="1" smtClean="0"/>
-              <a:t>saaaad</a:t>
-            </a:r>
-            <a:r>
-              <a:rPr lang="en-US" dirty="0" smtClean="0"/>
-              <a:t>, </a:t>
-            </a:r>
-            <a:r>
-              <a:rPr lang="en-US" dirty="0" err="1" smtClean="0"/>
-              <a:t>saaaddd</a:t>
-            </a:r>
-            <a:r>
-              <a:rPr lang="en-US" dirty="0" smtClean="0"/>
-              <a:t>. </a:t>
-            </a:r>
-          </a:p>
-          <a:p>
-            <a:r>
-              <a:rPr lang="en-US" dirty="0" err="1" smtClean="0"/>
-              <a:t>Hashtags</a:t>
-            </a:r>
-            <a:r>
-              <a:rPr lang="en-US" dirty="0" smtClean="0"/>
-              <a:t> Words in </a:t>
-            </a:r>
-            <a:r>
-              <a:rPr lang="en-US" dirty="0" err="1" smtClean="0"/>
-              <a:t>hashtags</a:t>
-            </a:r>
-            <a:r>
-              <a:rPr lang="en-US" dirty="0" smtClean="0"/>
-              <a:t> may be read different from the same word without the hash tag </a:t>
-            </a:r>
-          </a:p>
-          <a:p>
-            <a:r>
-              <a:rPr lang="en-US" dirty="0" smtClean="0"/>
-              <a:t>Punctuations and additional spaces.</a:t>
-            </a:r>
-            <a:endParaRPr lang="en-US" dirty="0"/>
-          </a:p>
-        </p:txBody>
-      </p:sp>
-    </p:spTree>
-    <p:extLst>
-      <p:ext uri="{BB962C8B-B14F-4D97-AF65-F5344CB8AC3E}">
-        <p14:creationId xmlns:p14="http://schemas.microsoft.com/office/powerpoint/2010/main" val="1145631214"/>
-      </p:ext>
-    </p:extLst>
-  </p:cSld>
-  <p:clrMapOvr>
-    <a:masterClrMapping/>
-  </p:clrMapOvr>
-  <p:timing>
-    <p:tnLst>
-      <p:par>
-        <p:cTn id="1" dur="indefinite" restart="never" nodeType="tmRoot"/>
-      </p:par>
-    </p:tnLst>
-  </p:timing>
-</p:sld>
-</file>
-
-<file path=ppt/slides/slide7.xml><?xml version="1.0" encoding="utf-8"?>
-<p:sld xmlns:a="http://schemas.openxmlformats.org/drawingml/2006/main" xmlns:r="http://schemas.openxmlformats.org/officeDocument/2006/relationships" xmlns:p="http://schemas.openxmlformats.org/presentationml/2006/main">
-  <p:cSld>
-    <p:spTree>
-      <p:nvGrpSpPr>
-        <p:cNvPr id="1" name=""/>
-        <p:cNvGrpSpPr/>
-        <p:nvPr/>
-      </p:nvGrpSpPr>
-      <p:grpSpPr>
-        <a:xfrm>
-          <a:off x="0" y="0"/>
-          <a:ext cx="0" cy="0"/>
-          <a:chOff x="0" y="0"/>
-          <a:chExt cx="0" cy="0"/>
-        </a:xfrm>
-      </p:grpSpPr>
-      <p:sp>
-        <p:nvSpPr>
-          <p:cNvPr id="2" name="Title 1"/>
-          <p:cNvSpPr>
-            <a:spLocks noGrp="1"/>
-          </p:cNvSpPr>
-          <p:nvPr>
-            <p:ph type="title"/>
-          </p:nvPr>
-        </p:nvSpPr>
-        <p:spPr/>
-        <p:txBody>
-          <a:bodyPr/>
-          <a:lstStyle/>
-          <a:p>
-            <a:r>
-              <a:rPr lang="en-US" dirty="0" smtClean="0"/>
-              <a:t>Operational Workflow</a:t>
-            </a:r>
-            <a:endParaRPr lang="en-US" dirty="0"/>
-          </a:p>
-        </p:txBody>
-      </p:sp>
-      <p:sp>
-        <p:nvSpPr>
-          <p:cNvPr id="3" name="Content Placeholder 2"/>
-          <p:cNvSpPr>
-            <a:spLocks noGrp="1"/>
-          </p:cNvSpPr>
-          <p:nvPr>
-            <p:ph idx="1"/>
-          </p:nvPr>
-        </p:nvSpPr>
-        <p:spPr/>
-        <p:txBody>
-          <a:bodyPr/>
-          <a:lstStyle/>
-          <a:p>
-            <a:endParaRPr lang="en-US" dirty="0"/>
-          </a:p>
-        </p:txBody>
+        <p:spPr>
+          <a:xfrm>
+            <a:off x="2006605" y="2079880"/>
+            <a:ext cx="2285985" cy="601982"/>
+          </a:xfrm>
+          <a:prstGeom prst="ellipse">
+            <a:avLst/>
+          </a:prstGeom>
+        </p:spPr>
+        <p:style>
+          <a:lnRef idx="0">
+            <a:schemeClr val="accent1">
+              <a:hueOff val="0"/>
+              <a:satOff val="0"/>
+              <a:lumOff val="0"/>
+              <a:alphaOff val="0"/>
+            </a:schemeClr>
+          </a:lnRef>
+          <a:fillRef idx="1">
+            <a:schemeClr val="accent1">
+              <a:tint val="50000"/>
+              <a:alpha val="40000"/>
+              <a:hueOff val="0"/>
+              <a:satOff val="0"/>
+              <a:lumOff val="0"/>
+              <a:alphaOff val="0"/>
+            </a:schemeClr>
+          </a:fillRef>
+          <a:effectRef idx="0">
+            <a:schemeClr val="accent1">
+              <a:tint val="50000"/>
+              <a:alpha val="40000"/>
+              <a:hueOff val="0"/>
+              <a:satOff val="0"/>
+              <a:lumOff val="0"/>
+              <a:alphaOff val="0"/>
+            </a:schemeClr>
+          </a:effectRef>
+          <a:fontRef idx="minor">
+            <a:schemeClr val="lt1">
+              <a:hueOff val="0"/>
+              <a:satOff val="0"/>
+              <a:lumOff val="0"/>
+              <a:alphaOff val="0"/>
+            </a:schemeClr>
+          </a:fontRef>
+        </p:style>
       </p:sp>
       <p:graphicFrame>
         <p:nvGraphicFramePr>
-          <p:cNvPr id="4" name="Diagram 3"/>
+          <p:cNvPr id="3" name="Diagram 2"/>
           <p:cNvGraphicFramePr/>
           <p:nvPr>
             <p:extLst>
               <p:ext uri="{D42A27DB-BD31-4B8C-83A1-F6EECF244321}">
-                <p14:modId xmlns:p14="http://schemas.microsoft.com/office/powerpoint/2010/main" val="3992400544"/>
-              </p:ext>
-            </p:extLst>
-          </p:nvPr>
-        </p:nvGraphicFramePr>
-        <p:xfrm>
-          <a:off x="1524000" y="1397000"/>
-          <a:ext cx="6096000" cy="4064000"/>
-        </p:xfrm>
-        <a:graphic>
-          <a:graphicData uri="http://schemas.openxmlformats.org/drawingml/2006/diagram">
-            <dgm:relIds xmlns:dgm="http://schemas.openxmlformats.org/drawingml/2006/diagram" xmlns:r="http://schemas.openxmlformats.org/officeDocument/2006/relationships" r:dm="rId2" r:lo="rId3" r:qs="rId4" r:cs="rId5"/>
-          </a:graphicData>
-        </a:graphic>
-      </p:graphicFrame>
-      <p:graphicFrame>
-        <p:nvGraphicFramePr>
-          <p:cNvPr id="5" name="Diagram 4"/>
-          <p:cNvGraphicFramePr/>
-          <p:nvPr>
-            <p:extLst>
-              <p:ext uri="{D42A27DB-BD31-4B8C-83A1-F6EECF244321}">
-                <p14:modId xmlns:p14="http://schemas.microsoft.com/office/powerpoint/2010/main" val="3530432188"/>
+                <p14:modId xmlns:p14="http://schemas.microsoft.com/office/powerpoint/2010/main" val="1812557805"/>
               </p:ext>
             </p:extLst>
           </p:nvPr>
@@ -14051,13 +10946,13 @@
         </p:xfrm>
         <a:graphic>
           <a:graphicData uri="http://schemas.openxmlformats.org/drawingml/2006/diagram">
-            <dgm:relIds xmlns:dgm="http://schemas.openxmlformats.org/drawingml/2006/diagram" xmlns:r="http://schemas.openxmlformats.org/officeDocument/2006/relationships" r:dm="rId7" r:lo="rId8" r:qs="rId9" r:cs="rId10"/>
+            <dgm:relIds xmlns:dgm="http://schemas.openxmlformats.org/drawingml/2006/diagram" xmlns:r="http://schemas.openxmlformats.org/officeDocument/2006/relationships" r:dm="rId2" r:lo="rId3" r:qs="rId4" r:cs="rId5"/>
           </a:graphicData>
         </a:graphic>
       </p:graphicFrame>
       <p:sp>
         <p:nvSpPr>
-          <p:cNvPr id="6" name="Oval 5"/>
+          <p:cNvPr id="4" name="Oval 3"/>
           <p:cNvSpPr/>
           <p:nvPr/>
         </p:nvSpPr>
@@ -14109,175 +11004,9 @@
           </a:fontRef>
         </p:style>
       </p:sp>
-      <p:grpSp>
-        <p:nvGrpSpPr>
-          <p:cNvPr id="7" name="Group 6"/>
-          <p:cNvGrpSpPr/>
-          <p:nvPr/>
-        </p:nvGrpSpPr>
-        <p:grpSpPr>
-          <a:xfrm>
-            <a:off x="7311302" y="3463565"/>
-            <a:ext cx="721352" cy="749302"/>
-            <a:chOff x="2433323" y="640397"/>
-            <a:chExt cx="721352" cy="749302"/>
-          </a:xfrm>
-        </p:grpSpPr>
-        <p:sp>
-          <p:nvSpPr>
-            <p:cNvPr id="8" name="Oval 7"/>
-            <p:cNvSpPr/>
-            <p:nvPr/>
-          </p:nvSpPr>
-          <p:spPr>
-            <a:xfrm>
-              <a:off x="2433323" y="640397"/>
-              <a:ext cx="721352" cy="749302"/>
-            </a:xfrm>
-            <a:prstGeom prst="ellipse">
-              <a:avLst/>
-            </a:prstGeom>
-          </p:spPr>
-          <p:style>
-            <a:lnRef idx="2">
-              <a:schemeClr val="lt1">
-                <a:hueOff val="0"/>
-                <a:satOff val="0"/>
-                <a:lumOff val="0"/>
-                <a:alphaOff val="0"/>
-              </a:schemeClr>
-            </a:lnRef>
-            <a:fillRef idx="1">
-              <a:schemeClr val="accent1">
-                <a:hueOff val="0"/>
-                <a:satOff val="0"/>
-                <a:lumOff val="0"/>
-                <a:alphaOff val="0"/>
-              </a:schemeClr>
-            </a:fillRef>
-            <a:effectRef idx="0">
-              <a:schemeClr val="accent1">
-                <a:hueOff val="0"/>
-                <a:satOff val="0"/>
-                <a:lumOff val="0"/>
-                <a:alphaOff val="0"/>
-              </a:schemeClr>
-            </a:effectRef>
-            <a:fontRef idx="minor">
-              <a:schemeClr val="lt1"/>
-            </a:fontRef>
-          </p:style>
-        </p:sp>
-        <p:sp>
-          <p:nvSpPr>
-            <p:cNvPr id="9" name="Oval 4"/>
-            <p:cNvSpPr/>
-            <p:nvPr/>
-          </p:nvSpPr>
-          <p:spPr>
-            <a:xfrm>
-              <a:off x="2538963" y="750129"/>
-              <a:ext cx="615712" cy="565909"/>
-            </a:xfrm>
-            <a:prstGeom prst="rect">
-              <a:avLst/>
-            </a:prstGeom>
-          </p:spPr>
-          <p:style>
-            <a:lnRef idx="0">
-              <a:scrgbClr r="0" g="0" b="0"/>
-            </a:lnRef>
-            <a:fillRef idx="0">
-              <a:scrgbClr r="0" g="0" b="0"/>
-            </a:fillRef>
-            <a:effectRef idx="0">
-              <a:scrgbClr r="0" g="0" b="0"/>
-            </a:effectRef>
-            <a:fontRef idx="minor">
-              <a:schemeClr val="lt1"/>
-            </a:fontRef>
-          </p:style>
-          <p:txBody>
-            <a:bodyPr spcFirstLastPara="0" vert="horz" wrap="square" lIns="11430" tIns="11430" rIns="11430" bIns="11430" numCol="1" spcCol="1270" anchor="ctr" anchorCtr="0">
-              <a:noAutofit/>
-            </a:bodyPr>
-            <a:lstStyle/>
-            <a:p>
-              <a:pPr lvl="0" algn="ctr" defTabSz="400050">
-                <a:lnSpc>
-                  <a:spcPct val="90000"/>
-                </a:lnSpc>
-                <a:spcBef>
-                  <a:spcPct val="0"/>
-                </a:spcBef>
-                <a:spcAft>
-                  <a:spcPct val="35000"/>
-                </a:spcAft>
-              </a:pPr>
-              <a:r>
-                <a:rPr lang="en-US" sz="900" dirty="0" smtClean="0"/>
-                <a:t>Text file containing preprocessed word set</a:t>
-              </a:r>
-              <a:endParaRPr lang="en-US" sz="900" kern="1200" dirty="0"/>
-            </a:p>
-          </p:txBody>
-        </p:sp>
-      </p:grpSp>
       <p:sp>
         <p:nvSpPr>
-          <p:cNvPr id="10" name="Shape 9"/>
-          <p:cNvSpPr/>
-          <p:nvPr/>
-        </p:nvSpPr>
-        <p:spPr>
-          <a:xfrm>
-            <a:off x="6909963" y="3355638"/>
-            <a:ext cx="1524030" cy="965155"/>
-          </a:xfrm>
-          <a:prstGeom prst="funnel">
-            <a:avLst/>
-          </a:prstGeom>
-        </p:spPr>
-        <p:style>
-          <a:lnRef idx="1">
-            <a:schemeClr val="accent1">
-              <a:hueOff val="0"/>
-              <a:satOff val="0"/>
-              <a:lumOff val="0"/>
-              <a:alphaOff val="0"/>
-            </a:schemeClr>
-          </a:lnRef>
-          <a:fillRef idx="1">
-            <a:schemeClr val="lt1">
-              <a:alpha val="40000"/>
-              <a:hueOff val="0"/>
-              <a:satOff val="0"/>
-              <a:lumOff val="0"/>
-              <a:alphaOff val="0"/>
-            </a:schemeClr>
-          </a:fillRef>
-          <a:effectRef idx="0">
-            <a:schemeClr val="lt1">
-              <a:alpha val="40000"/>
-              <a:hueOff val="0"/>
-              <a:satOff val="0"/>
-              <a:lumOff val="0"/>
-              <a:alphaOff val="0"/>
-            </a:schemeClr>
-          </a:effectRef>
-          <a:fontRef idx="minor">
-            <a:schemeClr val="dk1">
-              <a:hueOff val="0"/>
-              <a:satOff val="0"/>
-              <a:lumOff val="0"/>
-              <a:alphaOff val="0"/>
-            </a:schemeClr>
-          </a:fontRef>
-        </p:style>
-      </p:sp>
-      <p:sp>
-        <p:nvSpPr>
-          <p:cNvPr id="11" name="Down Arrow 10"/>
+          <p:cNvPr id="9" name="Down Arrow 8"/>
           <p:cNvSpPr/>
           <p:nvPr/>
         </p:nvSpPr>
@@ -14329,7 +11058,7 @@
       </p:sp>
       <p:sp>
         <p:nvSpPr>
-          <p:cNvPr id="12" name="Down Arrow 11"/>
+          <p:cNvPr id="10" name="Down Arrow 9"/>
           <p:cNvSpPr/>
           <p:nvPr/>
         </p:nvSpPr>
@@ -14381,7 +11110,7 @@
       </p:sp>
       <p:grpSp>
         <p:nvGrpSpPr>
-          <p:cNvPr id="13" name="Group 12"/>
+          <p:cNvPr id="12" name="Group 11"/>
           <p:cNvGrpSpPr/>
           <p:nvPr/>
         </p:nvGrpSpPr>
@@ -14395,7 +11124,7 @@
         </p:grpSpPr>
         <p:sp>
           <p:nvSpPr>
-            <p:cNvPr id="14" name="Oval 13"/>
+            <p:cNvPr id="13" name="Oval 12"/>
             <p:cNvSpPr/>
             <p:nvPr/>
           </p:nvSpPr>
@@ -14440,7 +11169,7 @@
         </p:sp>
         <p:sp>
           <p:nvSpPr>
-            <p:cNvPr id="15" name="Oval 4"/>
+            <p:cNvPr id="14" name="Oval 4"/>
             <p:cNvSpPr/>
             <p:nvPr/>
           </p:nvSpPr>
@@ -14495,7 +11224,7 @@
       </p:grpSp>
       <p:sp>
         <p:nvSpPr>
-          <p:cNvPr id="16" name="Oval 15"/>
+          <p:cNvPr id="15" name="Oval 14"/>
           <p:cNvSpPr/>
           <p:nvPr/>
         </p:nvSpPr>
@@ -14549,7 +11278,7 @@
       </p:sp>
       <p:sp>
         <p:nvSpPr>
-          <p:cNvPr id="17" name="Down Arrow 16"/>
+          <p:cNvPr id="16" name="Down Arrow 15"/>
           <p:cNvSpPr/>
           <p:nvPr/>
         </p:nvSpPr>
@@ -14601,12 +11330,12 @@
       </p:sp>
       <p:graphicFrame>
         <p:nvGraphicFramePr>
-          <p:cNvPr id="18" name="Diagram 17"/>
+          <p:cNvPr id="17" name="Diagram 16"/>
           <p:cNvGraphicFramePr/>
           <p:nvPr>
             <p:extLst>
               <p:ext uri="{D42A27DB-BD31-4B8C-83A1-F6EECF244321}">
-                <p14:modId xmlns:p14="http://schemas.microsoft.com/office/powerpoint/2010/main" val="814119858"/>
+                <p14:modId xmlns:p14="http://schemas.microsoft.com/office/powerpoint/2010/main" val="405014880"/>
               </p:ext>
             </p:extLst>
           </p:nvPr>
@@ -14617,18 +11346,18 @@
         </p:xfrm>
         <a:graphic>
           <a:graphicData uri="http://schemas.openxmlformats.org/drawingml/2006/diagram">
-            <dgm:relIds xmlns:dgm="http://schemas.openxmlformats.org/drawingml/2006/diagram" xmlns:r="http://schemas.openxmlformats.org/officeDocument/2006/relationships" r:dm="rId12" r:lo="rId13" r:qs="rId14" r:cs="rId15"/>
+            <dgm:relIds xmlns:dgm="http://schemas.openxmlformats.org/drawingml/2006/diagram" xmlns:r="http://schemas.openxmlformats.org/officeDocument/2006/relationships" r:dm="rId7" r:lo="rId8" r:qs="rId9" r:cs="rId10"/>
           </a:graphicData>
         </a:graphic>
       </p:graphicFrame>
       <p:graphicFrame>
         <p:nvGraphicFramePr>
-          <p:cNvPr id="19" name="Diagram 18"/>
+          <p:cNvPr id="20" name="Diagram 19"/>
           <p:cNvGraphicFramePr/>
           <p:nvPr>
             <p:extLst>
               <p:ext uri="{D42A27DB-BD31-4B8C-83A1-F6EECF244321}">
-                <p14:modId xmlns:p14="http://schemas.microsoft.com/office/powerpoint/2010/main" val="3376364822"/>
+                <p14:modId xmlns:p14="http://schemas.microsoft.com/office/powerpoint/2010/main" val="49655087"/>
               </p:ext>
             </p:extLst>
           </p:nvPr>
@@ -14639,14 +11368,178 @@
         </p:xfrm>
         <a:graphic>
           <a:graphicData uri="http://schemas.openxmlformats.org/drawingml/2006/diagram">
-            <dgm:relIds xmlns:dgm="http://schemas.openxmlformats.org/drawingml/2006/diagram" xmlns:r="http://schemas.openxmlformats.org/officeDocument/2006/relationships" r:dm="rId17" r:lo="rId18" r:qs="rId19" r:cs="rId20"/>
+            <dgm:relIds xmlns:dgm="http://schemas.openxmlformats.org/drawingml/2006/diagram" xmlns:r="http://schemas.openxmlformats.org/officeDocument/2006/relationships" r:dm="rId12" r:lo="rId13" r:qs="rId14" r:cs="rId15"/>
           </a:graphicData>
         </a:graphic>
       </p:graphicFrame>
+      <p:sp>
+        <p:nvSpPr>
+          <p:cNvPr id="11" name="Flowchart: Magnetic Disk 10"/>
+          <p:cNvSpPr/>
+          <p:nvPr/>
+        </p:nvSpPr>
+        <p:spPr>
+          <a:xfrm>
+            <a:off x="2514601" y="2108202"/>
+            <a:ext cx="1371600" cy="587120"/>
+          </a:xfrm>
+          <a:prstGeom prst="flowChartMagneticDisk">
+            <a:avLst/>
+          </a:prstGeom>
+          <a:ln w="3175">
+            <a:solidFill>
+              <a:schemeClr val="bg1">
+                <a:lumMod val="95000"/>
+              </a:schemeClr>
+            </a:solidFill>
+          </a:ln>
+        </p:spPr>
+        <p:style>
+          <a:lnRef idx="2">
+            <a:schemeClr val="accent1">
+              <a:shade val="50000"/>
+            </a:schemeClr>
+          </a:lnRef>
+          <a:fillRef idx="1">
+            <a:schemeClr val="accent1"/>
+          </a:fillRef>
+          <a:effectRef idx="0">
+            <a:schemeClr val="accent1"/>
+          </a:effectRef>
+          <a:fontRef idx="minor">
+            <a:schemeClr val="lt1"/>
+          </a:fontRef>
+        </p:style>
+        <p:txBody>
+          <a:bodyPr rtlCol="0" anchor="ctr"/>
+          <a:lstStyle/>
+          <a:p>
+            <a:pPr lvl="0" algn="ctr"/>
+            <a:r>
+              <a:rPr lang="en-US" sz="900" dirty="0"/>
+              <a:t>CSV file of crawled tweets</a:t>
+            </a:r>
+            <a:endParaRPr lang="en-US" sz="900" dirty="0"/>
+          </a:p>
+        </p:txBody>
+      </p:sp>
+      <p:sp>
+        <p:nvSpPr>
+          <p:cNvPr id="19" name="Flowchart: Magnetic Disk 18"/>
+          <p:cNvSpPr/>
+          <p:nvPr/>
+        </p:nvSpPr>
+        <p:spPr>
+          <a:xfrm>
+            <a:off x="7086600" y="3573782"/>
+            <a:ext cx="1295400" cy="617218"/>
+          </a:xfrm>
+          <a:prstGeom prst="flowChartMagneticDisk">
+            <a:avLst/>
+          </a:prstGeom>
+          <a:ln w="3175">
+            <a:solidFill>
+              <a:schemeClr val="bg1">
+                <a:lumMod val="95000"/>
+              </a:schemeClr>
+            </a:solidFill>
+          </a:ln>
+        </p:spPr>
+        <p:style>
+          <a:lnRef idx="2">
+            <a:schemeClr val="accent1">
+              <a:shade val="50000"/>
+            </a:schemeClr>
+          </a:lnRef>
+          <a:fillRef idx="1">
+            <a:schemeClr val="accent1"/>
+          </a:fillRef>
+          <a:effectRef idx="0">
+            <a:schemeClr val="accent1"/>
+          </a:effectRef>
+          <a:fontRef idx="minor">
+            <a:schemeClr val="lt1"/>
+          </a:fontRef>
+        </p:style>
+        <p:txBody>
+          <a:bodyPr rtlCol="0" anchor="ctr"/>
+          <a:lstStyle/>
+          <a:p>
+            <a:pPr lvl="0" algn="ctr" defTabSz="400050">
+              <a:lnSpc>
+                <a:spcPct val="90000"/>
+              </a:lnSpc>
+              <a:spcBef>
+                <a:spcPct val="0"/>
+              </a:spcBef>
+              <a:spcAft>
+                <a:spcPct val="35000"/>
+              </a:spcAft>
+            </a:pPr>
+            <a:r>
+              <a:rPr lang="en-US" sz="900" dirty="0"/>
+              <a:t>Text file containing preprocessed word set</a:t>
+            </a:r>
+            <a:endParaRPr lang="en-US" sz="900" dirty="0"/>
+          </a:p>
+        </p:txBody>
+      </p:sp>
+      <p:sp>
+        <p:nvSpPr>
+          <p:cNvPr id="21" name="Down Arrow 20"/>
+          <p:cNvSpPr/>
+          <p:nvPr/>
+        </p:nvSpPr>
+        <p:spPr>
+          <a:xfrm rot="16200000">
+            <a:off x="4381504" y="2146299"/>
+            <a:ext cx="431793" cy="355600"/>
+          </a:xfrm>
+          <a:prstGeom prst="downArrow">
+            <a:avLst/>
+          </a:prstGeom>
+        </p:spPr>
+        <p:style>
+          <a:lnRef idx="2">
+            <a:schemeClr val="lt1">
+              <a:hueOff val="0"/>
+              <a:satOff val="0"/>
+              <a:lumOff val="0"/>
+              <a:alphaOff val="0"/>
+            </a:schemeClr>
+          </a:lnRef>
+          <a:fillRef idx="1">
+            <a:schemeClr val="accent1">
+              <a:tint val="60000"/>
+              <a:hueOff val="0"/>
+              <a:satOff val="0"/>
+              <a:lumOff val="0"/>
+              <a:alphaOff val="0"/>
+            </a:schemeClr>
+          </a:fillRef>
+          <a:effectRef idx="0">
+            <a:schemeClr val="accent1">
+              <a:tint val="60000"/>
+              <a:hueOff val="0"/>
+              <a:satOff val="0"/>
+              <a:lumOff val="0"/>
+              <a:alphaOff val="0"/>
+            </a:schemeClr>
+          </a:effectRef>
+          <a:fontRef idx="minor">
+            <a:schemeClr val="dk1">
+              <a:hueOff val="0"/>
+              <a:satOff val="0"/>
+              <a:lumOff val="0"/>
+              <a:alphaOff val="0"/>
+            </a:schemeClr>
+          </a:fontRef>
+        </p:style>
+      </p:sp>
     </p:spTree>
     <p:extLst>
       <p:ext uri="{BB962C8B-B14F-4D97-AF65-F5344CB8AC3E}">
-        <p14:creationId xmlns:p14="http://schemas.microsoft.com/office/powerpoint/2010/main" val="507559318"/>
+        <p14:creationId xmlns:p14="http://schemas.microsoft.com/office/powerpoint/2010/main" val="2580377619"/>
       </p:ext>
     </p:extLst>
   </p:cSld>
@@ -14663,7 +11556,7 @@
 </p:sld>
 </file>
 
-<file path=ppt/slides/slide8.xml><?xml version="1.0" encoding="utf-8"?>
+<file path=ppt/slides/slide4.xml><?xml version="1.0" encoding="utf-8"?>
 <p:sld xmlns:a="http://schemas.openxmlformats.org/drawingml/2006/main" xmlns:r="http://schemas.openxmlformats.org/officeDocument/2006/relationships" xmlns:p="http://schemas.openxmlformats.org/presentationml/2006/main">
   <p:cSld>
     <p:spTree>
@@ -14680,58 +11573,16 @@
           <a:chExt cx="0" cy="0"/>
         </a:xfrm>
       </p:grpSpPr>
-      <p:sp>
-        <p:nvSpPr>
-          <p:cNvPr id="2" name="Title 1"/>
-          <p:cNvSpPr>
-            <a:spLocks noGrp="1"/>
-          </p:cNvSpPr>
-          <p:nvPr>
-            <p:ph type="title"/>
-          </p:nvPr>
-        </p:nvSpPr>
-        <p:spPr/>
-        <p:txBody>
-          <a:bodyPr/>
-          <a:lstStyle/>
-          <a:p>
-            <a:r>
-              <a:rPr lang="en-US" dirty="0" smtClean="0"/>
-              <a:t>Result Metric</a:t>
-            </a:r>
-            <a:endParaRPr lang="en-US" dirty="0"/>
-          </a:p>
-        </p:txBody>
-      </p:sp>
-      <p:sp>
-        <p:nvSpPr>
-          <p:cNvPr id="3" name="Content Placeholder 2"/>
-          <p:cNvSpPr>
-            <a:spLocks noGrp="1"/>
-          </p:cNvSpPr>
-          <p:nvPr>
-            <p:ph idx="1"/>
-          </p:nvPr>
-        </p:nvSpPr>
-        <p:spPr/>
-        <p:txBody>
-          <a:bodyPr/>
-          <a:lstStyle/>
-          <a:p>
-            <a:endParaRPr lang="en-US"/>
-          </a:p>
-        </p:txBody>
-      </p:sp>
       <p:graphicFrame>
         <p:nvGraphicFramePr>
-          <p:cNvPr id="4" name="Content Placeholder 4"/>
+          <p:cNvPr id="2" name="Content Placeholder 4"/>
           <p:cNvGraphicFramePr>
             <a:graphicFrameLocks/>
           </p:cNvGraphicFramePr>
           <p:nvPr>
             <p:extLst>
               <p:ext uri="{D42A27DB-BD31-4B8C-83A1-F6EECF244321}">
-                <p14:modId xmlns:p14="http://schemas.microsoft.com/office/powerpoint/2010/main" val="3108916527"/>
+                <p14:modId xmlns:p14="http://schemas.microsoft.com/office/powerpoint/2010/main" val="1424853732"/>
               </p:ext>
             </p:extLst>
           </p:nvPr>
@@ -14895,113 +11746,7 @@
     </p:spTree>
     <p:extLst>
       <p:ext uri="{BB962C8B-B14F-4D97-AF65-F5344CB8AC3E}">
-        <p14:creationId xmlns:p14="http://schemas.microsoft.com/office/powerpoint/2010/main" val="1541076413"/>
-      </p:ext>
-    </p:extLst>
-  </p:cSld>
-  <p:clrMapOvr>
-    <a:masterClrMapping/>
-  </p:clrMapOvr>
-  <p:timing>
-    <p:tnLst>
-      <p:par>
-        <p:cTn id="1" dur="indefinite" restart="never" nodeType="tmRoot"/>
-      </p:par>
-    </p:tnLst>
-  </p:timing>
-</p:sld>
-</file>
-
-<file path=ppt/slides/slide9.xml><?xml version="1.0" encoding="utf-8"?>
-<p:sld xmlns:a="http://schemas.openxmlformats.org/drawingml/2006/main" xmlns:r="http://schemas.openxmlformats.org/officeDocument/2006/relationships" xmlns:p="http://schemas.openxmlformats.org/presentationml/2006/main">
-  <p:cSld>
-    <p:spTree>
-      <p:nvGrpSpPr>
-        <p:cNvPr id="1" name=""/>
-        <p:cNvGrpSpPr/>
-        <p:nvPr/>
-      </p:nvGrpSpPr>
-      <p:grpSpPr>
-        <a:xfrm>
-          <a:off x="0" y="0"/>
-          <a:ext cx="0" cy="0"/>
-          <a:chOff x="0" y="0"/>
-          <a:chExt cx="0" cy="0"/>
-        </a:xfrm>
-      </p:grpSpPr>
-      <p:sp>
-        <p:nvSpPr>
-          <p:cNvPr id="2" name="Title 1"/>
-          <p:cNvSpPr>
-            <a:spLocks noGrp="1"/>
-          </p:cNvSpPr>
-          <p:nvPr>
-            <p:ph type="title"/>
-          </p:nvPr>
-        </p:nvSpPr>
-        <p:spPr/>
-        <p:txBody>
-          <a:bodyPr/>
-          <a:lstStyle/>
-          <a:p>
-            <a:r>
-              <a:rPr lang="en-US" dirty="0" smtClean="0"/>
-              <a:t>Business Value</a:t>
-            </a:r>
-            <a:endParaRPr lang="en-US" dirty="0"/>
-          </a:p>
-        </p:txBody>
-      </p:sp>
-      <p:sp>
-        <p:nvSpPr>
-          <p:cNvPr id="3" name="Content Placeholder 2"/>
-          <p:cNvSpPr>
-            <a:spLocks noGrp="1"/>
-          </p:cNvSpPr>
-          <p:nvPr>
-            <p:ph idx="1"/>
-          </p:nvPr>
-        </p:nvSpPr>
-        <p:spPr/>
-        <p:txBody>
-          <a:bodyPr>
-            <a:normAutofit fontScale="92500"/>
-          </a:bodyPr>
-          <a:lstStyle/>
-          <a:p>
-            <a:r>
-              <a:rPr lang="en-US" dirty="0"/>
-              <a:t>Having insights-rich information eliminates the guesswork and execution of timely decisions. </a:t>
-            </a:r>
-            <a:endParaRPr lang="en-US" dirty="0" smtClean="0"/>
-          </a:p>
-          <a:p>
-            <a:r>
-              <a:rPr lang="en-US" dirty="0" smtClean="0"/>
-              <a:t>With </a:t>
-            </a:r>
-            <a:r>
-              <a:rPr lang="en-US" dirty="0"/>
-              <a:t>the sentiment data about your established and the new products, it’s easier to estimate your customer retention rate. </a:t>
-            </a:r>
-            <a:endParaRPr lang="en-US" dirty="0" smtClean="0"/>
-          </a:p>
-          <a:p>
-            <a:r>
-              <a:rPr lang="en-US" dirty="0" smtClean="0"/>
-              <a:t>Based </a:t>
-            </a:r>
-            <a:r>
-              <a:rPr lang="en-US" dirty="0"/>
-              <a:t>on the reviews generated through sentiment analysis in business, you can always adjust to the present market situation and satisfy your customers in a better way. </a:t>
-            </a:r>
-          </a:p>
-        </p:txBody>
-      </p:sp>
-    </p:spTree>
-    <p:extLst>
-      <p:ext uri="{BB962C8B-B14F-4D97-AF65-F5344CB8AC3E}">
-        <p14:creationId xmlns:p14="http://schemas.microsoft.com/office/powerpoint/2010/main" val="2469632672"/>
+        <p14:creationId xmlns:p14="http://schemas.microsoft.com/office/powerpoint/2010/main" val="753597795"/>
       </p:ext>
     </p:extLst>
   </p:cSld>
